--- a/Presentation1.pptx
+++ b/Presentation1.pptx
@@ -9,6 +9,9 @@
     <p:sldId id="259" r:id="rId3"/>
     <p:sldId id="257" r:id="rId4"/>
     <p:sldId id="258" r:id="rId5"/>
+    <p:sldId id="260" r:id="rId6"/>
+    <p:sldId id="262" r:id="rId7"/>
+    <p:sldId id="263" r:id="rId8"/>
   </p:sldIdLst>
   <p:sldSz cx="12192000" cy="6858000"/>
   <p:notesSz cx="6858000" cy="9144000"/>
@@ -107,6 +110,11 @@
       </a:defRPr>
     </a:lvl9pPr>
   </p:defaultTextStyle>
+  <p:extLst>
+    <p:ext uri="{EFAFB233-063F-42B5-8137-9DF3F51BA10A}">
+      <p15:sldGuideLst xmlns:p15="http://schemas.microsoft.com/office/powerpoint/2012/main"/>
+    </p:ext>
+  </p:extLst>
 </p:presentation>
 </file>
 
@@ -456,11 +464,11 @@
           <c:showPercent val="0"/>
           <c:showBubbleSize val="0"/>
         </c:dLbls>
-        <c:axId val="875604096"/>
-        <c:axId val="875593760"/>
+        <c:axId val="-1906137536"/>
+        <c:axId val="-1906143520"/>
       </c:scatterChart>
       <c:valAx>
-        <c:axId val="875604096"/>
+        <c:axId val="-1906137536"/>
         <c:scaling>
           <c:orientation val="minMax"/>
         </c:scaling>
@@ -577,12 +585,12 @@
             <a:endParaRPr lang="en-US"/>
           </a:p>
         </c:txPr>
-        <c:crossAx val="875593760"/>
+        <c:crossAx val="-1906143520"/>
         <c:crosses val="autoZero"/>
         <c:crossBetween val="midCat"/>
       </c:valAx>
       <c:valAx>
-        <c:axId val="875593760"/>
+        <c:axId val="-1906143520"/>
         <c:scaling>
           <c:orientation val="minMax"/>
           <c:min val="0.19000000000000003"/>
@@ -701,7 +709,7 @@
             <a:endParaRPr lang="en-US"/>
           </a:p>
         </c:txPr>
-        <c:crossAx val="875604096"/>
+        <c:crossAx val="-1906137536"/>
         <c:crosses val="autoZero"/>
         <c:crossBetween val="midCat"/>
       </c:valAx>
@@ -7336,74 +7344,80 @@
         </p:nvSpPr>
         <p:spPr/>
         <p:txBody>
-          <a:bodyPr/>
-          <a:lstStyle/>
-          <a:p>
-            <a:r>
-              <a:rPr lang="en-US" dirty="0" smtClean="0"/>
-              <a:t>With the 3ml Syringe attached</a:t>
+          <a:bodyPr>
+            <a:normAutofit/>
+          </a:bodyPr>
+          <a:lstStyle/>
+          <a:p>
+            <a:r>
+              <a:rPr lang="en-US" cap="none" dirty="0" smtClean="0"/>
+              <a:t>With the 3mL Syringe </a:t>
+            </a:r>
+            <a:r>
+              <a:rPr lang="en-US" cap="none" dirty="0"/>
+              <a:t>A</a:t>
+            </a:r>
+            <a:r>
+              <a:rPr lang="en-US" cap="none" dirty="0" smtClean="0"/>
+              <a:t>ttached</a:t>
             </a:r>
           </a:p>
           <a:p>
             <a:pPr lvl="1"/>
             <a:r>
-              <a:rPr lang="en-US" dirty="0" smtClean="0">
+              <a:rPr lang="en-US" cap="none" dirty="0" smtClean="0">
                 <a:latin typeface="Calibri" panose="020F0502020204030204" pitchFamily="34" charset="0"/>
               </a:rPr>
-              <a:t>1 </a:t>
-            </a:r>
-            <a:r>
-              <a:rPr lang="en-US" dirty="0" err="1" smtClean="0">
+              <a:t>Dispense up to 1 ml or 1000 </a:t>
+            </a:r>
+            <a:r>
+              <a:rPr lang="en-US" cap="none" dirty="0" err="1" smtClean="0">
                 <a:latin typeface="Calibri" panose="020F0502020204030204" pitchFamily="34" charset="0"/>
               </a:rPr>
-              <a:t>mililiter</a:t>
-            </a:r>
-            <a:r>
-              <a:rPr lang="en-US" dirty="0" smtClean="0">
-                <a:latin typeface="Calibri" panose="020F0502020204030204" pitchFamily="34" charset="0"/>
-              </a:rPr>
-              <a:t> or 1000 microliters</a:t>
-            </a:r>
-            <a:endParaRPr lang="en-US" dirty="0">
+              <a:t>ul</a:t>
+            </a:r>
+            <a:endParaRPr lang="en-US" cap="none" dirty="0" smtClean="0">
               <a:latin typeface="Calibri" panose="020F0502020204030204" pitchFamily="34" charset="0"/>
             </a:endParaRPr>
           </a:p>
           <a:p>
             <a:pPr lvl="1"/>
             <a:r>
-              <a:rPr lang="en-US" dirty="0"/>
+              <a:rPr lang="en-US" cap="none" dirty="0" smtClean="0"/>
               <a:t>Depending on the syringe:</a:t>
             </a:r>
           </a:p>
           <a:p>
             <a:pPr lvl="2"/>
             <a:r>
-              <a:rPr lang="en-US" dirty="0"/>
-              <a:t>Measure up in 100ul</a:t>
+              <a:rPr lang="en-US" cap="none" dirty="0" smtClean="0"/>
+              <a:t>Measure in increments of 100ul</a:t>
+            </a:r>
+          </a:p>
+          <a:p>
+            <a:r>
+              <a:rPr lang="en-US" cap="none" dirty="0" smtClean="0"/>
+              <a:t> With 1ml SYRINGE Attached</a:t>
             </a:r>
           </a:p>
           <a:p>
             <a:pPr lvl="1"/>
-            <a:endParaRPr lang="en-US" dirty="0" smtClean="0">
-              <a:latin typeface="Calibri" panose="020F0502020204030204" pitchFamily="34" charset="0"/>
-            </a:endParaRPr>
+            <a:r>
+              <a:rPr lang="en-US" cap="none" dirty="0" smtClean="0"/>
+              <a:t>Dispense up to .35mL or 350uL</a:t>
+            </a:r>
           </a:p>
           <a:p>
             <a:pPr lvl="1"/>
             <a:r>
-              <a:rPr lang="en-US" dirty="0" smtClean="0"/>
-              <a:t>Depending on the syringe:</a:t>
-            </a:r>
-          </a:p>
-          <a:p>
-            <a:pPr lvl="2"/>
-            <a:r>
-              <a:rPr lang="en-US" dirty="0" smtClean="0"/>
-              <a:t>Measure up in 100ul</a:t>
-            </a:r>
-          </a:p>
-          <a:p>
-            <a:pPr lvl="2"/>
+              <a:rPr lang="en-US" cap="none" dirty="0" smtClean="0"/>
+              <a:t>Measure in increments of 10uL</a:t>
+            </a:r>
+          </a:p>
+          <a:p>
+            <a:pPr marL="0" indent="0">
+              <a:buNone/>
+            </a:pPr>
             <a:endParaRPr lang="en-US" dirty="0"/>
           </a:p>
           <a:p>
@@ -7529,14 +7543,19 @@
               <a:rPr lang="en-US" dirty="0" smtClean="0">
                 <a:latin typeface="Calibri" panose="020F0502020204030204" pitchFamily="34" charset="0"/>
               </a:rPr>
-              <a:t>Fix it by adding </a:t>
-            </a:r>
-            <a:r>
-              <a:rPr lang="en-US" dirty="0" err="1" smtClean="0">
+              <a:t>Fix </a:t>
+            </a:r>
+            <a:r>
+              <a:rPr lang="en-US" dirty="0" smtClean="0">
                 <a:latin typeface="Calibri" panose="020F0502020204030204" pitchFamily="34" charset="0"/>
               </a:rPr>
-              <a:t>locktite</a:t>
-            </a:r>
+              <a:t>Replacing the nut with a locking nut</a:t>
+            </a:r>
+          </a:p>
+          <a:p>
+            <a:pPr marL="0" indent="0">
+              <a:buNone/>
+            </a:pPr>
             <a:endParaRPr lang="en-US" dirty="0" smtClean="0">
               <a:latin typeface="Calibri" panose="020F0502020204030204" pitchFamily="34" charset="0"/>
             </a:endParaRPr>
@@ -7570,6 +7589,47 @@
           </a:graphicData>
         </a:graphic>
       </p:graphicFrame>
+      <p:pic>
+        <p:nvPicPr>
+          <p:cNvPr id="1028" name="Picture 4" descr="http://www.nutmanufacturers.com/picture/lock-nuts/locking-nut.jpg"/>
+          <p:cNvPicPr>
+            <a:picLocks noChangeAspect="1" noChangeArrowheads="1"/>
+          </p:cNvPicPr>
+          <p:nvPr/>
+        </p:nvPicPr>
+        <p:blipFill>
+          <a:blip r:embed="rId3">
+            <a:extLst>
+              <a:ext uri="{28A0092B-C50C-407E-A947-70E740481C1C}">
+                <a14:useLocalDpi xmlns:a14="http://schemas.microsoft.com/office/drawing/2010/main" val="0"/>
+              </a:ext>
+            </a:extLst>
+          </a:blip>
+          <a:srcRect/>
+          <a:stretch>
+            <a:fillRect/>
+          </a:stretch>
+        </p:blipFill>
+        <p:spPr bwMode="auto">
+          <a:xfrm>
+            <a:off x="1655602" y="4274048"/>
+            <a:ext cx="1342489" cy="1342489"/>
+          </a:xfrm>
+          <a:prstGeom prst="rect">
+            <a:avLst/>
+          </a:prstGeom>
+          <a:noFill/>
+          <a:extLst>
+            <a:ext uri="{909E8E84-426E-40DD-AFC4-6F175D3DCCD1}">
+              <a14:hiddenFill xmlns:a14="http://schemas.microsoft.com/office/drawing/2010/main">
+                <a:solidFill>
+                  <a:srgbClr val="FFFFFF"/>
+                </a:solidFill>
+              </a14:hiddenFill>
+            </a:ext>
+          </a:extLst>
+        </p:spPr>
+      </p:pic>
     </p:spTree>
     <p:extLst>
       <p:ext uri="{BB962C8B-B14F-4D97-AF65-F5344CB8AC3E}">
@@ -7615,6 +7675,10 @@
           <a:bodyPr/>
           <a:lstStyle/>
           <a:p>
+            <a:r>
+              <a:rPr lang="en-US" dirty="0" smtClean="0"/>
+              <a:t>Testing</a:t>
+            </a:r>
             <a:endParaRPr lang="en-US" dirty="0"/>
           </a:p>
         </p:txBody>
@@ -7631,10 +7695,162 @@
         </p:nvSpPr>
         <p:spPr/>
         <p:txBody>
-          <a:bodyPr/>
-          <a:lstStyle/>
-          <a:p>
-            <a:endParaRPr lang="en-US"/>
+          <a:bodyPr>
+            <a:normAutofit fontScale="92500" lnSpcReduction="10000"/>
+          </a:bodyPr>
+          <a:lstStyle/>
+          <a:p>
+            <a:r>
+              <a:rPr lang="en-US" dirty="0"/>
+              <a:t>To test the </a:t>
+            </a:r>
+            <a:r>
+              <a:rPr lang="en-US" dirty="0" smtClean="0"/>
+              <a:t>commercial pipettes against ours we performed 10 trials at various amounts</a:t>
+            </a:r>
+            <a:endParaRPr lang="en-US" cap="none" dirty="0"/>
+          </a:p>
+          <a:p>
+            <a:r>
+              <a:rPr lang="en-US" dirty="0" smtClean="0"/>
+              <a:t>To </a:t>
+            </a:r>
+            <a:r>
+              <a:rPr lang="en-US" dirty="0"/>
+              <a:t>test the 100-1000</a:t>
+            </a:r>
+            <a:r>
+              <a:rPr lang="en-US" cap="none" dirty="0"/>
+              <a:t>uL</a:t>
+            </a:r>
+            <a:r>
+              <a:rPr lang="en-US" dirty="0"/>
+              <a:t> Pipette against ours we set both pipettes to </a:t>
+            </a:r>
+            <a:r>
+              <a:rPr lang="en-US" dirty="0" smtClean="0"/>
+              <a:t>200</a:t>
+            </a:r>
+            <a:r>
+              <a:rPr lang="en-US" cap="none" dirty="0" smtClean="0"/>
+              <a:t>uL</a:t>
+            </a:r>
+          </a:p>
+          <a:p>
+            <a:pPr lvl="1"/>
+            <a:r>
+              <a:rPr lang="en-US" cap="none" dirty="0" smtClean="0"/>
+              <a:t>weighed </a:t>
+            </a:r>
+            <a:r>
+              <a:rPr lang="en-US" cap="none" dirty="0"/>
+              <a:t>the dispensed liquid in grams</a:t>
+            </a:r>
+          </a:p>
+          <a:p>
+            <a:pPr marL="457200" lvl="1" indent="0">
+              <a:buNone/>
+            </a:pPr>
+            <a:r>
+              <a:rPr lang="en-US" cap="none" dirty="0" smtClean="0"/>
+              <a:t>	Theoretical </a:t>
+            </a:r>
+            <a:r>
+              <a:rPr lang="en-US" cap="none" dirty="0"/>
+              <a:t>weight : </a:t>
+            </a:r>
+            <a:r>
+              <a:rPr lang="en-US" cap="none" dirty="0" smtClean="0"/>
+              <a:t>0.1999g</a:t>
+            </a:r>
+          </a:p>
+          <a:p>
+            <a:r>
+              <a:rPr lang="en-US" cap="none" dirty="0" smtClean="0"/>
+              <a:t> </a:t>
+            </a:r>
+            <a:r>
+              <a:rPr lang="en-US" dirty="0"/>
+              <a:t>To test the </a:t>
+            </a:r>
+            <a:r>
+              <a:rPr lang="en-US" dirty="0" smtClean="0"/>
+              <a:t>10-100</a:t>
+            </a:r>
+            <a:r>
+              <a:rPr lang="en-US" cap="none" dirty="0" smtClean="0"/>
+              <a:t>uL</a:t>
+            </a:r>
+            <a:r>
+              <a:rPr lang="en-US" dirty="0" smtClean="0"/>
+              <a:t> </a:t>
+            </a:r>
+            <a:r>
+              <a:rPr lang="en-US" dirty="0"/>
+              <a:t>Pipette against ours we set both pipettes to </a:t>
+            </a:r>
+            <a:r>
+              <a:rPr lang="en-US" dirty="0" smtClean="0"/>
+              <a:t>50</a:t>
+            </a:r>
+            <a:r>
+              <a:rPr lang="en-US" cap="none" dirty="0" smtClean="0"/>
+              <a:t>uL and to 20uL</a:t>
+            </a:r>
+            <a:endParaRPr lang="en-US" cap="none" dirty="0"/>
+          </a:p>
+          <a:p>
+            <a:pPr lvl="1"/>
+            <a:r>
+              <a:rPr lang="en-US" cap="none" dirty="0" smtClean="0"/>
+              <a:t>weighed </a:t>
+            </a:r>
+            <a:r>
+              <a:rPr lang="en-US" cap="none" dirty="0"/>
+              <a:t>the dispensed liquid in </a:t>
+            </a:r>
+            <a:r>
+              <a:rPr lang="en-US" cap="none" dirty="0" smtClean="0"/>
+              <a:t>grams</a:t>
+            </a:r>
+          </a:p>
+          <a:p>
+            <a:pPr lvl="2"/>
+            <a:r>
+              <a:rPr lang="en-US" cap="none" dirty="0" smtClean="0"/>
+              <a:t>Theoretical </a:t>
+            </a:r>
+            <a:r>
+              <a:rPr lang="en-US" cap="none" dirty="0"/>
+              <a:t>weight </a:t>
+            </a:r>
+            <a:r>
+              <a:rPr lang="en-US" cap="none" dirty="0" smtClean="0"/>
+              <a:t>(50uL) = 0.049999g</a:t>
+            </a:r>
+          </a:p>
+          <a:p>
+            <a:pPr lvl="2"/>
+            <a:r>
+              <a:rPr lang="en-US" cap="none" dirty="0" smtClean="0"/>
+              <a:t>Theoretical weight (20uL) = 0.019999g</a:t>
+            </a:r>
+          </a:p>
+          <a:p>
+            <a:pPr marL="457200" lvl="1" indent="0">
+              <a:buNone/>
+            </a:pPr>
+            <a:endParaRPr lang="en-US" cap="none" dirty="0"/>
+          </a:p>
+          <a:p>
+            <a:endParaRPr lang="en-US" cap="none" dirty="0" smtClean="0"/>
+          </a:p>
+          <a:p>
+            <a:endParaRPr lang="en-US" cap="none" dirty="0" smtClean="0"/>
+          </a:p>
+          <a:p>
+            <a:pPr lvl="1"/>
+            <a:endParaRPr lang="en-US" dirty="0"/>
           </a:p>
         </p:txBody>
       </p:sp>
@@ -7642,6 +7858,610 @@
     <p:extLst>
       <p:ext uri="{BB962C8B-B14F-4D97-AF65-F5344CB8AC3E}">
         <p14:creationId xmlns:p14="http://schemas.microsoft.com/office/powerpoint/2010/main" val="1825872503"/>
+      </p:ext>
+    </p:extLst>
+  </p:cSld>
+  <p:clrMapOvr>
+    <a:masterClrMapping/>
+  </p:clrMapOvr>
+</p:sld>
+</file>
+
+<file path=ppt/slides/slide5.xml><?xml version="1.0" encoding="utf-8"?>
+<p:sld xmlns:a="http://schemas.openxmlformats.org/drawingml/2006/main" xmlns:r="http://schemas.openxmlformats.org/officeDocument/2006/relationships" xmlns:p="http://schemas.openxmlformats.org/presentationml/2006/main">
+  <p:cSld>
+    <p:spTree>
+      <p:nvGrpSpPr>
+        <p:cNvPr id="1" name=""/>
+        <p:cNvGrpSpPr/>
+        <p:nvPr/>
+      </p:nvGrpSpPr>
+      <p:grpSpPr>
+        <a:xfrm>
+          <a:off x="0" y="0"/>
+          <a:ext cx="0" cy="0"/>
+          <a:chOff x="0" y="0"/>
+          <a:chExt cx="0" cy="0"/>
+        </a:xfrm>
+      </p:grpSpPr>
+      <p:sp>
+        <p:nvSpPr>
+          <p:cNvPr id="2" name="Title 1"/>
+          <p:cNvSpPr>
+            <a:spLocks noGrp="1"/>
+          </p:cNvSpPr>
+          <p:nvPr>
+            <p:ph type="title"/>
+          </p:nvPr>
+        </p:nvSpPr>
+        <p:spPr/>
+        <p:txBody>
+          <a:bodyPr/>
+          <a:lstStyle/>
+          <a:p>
+            <a:r>
+              <a:rPr lang="en-US" cap="none" dirty="0" smtClean="0"/>
+              <a:t>200uL</a:t>
+            </a:r>
+            <a:endParaRPr lang="en-US" cap="none" dirty="0"/>
+          </a:p>
+        </p:txBody>
+      </p:sp>
+      <p:sp>
+        <p:nvSpPr>
+          <p:cNvPr id="3" name="Text Placeholder 2"/>
+          <p:cNvSpPr>
+            <a:spLocks noGrp="1"/>
+          </p:cNvSpPr>
+          <p:nvPr>
+            <p:ph type="body" idx="1"/>
+          </p:nvPr>
+        </p:nvSpPr>
+        <p:spPr/>
+        <p:txBody>
+          <a:bodyPr/>
+          <a:lstStyle/>
+          <a:p>
+            <a:r>
+              <a:rPr lang="en-US" dirty="0" smtClean="0"/>
+              <a:t>Commercial pipette	</a:t>
+            </a:r>
+            <a:endParaRPr lang="en-US" dirty="0"/>
+          </a:p>
+        </p:txBody>
+      </p:sp>
+      <p:sp>
+        <p:nvSpPr>
+          <p:cNvPr id="4" name="Content Placeholder 3"/>
+          <p:cNvSpPr>
+            <a:spLocks noGrp="1"/>
+          </p:cNvSpPr>
+          <p:nvPr>
+            <p:ph sz="quarter" idx="13"/>
+          </p:nvPr>
+        </p:nvSpPr>
+        <p:spPr/>
+        <p:txBody>
+          <a:bodyPr/>
+          <a:lstStyle/>
+          <a:p>
+            <a:r>
+              <a:rPr lang="en-US" dirty="0" smtClean="0"/>
+              <a:t>Average of ten trial :                0.20446 </a:t>
+            </a:r>
+          </a:p>
+          <a:p>
+            <a:r>
+              <a:rPr lang="en-US" dirty="0" smtClean="0"/>
+              <a:t>Percent Error:                            2.233%</a:t>
+            </a:r>
+          </a:p>
+          <a:p>
+            <a:r>
+              <a:rPr lang="en-US" dirty="0" smtClean="0"/>
+              <a:t>Standard Deviation :                 0.00291</a:t>
+            </a:r>
+          </a:p>
+          <a:p>
+            <a:r>
+              <a:rPr lang="en-US" dirty="0" smtClean="0"/>
+              <a:t>Percent Standard Deviation:   1.4215%</a:t>
+            </a:r>
+          </a:p>
+        </p:txBody>
+      </p:sp>
+      <p:sp>
+        <p:nvSpPr>
+          <p:cNvPr id="5" name="Text Placeholder 4"/>
+          <p:cNvSpPr>
+            <a:spLocks noGrp="1"/>
+          </p:cNvSpPr>
+          <p:nvPr>
+            <p:ph type="body" sz="quarter" idx="3"/>
+          </p:nvPr>
+        </p:nvSpPr>
+        <p:spPr/>
+        <p:txBody>
+          <a:bodyPr/>
+          <a:lstStyle/>
+          <a:p>
+            <a:r>
+              <a:rPr lang="en-US" dirty="0" smtClean="0"/>
+              <a:t>Test pipette</a:t>
+            </a:r>
+            <a:endParaRPr lang="en-US" dirty="0"/>
+          </a:p>
+        </p:txBody>
+      </p:sp>
+      <p:sp>
+        <p:nvSpPr>
+          <p:cNvPr id="6" name="Content Placeholder 5"/>
+          <p:cNvSpPr>
+            <a:spLocks noGrp="1"/>
+          </p:cNvSpPr>
+          <p:nvPr>
+            <p:ph sz="quarter" idx="14"/>
+          </p:nvPr>
+        </p:nvSpPr>
+        <p:spPr/>
+        <p:txBody>
+          <a:bodyPr/>
+          <a:lstStyle/>
+          <a:p>
+            <a:r>
+              <a:rPr lang="en-US" dirty="0"/>
+              <a:t>Average of ten trial :                 </a:t>
+            </a:r>
+            <a:r>
+              <a:rPr lang="en-US" dirty="0" smtClean="0"/>
+              <a:t>0.19724</a:t>
+            </a:r>
+            <a:endParaRPr lang="en-US" dirty="0"/>
+          </a:p>
+          <a:p>
+            <a:r>
+              <a:rPr lang="en-US" dirty="0"/>
+              <a:t>Percent Error:                             </a:t>
+            </a:r>
+            <a:r>
+              <a:rPr lang="en-US" dirty="0" smtClean="0"/>
+              <a:t>-1.377%</a:t>
+            </a:r>
+            <a:endParaRPr lang="en-US" dirty="0"/>
+          </a:p>
+          <a:p>
+            <a:r>
+              <a:rPr lang="en-US" dirty="0"/>
+              <a:t>Standard Deviation :                  </a:t>
+            </a:r>
+            <a:r>
+              <a:rPr lang="en-US" dirty="0" smtClean="0"/>
+              <a:t>0.00485</a:t>
+            </a:r>
+            <a:endParaRPr lang="en-US" dirty="0"/>
+          </a:p>
+          <a:p>
+            <a:r>
+              <a:rPr lang="en-US" dirty="0"/>
+              <a:t>Percent Standard Deviation:    </a:t>
+            </a:r>
+            <a:r>
+              <a:rPr lang="en-US" dirty="0" smtClean="0"/>
+              <a:t>2.4588%</a:t>
+            </a:r>
+            <a:endParaRPr lang="en-US" dirty="0"/>
+          </a:p>
+          <a:p>
+            <a:endParaRPr lang="en-US" dirty="0"/>
+          </a:p>
+        </p:txBody>
+      </p:sp>
+    </p:spTree>
+    <p:extLst>
+      <p:ext uri="{BB962C8B-B14F-4D97-AF65-F5344CB8AC3E}">
+        <p14:creationId xmlns:p14="http://schemas.microsoft.com/office/powerpoint/2010/main" val="4068384317"/>
+      </p:ext>
+    </p:extLst>
+  </p:cSld>
+  <p:clrMapOvr>
+    <a:masterClrMapping/>
+  </p:clrMapOvr>
+</p:sld>
+</file>
+
+<file path=ppt/slides/slide6.xml><?xml version="1.0" encoding="utf-8"?>
+<p:sld xmlns:a="http://schemas.openxmlformats.org/drawingml/2006/main" xmlns:r="http://schemas.openxmlformats.org/officeDocument/2006/relationships" xmlns:p="http://schemas.openxmlformats.org/presentationml/2006/main">
+  <p:cSld>
+    <p:spTree>
+      <p:nvGrpSpPr>
+        <p:cNvPr id="1" name=""/>
+        <p:cNvGrpSpPr/>
+        <p:nvPr/>
+      </p:nvGrpSpPr>
+      <p:grpSpPr>
+        <a:xfrm>
+          <a:off x="0" y="0"/>
+          <a:ext cx="0" cy="0"/>
+          <a:chOff x="0" y="0"/>
+          <a:chExt cx="0" cy="0"/>
+        </a:xfrm>
+      </p:grpSpPr>
+      <p:sp>
+        <p:nvSpPr>
+          <p:cNvPr id="2" name="Title 1"/>
+          <p:cNvSpPr>
+            <a:spLocks noGrp="1"/>
+          </p:cNvSpPr>
+          <p:nvPr>
+            <p:ph type="title"/>
+          </p:nvPr>
+        </p:nvSpPr>
+        <p:spPr/>
+        <p:txBody>
+          <a:bodyPr/>
+          <a:lstStyle/>
+          <a:p>
+            <a:r>
+              <a:rPr lang="en-US" cap="none" dirty="0" smtClean="0"/>
+              <a:t>50uL</a:t>
+            </a:r>
+            <a:endParaRPr lang="en-US" cap="none" dirty="0"/>
+          </a:p>
+        </p:txBody>
+      </p:sp>
+      <p:sp>
+        <p:nvSpPr>
+          <p:cNvPr id="3" name="Text Placeholder 2"/>
+          <p:cNvSpPr>
+            <a:spLocks noGrp="1"/>
+          </p:cNvSpPr>
+          <p:nvPr>
+            <p:ph type="body" idx="1"/>
+          </p:nvPr>
+        </p:nvSpPr>
+        <p:spPr/>
+        <p:txBody>
+          <a:bodyPr/>
+          <a:lstStyle/>
+          <a:p>
+            <a:r>
+              <a:rPr lang="en-US" dirty="0" smtClean="0"/>
+              <a:t>Commercial pipette	</a:t>
+            </a:r>
+            <a:endParaRPr lang="en-US" dirty="0"/>
+          </a:p>
+        </p:txBody>
+      </p:sp>
+      <p:sp>
+        <p:nvSpPr>
+          <p:cNvPr id="4" name="Content Placeholder 3"/>
+          <p:cNvSpPr>
+            <a:spLocks noGrp="1"/>
+          </p:cNvSpPr>
+          <p:nvPr>
+            <p:ph sz="quarter" idx="13"/>
+          </p:nvPr>
+        </p:nvSpPr>
+        <p:spPr/>
+        <p:txBody>
+          <a:bodyPr/>
+          <a:lstStyle/>
+          <a:p>
+            <a:r>
+              <a:rPr lang="en-US" dirty="0" smtClean="0"/>
+              <a:t>Average of ten trial :                0.0499 </a:t>
+            </a:r>
+          </a:p>
+          <a:p>
+            <a:r>
+              <a:rPr lang="en-US" dirty="0" smtClean="0"/>
+              <a:t>Percent Error:                           -0.197%</a:t>
+            </a:r>
+          </a:p>
+          <a:p>
+            <a:r>
+              <a:rPr lang="en-US" dirty="0" smtClean="0"/>
+              <a:t>Standard Deviation :                 0.00014</a:t>
+            </a:r>
+          </a:p>
+          <a:p>
+            <a:r>
+              <a:rPr lang="en-US" dirty="0" smtClean="0"/>
+              <a:t>Percent Standard Deviation:   0.2834%</a:t>
+            </a:r>
+          </a:p>
+        </p:txBody>
+      </p:sp>
+      <p:sp>
+        <p:nvSpPr>
+          <p:cNvPr id="5" name="Text Placeholder 4"/>
+          <p:cNvSpPr>
+            <a:spLocks noGrp="1"/>
+          </p:cNvSpPr>
+          <p:nvPr>
+            <p:ph type="body" sz="quarter" idx="3"/>
+          </p:nvPr>
+        </p:nvSpPr>
+        <p:spPr/>
+        <p:txBody>
+          <a:bodyPr/>
+          <a:lstStyle/>
+          <a:p>
+            <a:r>
+              <a:rPr lang="en-US" dirty="0" smtClean="0"/>
+              <a:t>Test pipette</a:t>
+            </a:r>
+            <a:endParaRPr lang="en-US" dirty="0"/>
+          </a:p>
+        </p:txBody>
+      </p:sp>
+      <p:sp>
+        <p:nvSpPr>
+          <p:cNvPr id="6" name="Content Placeholder 5"/>
+          <p:cNvSpPr>
+            <a:spLocks noGrp="1"/>
+          </p:cNvSpPr>
+          <p:nvPr>
+            <p:ph sz="quarter" idx="14"/>
+          </p:nvPr>
+        </p:nvSpPr>
+        <p:spPr/>
+        <p:txBody>
+          <a:bodyPr/>
+          <a:lstStyle/>
+          <a:p>
+            <a:r>
+              <a:rPr lang="en-US" dirty="0"/>
+              <a:t>Average of ten trial :                 </a:t>
+            </a:r>
+            <a:r>
+              <a:rPr lang="en-US" dirty="0" smtClean="0"/>
+              <a:t>0.05315</a:t>
+            </a:r>
+            <a:endParaRPr lang="en-US" dirty="0"/>
+          </a:p>
+          <a:p>
+            <a:r>
+              <a:rPr lang="en-US" dirty="0"/>
+              <a:t>Percent Error:                             </a:t>
+            </a:r>
+            <a:r>
+              <a:rPr lang="en-US" dirty="0" smtClean="0"/>
+              <a:t>6.303%</a:t>
+            </a:r>
+            <a:endParaRPr lang="en-US" dirty="0"/>
+          </a:p>
+          <a:p>
+            <a:r>
+              <a:rPr lang="en-US" dirty="0"/>
+              <a:t>Standard Deviation :                  </a:t>
+            </a:r>
+            <a:r>
+              <a:rPr lang="en-US" dirty="0" smtClean="0"/>
+              <a:t>0.00195</a:t>
+            </a:r>
+            <a:endParaRPr lang="en-US" dirty="0"/>
+          </a:p>
+          <a:p>
+            <a:r>
+              <a:rPr lang="en-US" dirty="0"/>
+              <a:t>Percent Standard Deviation:    </a:t>
+            </a:r>
+            <a:r>
+              <a:rPr lang="en-US" dirty="0" smtClean="0"/>
+              <a:t>3.6754%</a:t>
+            </a:r>
+            <a:endParaRPr lang="en-US" dirty="0"/>
+          </a:p>
+          <a:p>
+            <a:endParaRPr lang="en-US" dirty="0"/>
+          </a:p>
+        </p:txBody>
+      </p:sp>
+    </p:spTree>
+    <p:extLst>
+      <p:ext uri="{BB962C8B-B14F-4D97-AF65-F5344CB8AC3E}">
+        <p14:creationId xmlns:p14="http://schemas.microsoft.com/office/powerpoint/2010/main" val="3406382562"/>
+      </p:ext>
+    </p:extLst>
+  </p:cSld>
+  <p:clrMapOvr>
+    <a:masterClrMapping/>
+  </p:clrMapOvr>
+</p:sld>
+</file>
+
+<file path=ppt/slides/slide7.xml><?xml version="1.0" encoding="utf-8"?>
+<p:sld xmlns:a="http://schemas.openxmlformats.org/drawingml/2006/main" xmlns:r="http://schemas.openxmlformats.org/officeDocument/2006/relationships" xmlns:p="http://schemas.openxmlformats.org/presentationml/2006/main">
+  <p:cSld>
+    <p:spTree>
+      <p:nvGrpSpPr>
+        <p:cNvPr id="1" name=""/>
+        <p:cNvGrpSpPr/>
+        <p:nvPr/>
+      </p:nvGrpSpPr>
+      <p:grpSpPr>
+        <a:xfrm>
+          <a:off x="0" y="0"/>
+          <a:ext cx="0" cy="0"/>
+          <a:chOff x="0" y="0"/>
+          <a:chExt cx="0" cy="0"/>
+        </a:xfrm>
+      </p:grpSpPr>
+      <p:sp>
+        <p:nvSpPr>
+          <p:cNvPr id="2" name="Title 1"/>
+          <p:cNvSpPr>
+            <a:spLocks noGrp="1"/>
+          </p:cNvSpPr>
+          <p:nvPr>
+            <p:ph type="title"/>
+          </p:nvPr>
+        </p:nvSpPr>
+        <p:spPr/>
+        <p:txBody>
+          <a:bodyPr/>
+          <a:lstStyle/>
+          <a:p>
+            <a:r>
+              <a:rPr lang="en-US" cap="none" dirty="0" smtClean="0"/>
+              <a:t>20uL</a:t>
+            </a:r>
+            <a:endParaRPr lang="en-US" cap="none" dirty="0"/>
+          </a:p>
+        </p:txBody>
+      </p:sp>
+      <p:sp>
+        <p:nvSpPr>
+          <p:cNvPr id="3" name="Text Placeholder 2"/>
+          <p:cNvSpPr>
+            <a:spLocks noGrp="1"/>
+          </p:cNvSpPr>
+          <p:nvPr>
+            <p:ph type="body" idx="1"/>
+          </p:nvPr>
+        </p:nvSpPr>
+        <p:spPr/>
+        <p:txBody>
+          <a:bodyPr/>
+          <a:lstStyle/>
+          <a:p>
+            <a:r>
+              <a:rPr lang="en-US" dirty="0" smtClean="0"/>
+              <a:t>Commercial pipette	</a:t>
+            </a:r>
+            <a:endParaRPr lang="en-US" dirty="0"/>
+          </a:p>
+        </p:txBody>
+      </p:sp>
+      <p:sp>
+        <p:nvSpPr>
+          <p:cNvPr id="4" name="Content Placeholder 3"/>
+          <p:cNvSpPr>
+            <a:spLocks noGrp="1"/>
+          </p:cNvSpPr>
+          <p:nvPr>
+            <p:ph sz="quarter" idx="13"/>
+          </p:nvPr>
+        </p:nvSpPr>
+        <p:spPr/>
+        <p:txBody>
+          <a:bodyPr/>
+          <a:lstStyle/>
+          <a:p>
+            <a:r>
+              <a:rPr lang="en-US" dirty="0" smtClean="0"/>
+              <a:t>Average of ten trial :                0.01983 </a:t>
+            </a:r>
+          </a:p>
+          <a:p>
+            <a:r>
+              <a:rPr lang="en-US" dirty="0" smtClean="0"/>
+              <a:t>Percent Error:                            -0.847%</a:t>
+            </a:r>
+          </a:p>
+          <a:p>
+            <a:r>
+              <a:rPr lang="en-US" dirty="0" smtClean="0"/>
+              <a:t>Standard Deviation :                 0.00018</a:t>
+            </a:r>
+          </a:p>
+          <a:p>
+            <a:r>
+              <a:rPr lang="en-US" dirty="0" smtClean="0"/>
+              <a:t>Percent Standard Deviation:   0.8911%</a:t>
+            </a:r>
+          </a:p>
+        </p:txBody>
+      </p:sp>
+      <p:sp>
+        <p:nvSpPr>
+          <p:cNvPr id="5" name="Text Placeholder 4"/>
+          <p:cNvSpPr>
+            <a:spLocks noGrp="1"/>
+          </p:cNvSpPr>
+          <p:nvPr>
+            <p:ph type="body" sz="quarter" idx="3"/>
+          </p:nvPr>
+        </p:nvSpPr>
+        <p:spPr/>
+        <p:txBody>
+          <a:bodyPr/>
+          <a:lstStyle/>
+          <a:p>
+            <a:r>
+              <a:rPr lang="en-US" dirty="0" smtClean="0"/>
+              <a:t>Test pipette</a:t>
+            </a:r>
+            <a:endParaRPr lang="en-US" dirty="0"/>
+          </a:p>
+        </p:txBody>
+      </p:sp>
+      <p:sp>
+        <p:nvSpPr>
+          <p:cNvPr id="6" name="Content Placeholder 5"/>
+          <p:cNvSpPr>
+            <a:spLocks noGrp="1"/>
+          </p:cNvSpPr>
+          <p:nvPr>
+            <p:ph sz="quarter" idx="14"/>
+          </p:nvPr>
+        </p:nvSpPr>
+        <p:spPr/>
+        <p:txBody>
+          <a:bodyPr/>
+          <a:lstStyle/>
+          <a:p>
+            <a:r>
+              <a:rPr lang="en-US" dirty="0"/>
+              <a:t>Average of ten trial :                 </a:t>
+            </a:r>
+            <a:r>
+              <a:rPr lang="en-US" dirty="0" smtClean="0"/>
+              <a:t>0.01921</a:t>
+            </a:r>
+            <a:endParaRPr lang="en-US" dirty="0"/>
+          </a:p>
+          <a:p>
+            <a:r>
+              <a:rPr lang="en-US" dirty="0"/>
+              <a:t>Percent Error:                             </a:t>
+            </a:r>
+            <a:r>
+              <a:rPr lang="en-US" dirty="0" smtClean="0"/>
+              <a:t>-3.967%</a:t>
+            </a:r>
+          </a:p>
+          <a:p>
+            <a:r>
+              <a:rPr lang="en-US" dirty="0" smtClean="0"/>
+              <a:t>Standard Deviation :                  0.00042</a:t>
+            </a:r>
+          </a:p>
+          <a:p>
+            <a:r>
+              <a:rPr lang="en-US" dirty="0" smtClean="0"/>
+              <a:t>Percent </a:t>
+            </a:r>
+            <a:r>
+              <a:rPr lang="en-US" dirty="0"/>
+              <a:t>Standard Deviation:    </a:t>
+            </a:r>
+            <a:r>
+              <a:rPr lang="en-US" dirty="0" smtClean="0"/>
+              <a:t>2.1948%</a:t>
+            </a:r>
+            <a:endParaRPr lang="en-US" dirty="0"/>
+          </a:p>
+          <a:p>
+            <a:endParaRPr lang="en-US" dirty="0"/>
+          </a:p>
+        </p:txBody>
+      </p:sp>
+    </p:spTree>
+    <p:extLst>
+      <p:ext uri="{BB962C8B-B14F-4D97-AF65-F5344CB8AC3E}">
+        <p14:creationId xmlns:p14="http://schemas.microsoft.com/office/powerpoint/2010/main" val="2847969902"/>
       </p:ext>
     </p:extLst>
   </p:cSld>

--- a/Presentation1.pptx
+++ b/Presentation1.pptx
@@ -6,12 +6,24 @@
   </p:sldMasterIdLst>
   <p:sldIdLst>
     <p:sldId id="256" r:id="rId2"/>
-    <p:sldId id="259" r:id="rId3"/>
-    <p:sldId id="257" r:id="rId4"/>
-    <p:sldId id="258" r:id="rId5"/>
-    <p:sldId id="260" r:id="rId6"/>
-    <p:sldId id="262" r:id="rId7"/>
-    <p:sldId id="263" r:id="rId8"/>
+    <p:sldId id="271" r:id="rId3"/>
+    <p:sldId id="265" r:id="rId4"/>
+    <p:sldId id="270" r:id="rId5"/>
+    <p:sldId id="279" r:id="rId6"/>
+    <p:sldId id="259" r:id="rId7"/>
+    <p:sldId id="269" r:id="rId8"/>
+    <p:sldId id="257" r:id="rId9"/>
+    <p:sldId id="268" r:id="rId10"/>
+    <p:sldId id="258" r:id="rId11"/>
+    <p:sldId id="272" r:id="rId12"/>
+    <p:sldId id="276" r:id="rId13"/>
+    <p:sldId id="275" r:id="rId14"/>
+    <p:sldId id="260" r:id="rId15"/>
+    <p:sldId id="262" r:id="rId16"/>
+    <p:sldId id="263" r:id="rId17"/>
+    <p:sldId id="266" r:id="rId18"/>
+    <p:sldId id="273" r:id="rId19"/>
+    <p:sldId id="278" r:id="rId20"/>
   </p:sldIdLst>
   <p:sldSz cx="12192000" cy="6858000"/>
   <p:notesSz cx="6858000" cy="9144000"/>
@@ -464,11 +476,11 @@
           <c:showPercent val="0"/>
           <c:showBubbleSize val="0"/>
         </c:dLbls>
-        <c:axId val="-1906137536"/>
-        <c:axId val="-1906143520"/>
+        <c:axId val="-771459392"/>
+        <c:axId val="-771457216"/>
       </c:scatterChart>
       <c:valAx>
-        <c:axId val="-1906137536"/>
+        <c:axId val="-771459392"/>
         <c:scaling>
           <c:orientation val="minMax"/>
         </c:scaling>
@@ -585,12 +597,12 @@
             <a:endParaRPr lang="en-US"/>
           </a:p>
         </c:txPr>
-        <c:crossAx val="-1906143520"/>
+        <c:crossAx val="-771457216"/>
         <c:crosses val="autoZero"/>
         <c:crossBetween val="midCat"/>
       </c:valAx>
       <c:valAx>
-        <c:axId val="-1906143520"/>
+        <c:axId val="-771457216"/>
         <c:scaling>
           <c:orientation val="minMax"/>
           <c:min val="0.19000000000000003"/>
@@ -709,7 +721,7 @@
             <a:endParaRPr lang="en-US"/>
           </a:p>
         </c:txPr>
-        <c:crossAx val="-1906137536"/>
+        <c:crossAx val="-771459392"/>
         <c:crosses val="autoZero"/>
         <c:crossBetween val="midCat"/>
       </c:valAx>
@@ -748,7 +760,741 @@
 </c:chartSpace>
 </file>
 
+<file path=ppt/charts/chart2.xml><?xml version="1.0" encoding="utf-8"?>
+<c:chartSpace xmlns:c="http://schemas.openxmlformats.org/drawingml/2006/chart" xmlns:a="http://schemas.openxmlformats.org/drawingml/2006/main" xmlns:r="http://schemas.openxmlformats.org/officeDocument/2006/relationships">
+  <c:date1904 val="0"/>
+  <c:lang val="en-US"/>
+  <c:roundedCorners val="0"/>
+  <mc:AlternateContent xmlns:mc="http://schemas.openxmlformats.org/markup-compatibility/2006">
+    <mc:Choice xmlns:c14="http://schemas.microsoft.com/office/drawing/2007/8/2/chart" Requires="c14">
+      <c14:style val="102"/>
+    </mc:Choice>
+    <mc:Fallback>
+      <c:style val="2"/>
+    </mc:Fallback>
+  </mc:AlternateContent>
+  <c:chart>
+    <c:title>
+      <c:tx>
+        <c:rich>
+          <a:bodyPr rot="0" spcFirstLastPara="1" vertOverflow="ellipsis" vert="horz" wrap="square" anchor="ctr" anchorCtr="1"/>
+          <a:lstStyle/>
+          <a:p>
+            <a:pPr>
+              <a:defRPr sz="1400" b="0" i="0" u="none" strike="noStrike" kern="1200" spc="0" baseline="0">
+                <a:solidFill>
+                  <a:schemeClr val="tx1">
+                    <a:lumMod val="65000"/>
+                    <a:lumOff val="35000"/>
+                  </a:schemeClr>
+                </a:solidFill>
+                <a:latin typeface="+mn-lt"/>
+                <a:ea typeface="+mn-ea"/>
+                <a:cs typeface="+mn-cs"/>
+              </a:defRPr>
+            </a:pPr>
+            <a:r>
+              <a:rPr lang="en-US" sz="1800" b="0" i="0" baseline="0">
+                <a:effectLst/>
+              </a:rPr>
+              <a:t>Percent Error in Amounts Dispensed</a:t>
+            </a:r>
+            <a:endParaRPr lang="en-US">
+              <a:effectLst/>
+            </a:endParaRPr>
+          </a:p>
+        </c:rich>
+      </c:tx>
+      <c:layout/>
+      <c:overlay val="0"/>
+      <c:spPr>
+        <a:noFill/>
+        <a:ln>
+          <a:noFill/>
+        </a:ln>
+        <a:effectLst/>
+      </c:spPr>
+      <c:txPr>
+        <a:bodyPr rot="0" spcFirstLastPara="1" vertOverflow="ellipsis" vert="horz" wrap="square" anchor="ctr" anchorCtr="1"/>
+        <a:lstStyle/>
+        <a:p>
+          <a:pPr>
+            <a:defRPr sz="1400" b="0" i="0" u="none" strike="noStrike" kern="1200" spc="0" baseline="0">
+              <a:solidFill>
+                <a:schemeClr val="tx1">
+                  <a:lumMod val="65000"/>
+                  <a:lumOff val="35000"/>
+                </a:schemeClr>
+              </a:solidFill>
+              <a:latin typeface="+mn-lt"/>
+              <a:ea typeface="+mn-ea"/>
+              <a:cs typeface="+mn-cs"/>
+            </a:defRPr>
+          </a:pPr>
+          <a:endParaRPr lang="en-US"/>
+        </a:p>
+      </c:txPr>
+    </c:title>
+    <c:autoTitleDeleted val="0"/>
+    <c:plotArea>
+      <c:layout/>
+      <c:barChart>
+        <c:barDir val="col"/>
+        <c:grouping val="clustered"/>
+        <c:varyColors val="0"/>
+        <c:ser>
+          <c:idx val="0"/>
+          <c:order val="0"/>
+          <c:tx>
+            <c:strRef>
+              <c:f>'Percent Error'!$B$1</c:f>
+              <c:strCache>
+                <c:ptCount val="1"/>
+                <c:pt idx="0">
+                  <c:v> Commercial</c:v>
+                </c:pt>
+              </c:strCache>
+            </c:strRef>
+          </c:tx>
+          <c:spPr>
+            <a:solidFill>
+              <a:schemeClr val="accent1"/>
+            </a:solidFill>
+            <a:ln>
+              <a:noFill/>
+            </a:ln>
+            <a:effectLst/>
+          </c:spPr>
+          <c:invertIfNegative val="0"/>
+          <c:dLbls>
+            <c:spPr>
+              <a:noFill/>
+              <a:ln>
+                <a:noFill/>
+              </a:ln>
+              <a:effectLst/>
+            </c:spPr>
+            <c:txPr>
+              <a:bodyPr rot="0" spcFirstLastPara="1" vertOverflow="ellipsis" vert="horz" wrap="square" lIns="38100" tIns="19050" rIns="38100" bIns="19050" anchor="ctr" anchorCtr="1">
+                <a:spAutoFit/>
+              </a:bodyPr>
+              <a:lstStyle/>
+              <a:p>
+                <a:pPr>
+                  <a:defRPr sz="1400" b="0" i="0" u="none" strike="noStrike" kern="1200" baseline="0">
+                    <a:solidFill>
+                      <a:schemeClr val="tx1">
+                        <a:lumMod val="75000"/>
+                        <a:lumOff val="25000"/>
+                      </a:schemeClr>
+                    </a:solidFill>
+                    <a:latin typeface="+mn-lt"/>
+                    <a:ea typeface="+mn-ea"/>
+                    <a:cs typeface="+mn-cs"/>
+                  </a:defRPr>
+                </a:pPr>
+                <a:endParaRPr lang="en-US"/>
+              </a:p>
+            </c:txPr>
+            <c:dLblPos val="outEnd"/>
+            <c:showLegendKey val="0"/>
+            <c:showVal val="1"/>
+            <c:showCatName val="0"/>
+            <c:showSerName val="0"/>
+            <c:showPercent val="0"/>
+            <c:showBubbleSize val="0"/>
+            <c:showLeaderLines val="0"/>
+            <c:extLst>
+              <c:ext xmlns:c15="http://schemas.microsoft.com/office/drawing/2012/chart" uri="{CE6537A1-D6FC-4f65-9D91-7224C49458BB}">
+                <c15:layout/>
+                <c15:showLeaderLines val="1"/>
+                <c15:leaderLines>
+                  <c:spPr>
+                    <a:ln w="9525" cap="flat" cmpd="sng" algn="ctr">
+                      <a:solidFill>
+                        <a:schemeClr val="tx1">
+                          <a:lumMod val="35000"/>
+                          <a:lumOff val="65000"/>
+                        </a:schemeClr>
+                      </a:solidFill>
+                      <a:round/>
+                    </a:ln>
+                    <a:effectLst/>
+                  </c:spPr>
+                </c15:leaderLines>
+              </c:ext>
+            </c:extLst>
+          </c:dLbls>
+          <c:cat>
+            <c:strRef>
+              <c:f>'Percent Error'!$A$2:$A$4</c:f>
+              <c:strCache>
+                <c:ptCount val="3"/>
+                <c:pt idx="0">
+                  <c:v>20uL</c:v>
+                </c:pt>
+                <c:pt idx="1">
+                  <c:v>50uL</c:v>
+                </c:pt>
+                <c:pt idx="2">
+                  <c:v>200uL</c:v>
+                </c:pt>
+              </c:strCache>
+            </c:strRef>
+          </c:cat>
+          <c:val>
+            <c:numRef>
+              <c:f>'Percent Error'!$B$2:$B$4</c:f>
+              <c:numCache>
+                <c:formatCode>0.00%</c:formatCode>
+                <c:ptCount val="3"/>
+                <c:pt idx="0">
+                  <c:v>8.4700000000000001E-3</c:v>
+                </c:pt>
+                <c:pt idx="1">
+                  <c:v>1.97E-3</c:v>
+                </c:pt>
+                <c:pt idx="2">
+                  <c:v>2.2329999999999999E-2</c:v>
+                </c:pt>
+              </c:numCache>
+            </c:numRef>
+          </c:val>
+        </c:ser>
+        <c:ser>
+          <c:idx val="1"/>
+          <c:order val="1"/>
+          <c:tx>
+            <c:strRef>
+              <c:f>'Percent Error'!$C$1</c:f>
+              <c:strCache>
+                <c:ptCount val="1"/>
+                <c:pt idx="0">
+                  <c:v> Test </c:v>
+                </c:pt>
+              </c:strCache>
+            </c:strRef>
+          </c:tx>
+          <c:spPr>
+            <a:solidFill>
+              <a:schemeClr val="accent2"/>
+            </a:solidFill>
+            <a:ln>
+              <a:noFill/>
+            </a:ln>
+            <a:effectLst/>
+          </c:spPr>
+          <c:invertIfNegative val="0"/>
+          <c:dLbls>
+            <c:spPr>
+              <a:noFill/>
+              <a:ln>
+                <a:noFill/>
+              </a:ln>
+              <a:effectLst/>
+            </c:spPr>
+            <c:txPr>
+              <a:bodyPr rot="0" spcFirstLastPara="1" vertOverflow="ellipsis" vert="horz" wrap="square" lIns="38100" tIns="19050" rIns="38100" bIns="19050" anchor="ctr" anchorCtr="1">
+                <a:spAutoFit/>
+              </a:bodyPr>
+              <a:lstStyle/>
+              <a:p>
+                <a:pPr>
+                  <a:defRPr sz="1500" b="0" i="0" u="none" strike="noStrike" kern="1200" baseline="0">
+                    <a:solidFill>
+                      <a:schemeClr val="tx1">
+                        <a:lumMod val="75000"/>
+                        <a:lumOff val="25000"/>
+                      </a:schemeClr>
+                    </a:solidFill>
+                    <a:latin typeface="+mn-lt"/>
+                    <a:ea typeface="+mn-ea"/>
+                    <a:cs typeface="+mn-cs"/>
+                  </a:defRPr>
+                </a:pPr>
+                <a:endParaRPr lang="en-US"/>
+              </a:p>
+            </c:txPr>
+            <c:dLblPos val="outEnd"/>
+            <c:showLegendKey val="0"/>
+            <c:showVal val="1"/>
+            <c:showCatName val="0"/>
+            <c:showSerName val="0"/>
+            <c:showPercent val="0"/>
+            <c:showBubbleSize val="0"/>
+            <c:showLeaderLines val="0"/>
+            <c:extLst>
+              <c:ext xmlns:c15="http://schemas.microsoft.com/office/drawing/2012/chart" uri="{CE6537A1-D6FC-4f65-9D91-7224C49458BB}">
+                <c15:layout/>
+                <c15:showLeaderLines val="1"/>
+                <c15:leaderLines>
+                  <c:spPr>
+                    <a:ln w="9525" cap="flat" cmpd="sng" algn="ctr">
+                      <a:solidFill>
+                        <a:schemeClr val="tx1">
+                          <a:lumMod val="35000"/>
+                          <a:lumOff val="65000"/>
+                        </a:schemeClr>
+                      </a:solidFill>
+                      <a:round/>
+                    </a:ln>
+                    <a:effectLst/>
+                  </c:spPr>
+                </c15:leaderLines>
+              </c:ext>
+            </c:extLst>
+          </c:dLbls>
+          <c:cat>
+            <c:strRef>
+              <c:f>'Percent Error'!$A$2:$A$4</c:f>
+              <c:strCache>
+                <c:ptCount val="3"/>
+                <c:pt idx="0">
+                  <c:v>20uL</c:v>
+                </c:pt>
+                <c:pt idx="1">
+                  <c:v>50uL</c:v>
+                </c:pt>
+                <c:pt idx="2">
+                  <c:v>200uL</c:v>
+                </c:pt>
+              </c:strCache>
+            </c:strRef>
+          </c:cat>
+          <c:val>
+            <c:numRef>
+              <c:f>'Percent Error'!$C$2:$C$4</c:f>
+              <c:numCache>
+                <c:formatCode>0.00%</c:formatCode>
+                <c:ptCount val="3"/>
+                <c:pt idx="0">
+                  <c:v>2.5100000000000001E-2</c:v>
+                </c:pt>
+                <c:pt idx="1">
+                  <c:v>7.0499999999999993E-2</c:v>
+                </c:pt>
+                <c:pt idx="2">
+                  <c:v>1.7770000000000001E-2</c:v>
+                </c:pt>
+              </c:numCache>
+            </c:numRef>
+          </c:val>
+        </c:ser>
+        <c:dLbls>
+          <c:dLblPos val="outEnd"/>
+          <c:showLegendKey val="0"/>
+          <c:showVal val="1"/>
+          <c:showCatName val="0"/>
+          <c:showSerName val="0"/>
+          <c:showPercent val="0"/>
+          <c:showBubbleSize val="0"/>
+        </c:dLbls>
+        <c:gapWidth val="219"/>
+        <c:overlap val="-27"/>
+        <c:axId val="-771447968"/>
+        <c:axId val="-771447424"/>
+      </c:barChart>
+      <c:catAx>
+        <c:axId val="-771447968"/>
+        <c:scaling>
+          <c:orientation val="minMax"/>
+        </c:scaling>
+        <c:delete val="0"/>
+        <c:axPos val="b"/>
+        <c:title>
+          <c:tx>
+            <c:rich>
+              <a:bodyPr rot="0" spcFirstLastPara="1" vertOverflow="ellipsis" vert="horz" wrap="square" anchor="ctr" anchorCtr="1"/>
+              <a:lstStyle/>
+              <a:p>
+                <a:pPr>
+                  <a:defRPr sz="1400" b="0" i="0" u="none" strike="noStrike" kern="1200" baseline="0">
+                    <a:solidFill>
+                      <a:schemeClr val="tx1">
+                        <a:lumMod val="65000"/>
+                        <a:lumOff val="35000"/>
+                      </a:schemeClr>
+                    </a:solidFill>
+                    <a:latin typeface="+mn-lt"/>
+                    <a:ea typeface="+mn-ea"/>
+                    <a:cs typeface="+mn-cs"/>
+                  </a:defRPr>
+                </a:pPr>
+                <a:r>
+                  <a:rPr lang="en-US" sz="1400" baseline="0"/>
+                  <a:t>Amount Dispensed</a:t>
+                </a:r>
+              </a:p>
+            </c:rich>
+          </c:tx>
+          <c:layout/>
+          <c:overlay val="0"/>
+          <c:spPr>
+            <a:noFill/>
+            <a:ln>
+              <a:noFill/>
+            </a:ln>
+            <a:effectLst/>
+          </c:spPr>
+          <c:txPr>
+            <a:bodyPr rot="0" spcFirstLastPara="1" vertOverflow="ellipsis" vert="horz" wrap="square" anchor="ctr" anchorCtr="1"/>
+            <a:lstStyle/>
+            <a:p>
+              <a:pPr>
+                <a:defRPr sz="1400" b="0" i="0" u="none" strike="noStrike" kern="1200" baseline="0">
+                  <a:solidFill>
+                    <a:schemeClr val="tx1">
+                      <a:lumMod val="65000"/>
+                      <a:lumOff val="35000"/>
+                    </a:schemeClr>
+                  </a:solidFill>
+                  <a:latin typeface="+mn-lt"/>
+                  <a:ea typeface="+mn-ea"/>
+                  <a:cs typeface="+mn-cs"/>
+                </a:defRPr>
+              </a:pPr>
+              <a:endParaRPr lang="en-US"/>
+            </a:p>
+          </c:txPr>
+        </c:title>
+        <c:numFmt formatCode="General" sourceLinked="1"/>
+        <c:majorTickMark val="none"/>
+        <c:minorTickMark val="none"/>
+        <c:tickLblPos val="nextTo"/>
+        <c:spPr>
+          <a:noFill/>
+          <a:ln w="9525" cap="flat" cmpd="sng" algn="ctr">
+            <a:solidFill>
+              <a:schemeClr val="tx1">
+                <a:lumMod val="15000"/>
+                <a:lumOff val="85000"/>
+              </a:schemeClr>
+            </a:solidFill>
+            <a:round/>
+          </a:ln>
+          <a:effectLst/>
+        </c:spPr>
+        <c:txPr>
+          <a:bodyPr rot="-60000000" spcFirstLastPara="1" vertOverflow="ellipsis" vert="horz" wrap="square" anchor="ctr" anchorCtr="1"/>
+          <a:lstStyle/>
+          <a:p>
+            <a:pPr>
+              <a:defRPr sz="2000" b="1" i="0" u="none" strike="noStrike" kern="1200" baseline="0">
+                <a:solidFill>
+                  <a:schemeClr val="tx1">
+                    <a:lumMod val="65000"/>
+                    <a:lumOff val="35000"/>
+                  </a:schemeClr>
+                </a:solidFill>
+                <a:latin typeface="+mn-lt"/>
+                <a:ea typeface="+mn-ea"/>
+                <a:cs typeface="+mn-cs"/>
+              </a:defRPr>
+            </a:pPr>
+            <a:endParaRPr lang="en-US"/>
+          </a:p>
+        </c:txPr>
+        <c:crossAx val="-771447424"/>
+        <c:crosses val="autoZero"/>
+        <c:auto val="1"/>
+        <c:lblAlgn val="ctr"/>
+        <c:lblOffset val="100"/>
+        <c:noMultiLvlLbl val="0"/>
+      </c:catAx>
+      <c:valAx>
+        <c:axId val="-771447424"/>
+        <c:scaling>
+          <c:orientation val="minMax"/>
+        </c:scaling>
+        <c:delete val="0"/>
+        <c:axPos val="l"/>
+        <c:majorGridlines>
+          <c:spPr>
+            <a:ln w="9525" cap="flat" cmpd="sng" algn="ctr">
+              <a:solidFill>
+                <a:schemeClr val="tx1">
+                  <a:lumMod val="15000"/>
+                  <a:lumOff val="85000"/>
+                </a:schemeClr>
+              </a:solidFill>
+              <a:round/>
+            </a:ln>
+            <a:effectLst/>
+          </c:spPr>
+        </c:majorGridlines>
+        <c:title>
+          <c:tx>
+            <c:rich>
+              <a:bodyPr rot="-5400000" spcFirstLastPara="1" vertOverflow="ellipsis" vert="horz" wrap="square" anchor="ctr" anchorCtr="1"/>
+              <a:lstStyle/>
+              <a:p>
+                <a:pPr marL="0" marR="0" indent="0" algn="ctr" defTabSz="914400" rtl="0" eaLnBrk="1" fontAlgn="auto" latinLnBrk="0" hangingPunct="1">
+                  <a:lnSpc>
+                    <a:spcPct val="100000"/>
+                  </a:lnSpc>
+                  <a:spcBef>
+                    <a:spcPts val="0"/>
+                  </a:spcBef>
+                  <a:spcAft>
+                    <a:spcPts val="0"/>
+                  </a:spcAft>
+                  <a:buClrTx/>
+                  <a:buSzTx/>
+                  <a:buFontTx/>
+                  <a:buNone/>
+                  <a:tabLst/>
+                  <a:defRPr sz="1400" b="0" i="0" u="none" strike="noStrike" kern="1200" baseline="0">
+                    <a:solidFill>
+                      <a:sysClr val="windowText" lastClr="000000">
+                        <a:lumMod val="65000"/>
+                        <a:lumOff val="35000"/>
+                      </a:sysClr>
+                    </a:solidFill>
+                    <a:latin typeface="+mn-lt"/>
+                    <a:ea typeface="+mn-ea"/>
+                    <a:cs typeface="+mn-cs"/>
+                  </a:defRPr>
+                </a:pPr>
+                <a:r>
+                  <a:rPr lang="en-US" sz="1400" b="0" i="0" baseline="0">
+                    <a:effectLst/>
+                  </a:rPr>
+                  <a:t>Percent Error</a:t>
+                </a:r>
+                <a:endParaRPr lang="en-US" sz="1400" baseline="0">
+                  <a:effectLst/>
+                </a:endParaRPr>
+              </a:p>
+              <a:p>
+                <a:pPr marL="0" marR="0" indent="0" algn="ctr" defTabSz="914400" rtl="0" eaLnBrk="1" fontAlgn="auto" latinLnBrk="0" hangingPunct="1">
+                  <a:lnSpc>
+                    <a:spcPct val="100000"/>
+                  </a:lnSpc>
+                  <a:spcBef>
+                    <a:spcPts val="0"/>
+                  </a:spcBef>
+                  <a:spcAft>
+                    <a:spcPts val="0"/>
+                  </a:spcAft>
+                  <a:buClrTx/>
+                  <a:buSzTx/>
+                  <a:buFontTx/>
+                  <a:buNone/>
+                  <a:tabLst/>
+                  <a:defRPr sz="1400">
+                    <a:solidFill>
+                      <a:sysClr val="windowText" lastClr="000000">
+                        <a:lumMod val="65000"/>
+                        <a:lumOff val="35000"/>
+                      </a:sysClr>
+                    </a:solidFill>
+                  </a:defRPr>
+                </a:pPr>
+                <a:endParaRPr lang="en-US" sz="1400" baseline="0"/>
+              </a:p>
+            </c:rich>
+          </c:tx>
+          <c:layout/>
+          <c:overlay val="0"/>
+          <c:spPr>
+            <a:noFill/>
+            <a:ln>
+              <a:noFill/>
+            </a:ln>
+            <a:effectLst/>
+          </c:spPr>
+          <c:txPr>
+            <a:bodyPr rot="-5400000" spcFirstLastPara="1" vertOverflow="ellipsis" vert="horz" wrap="square" anchor="ctr" anchorCtr="1"/>
+            <a:lstStyle/>
+            <a:p>
+              <a:pPr marL="0" marR="0" indent="0" algn="ctr" defTabSz="914400" rtl="0" eaLnBrk="1" fontAlgn="auto" latinLnBrk="0" hangingPunct="1">
+                <a:lnSpc>
+                  <a:spcPct val="100000"/>
+                </a:lnSpc>
+                <a:spcBef>
+                  <a:spcPts val="0"/>
+                </a:spcBef>
+                <a:spcAft>
+                  <a:spcPts val="0"/>
+                </a:spcAft>
+                <a:buClrTx/>
+                <a:buSzTx/>
+                <a:buFontTx/>
+                <a:buNone/>
+                <a:tabLst/>
+                <a:defRPr sz="1400" b="0" i="0" u="none" strike="noStrike" kern="1200" baseline="0">
+                  <a:solidFill>
+                    <a:sysClr val="windowText" lastClr="000000">
+                      <a:lumMod val="65000"/>
+                      <a:lumOff val="35000"/>
+                    </a:sysClr>
+                  </a:solidFill>
+                  <a:latin typeface="+mn-lt"/>
+                  <a:ea typeface="+mn-ea"/>
+                  <a:cs typeface="+mn-cs"/>
+                </a:defRPr>
+              </a:pPr>
+              <a:endParaRPr lang="en-US"/>
+            </a:p>
+          </c:txPr>
+        </c:title>
+        <c:numFmt formatCode="0.00%" sourceLinked="1"/>
+        <c:majorTickMark val="none"/>
+        <c:minorTickMark val="none"/>
+        <c:tickLblPos val="nextTo"/>
+        <c:spPr>
+          <a:noFill/>
+          <a:ln>
+            <a:noFill/>
+          </a:ln>
+          <a:effectLst/>
+        </c:spPr>
+        <c:txPr>
+          <a:bodyPr rot="-60000000" spcFirstLastPara="1" vertOverflow="ellipsis" vert="horz" wrap="square" anchor="ctr" anchorCtr="1"/>
+          <a:lstStyle/>
+          <a:p>
+            <a:pPr>
+              <a:defRPr sz="1400" b="0" i="0" u="none" strike="noStrike" kern="1200" baseline="0">
+                <a:solidFill>
+                  <a:schemeClr val="tx1">
+                    <a:lumMod val="65000"/>
+                    <a:lumOff val="35000"/>
+                  </a:schemeClr>
+                </a:solidFill>
+                <a:latin typeface="+mn-lt"/>
+                <a:ea typeface="+mn-ea"/>
+                <a:cs typeface="+mn-cs"/>
+              </a:defRPr>
+            </a:pPr>
+            <a:endParaRPr lang="en-US"/>
+          </a:p>
+        </c:txPr>
+        <c:crossAx val="-771447968"/>
+        <c:crosses val="autoZero"/>
+        <c:crossBetween val="between"/>
+      </c:valAx>
+      <c:spPr>
+        <a:noFill/>
+        <a:ln>
+          <a:noFill/>
+        </a:ln>
+        <a:effectLst/>
+      </c:spPr>
+    </c:plotArea>
+    <c:legend>
+      <c:legendPos val="b"/>
+      <c:layout>
+        <c:manualLayout>
+          <c:xMode val="edge"/>
+          <c:yMode val="edge"/>
+          <c:x val="0.67757206566944173"/>
+          <c:y val="0.10818697447372382"/>
+          <c:w val="0.23474096112100779"/>
+          <c:h val="6.4795266928267634E-2"/>
+        </c:manualLayout>
+      </c:layout>
+      <c:overlay val="0"/>
+      <c:spPr>
+        <a:noFill/>
+        <a:ln>
+          <a:noFill/>
+        </a:ln>
+        <a:effectLst/>
+      </c:spPr>
+      <c:txPr>
+        <a:bodyPr rot="0" spcFirstLastPara="1" vertOverflow="ellipsis" vert="horz" wrap="square" anchor="ctr" anchorCtr="1"/>
+        <a:lstStyle/>
+        <a:p>
+          <a:pPr>
+            <a:defRPr sz="2000" b="0" i="0" u="none" strike="noStrike" kern="1200" cap="none" spc="0" baseline="0">
+              <a:ln w="0"/>
+              <a:solidFill>
+                <a:schemeClr val="tx1"/>
+              </a:solidFill>
+              <a:effectLst>
+                <a:outerShdw blurRad="38100" dist="19050" dir="2700000" algn="tl" rotWithShape="0">
+                  <a:schemeClr val="dk1">
+                    <a:alpha val="40000"/>
+                  </a:schemeClr>
+                </a:outerShdw>
+              </a:effectLst>
+              <a:latin typeface="+mn-lt"/>
+              <a:ea typeface="+mn-ea"/>
+              <a:cs typeface="+mn-cs"/>
+            </a:defRPr>
+          </a:pPr>
+          <a:endParaRPr lang="en-US"/>
+        </a:p>
+      </c:txPr>
+    </c:legend>
+    <c:plotVisOnly val="1"/>
+    <c:dispBlanksAs val="gap"/>
+    <c:showDLblsOverMax val="0"/>
+  </c:chart>
+  <c:spPr>
+    <a:noFill/>
+    <a:ln>
+      <a:noFill/>
+    </a:ln>
+    <a:effectLst/>
+  </c:spPr>
+  <c:txPr>
+    <a:bodyPr/>
+    <a:lstStyle/>
+    <a:p>
+      <a:pPr>
+        <a:defRPr/>
+      </a:pPr>
+      <a:endParaRPr lang="en-US"/>
+    </a:p>
+  </c:txPr>
+  <c:externalData r:id="rId3">
+    <c:autoUpdate val="0"/>
+  </c:externalData>
+</c:chartSpace>
+</file>
+
 <file path=ppt/charts/colors1.xml><?xml version="1.0" encoding="utf-8"?>
+<cs:colorStyle xmlns:cs="http://schemas.microsoft.com/office/drawing/2012/chartStyle" xmlns:a="http://schemas.openxmlformats.org/drawingml/2006/main" meth="cycle" id="10">
+  <a:schemeClr val="accent1"/>
+  <a:schemeClr val="accent2"/>
+  <a:schemeClr val="accent3"/>
+  <a:schemeClr val="accent4"/>
+  <a:schemeClr val="accent5"/>
+  <a:schemeClr val="accent6"/>
+  <cs:variation/>
+  <cs:variation>
+    <a:lumMod val="60000"/>
+  </cs:variation>
+  <cs:variation>
+    <a:lumMod val="80000"/>
+    <a:lumOff val="20000"/>
+  </cs:variation>
+  <cs:variation>
+    <a:lumMod val="80000"/>
+  </cs:variation>
+  <cs:variation>
+    <a:lumMod val="60000"/>
+    <a:lumOff val="40000"/>
+  </cs:variation>
+  <cs:variation>
+    <a:lumMod val="50000"/>
+  </cs:variation>
+  <cs:variation>
+    <a:lumMod val="70000"/>
+    <a:lumOff val="30000"/>
+  </cs:variation>
+  <cs:variation>
+    <a:lumMod val="70000"/>
+  </cs:variation>
+  <cs:variation>
+    <a:lumMod val="50000"/>
+    <a:lumOff val="50000"/>
+  </cs:variation>
+</cs:colorStyle>
+</file>
+
+<file path=ppt/charts/colors2.xml><?xml version="1.0" encoding="utf-8"?>
 <cs:colorStyle xmlns:cs="http://schemas.microsoft.com/office/drawing/2012/chartStyle" xmlns:a="http://schemas.openxmlformats.org/drawingml/2006/main" meth="cycle" id="10">
   <a:schemeClr val="accent1"/>
   <a:schemeClr val="accent2"/>
@@ -1304,6 +2050,509 @@
 </cs:chartStyle>
 </file>
 
+<file path=ppt/charts/style2.xml><?xml version="1.0" encoding="utf-8"?>
+<cs:chartStyle xmlns:cs="http://schemas.microsoft.com/office/drawing/2012/chartStyle" xmlns:a="http://schemas.openxmlformats.org/drawingml/2006/main" id="201">
+  <cs:axisTitle>
+    <cs:lnRef idx="0"/>
+    <cs:fillRef idx="0"/>
+    <cs:effectRef idx="0"/>
+    <cs:fontRef idx="minor">
+      <a:schemeClr val="tx1">
+        <a:lumMod val="65000"/>
+        <a:lumOff val="35000"/>
+      </a:schemeClr>
+    </cs:fontRef>
+    <cs:defRPr sz="1000" kern="1200"/>
+  </cs:axisTitle>
+  <cs:categoryAxis>
+    <cs:lnRef idx="0"/>
+    <cs:fillRef idx="0"/>
+    <cs:effectRef idx="0"/>
+    <cs:fontRef idx="minor">
+      <a:schemeClr val="tx1">
+        <a:lumMod val="65000"/>
+        <a:lumOff val="35000"/>
+      </a:schemeClr>
+    </cs:fontRef>
+    <cs:spPr>
+      <a:ln w="9525" cap="flat" cmpd="sng" algn="ctr">
+        <a:solidFill>
+          <a:schemeClr val="tx1">
+            <a:lumMod val="15000"/>
+            <a:lumOff val="85000"/>
+          </a:schemeClr>
+        </a:solidFill>
+        <a:round/>
+      </a:ln>
+    </cs:spPr>
+    <cs:defRPr sz="900" kern="1200"/>
+  </cs:categoryAxis>
+  <cs:chartArea mods="allowNoFillOverride allowNoLineOverride">
+    <cs:lnRef idx="0"/>
+    <cs:fillRef idx="0"/>
+    <cs:effectRef idx="0"/>
+    <cs:fontRef idx="minor">
+      <a:schemeClr val="tx1"/>
+    </cs:fontRef>
+    <cs:spPr>
+      <a:solidFill>
+        <a:schemeClr val="bg1"/>
+      </a:solidFill>
+      <a:ln w="9525" cap="flat" cmpd="sng" algn="ctr">
+        <a:solidFill>
+          <a:schemeClr val="tx1">
+            <a:lumMod val="15000"/>
+            <a:lumOff val="85000"/>
+          </a:schemeClr>
+        </a:solidFill>
+        <a:round/>
+      </a:ln>
+    </cs:spPr>
+    <cs:defRPr sz="1000" kern="1200"/>
+  </cs:chartArea>
+  <cs:dataLabel>
+    <cs:lnRef idx="0"/>
+    <cs:fillRef idx="0"/>
+    <cs:effectRef idx="0"/>
+    <cs:fontRef idx="minor">
+      <a:schemeClr val="tx1">
+        <a:lumMod val="75000"/>
+        <a:lumOff val="25000"/>
+      </a:schemeClr>
+    </cs:fontRef>
+    <cs:defRPr sz="900" kern="1200"/>
+  </cs:dataLabel>
+  <cs:dataLabelCallout>
+    <cs:lnRef idx="0"/>
+    <cs:fillRef idx="0"/>
+    <cs:effectRef idx="0"/>
+    <cs:fontRef idx="minor">
+      <a:schemeClr val="dk1">
+        <a:lumMod val="65000"/>
+        <a:lumOff val="35000"/>
+      </a:schemeClr>
+    </cs:fontRef>
+    <cs:spPr>
+      <a:solidFill>
+        <a:schemeClr val="lt1"/>
+      </a:solidFill>
+      <a:ln>
+        <a:solidFill>
+          <a:schemeClr val="dk1">
+            <a:lumMod val="25000"/>
+            <a:lumOff val="75000"/>
+          </a:schemeClr>
+        </a:solidFill>
+      </a:ln>
+    </cs:spPr>
+    <cs:defRPr sz="900" kern="1200"/>
+    <cs:bodyPr rot="0" spcFirstLastPara="1" vertOverflow="clip" horzOverflow="clip" vert="horz" wrap="square" lIns="36576" tIns="18288" rIns="36576" bIns="18288" anchor="ctr" anchorCtr="1">
+      <a:spAutoFit/>
+    </cs:bodyPr>
+  </cs:dataLabelCallout>
+  <cs:dataPoint>
+    <cs:lnRef idx="0"/>
+    <cs:fillRef idx="1">
+      <cs:styleClr val="auto"/>
+    </cs:fillRef>
+    <cs:effectRef idx="0"/>
+    <cs:fontRef idx="minor">
+      <a:schemeClr val="tx1"/>
+    </cs:fontRef>
+  </cs:dataPoint>
+  <cs:dataPoint3D>
+    <cs:lnRef idx="0"/>
+    <cs:fillRef idx="1">
+      <cs:styleClr val="auto"/>
+    </cs:fillRef>
+    <cs:effectRef idx="0"/>
+    <cs:fontRef idx="minor">
+      <a:schemeClr val="tx1"/>
+    </cs:fontRef>
+  </cs:dataPoint3D>
+  <cs:dataPointLine>
+    <cs:lnRef idx="0">
+      <cs:styleClr val="auto"/>
+    </cs:lnRef>
+    <cs:fillRef idx="1"/>
+    <cs:effectRef idx="0"/>
+    <cs:fontRef idx="minor">
+      <a:schemeClr val="tx1"/>
+    </cs:fontRef>
+    <cs:spPr>
+      <a:ln w="28575" cap="rnd">
+        <a:solidFill>
+          <a:schemeClr val="phClr"/>
+        </a:solidFill>
+        <a:round/>
+      </a:ln>
+    </cs:spPr>
+  </cs:dataPointLine>
+  <cs:dataPointMarker>
+    <cs:lnRef idx="0">
+      <cs:styleClr val="auto"/>
+    </cs:lnRef>
+    <cs:fillRef idx="1">
+      <cs:styleClr val="auto"/>
+    </cs:fillRef>
+    <cs:effectRef idx="0"/>
+    <cs:fontRef idx="minor">
+      <a:schemeClr val="tx1"/>
+    </cs:fontRef>
+    <cs:spPr>
+      <a:ln w="9525">
+        <a:solidFill>
+          <a:schemeClr val="phClr"/>
+        </a:solidFill>
+      </a:ln>
+    </cs:spPr>
+  </cs:dataPointMarker>
+  <cs:dataPointMarkerLayout symbol="circle" size="5"/>
+  <cs:dataPointWireframe>
+    <cs:lnRef idx="0">
+      <cs:styleClr val="auto"/>
+    </cs:lnRef>
+    <cs:fillRef idx="1"/>
+    <cs:effectRef idx="0"/>
+    <cs:fontRef idx="minor">
+      <a:schemeClr val="tx1"/>
+    </cs:fontRef>
+    <cs:spPr>
+      <a:ln w="9525" cap="rnd">
+        <a:solidFill>
+          <a:schemeClr val="phClr"/>
+        </a:solidFill>
+        <a:round/>
+      </a:ln>
+    </cs:spPr>
+  </cs:dataPointWireframe>
+  <cs:dataTable>
+    <cs:lnRef idx="0"/>
+    <cs:fillRef idx="0"/>
+    <cs:effectRef idx="0"/>
+    <cs:fontRef idx="minor">
+      <a:schemeClr val="tx1">
+        <a:lumMod val="65000"/>
+        <a:lumOff val="35000"/>
+      </a:schemeClr>
+    </cs:fontRef>
+    <cs:spPr>
+      <a:noFill/>
+      <a:ln w="9525" cap="flat" cmpd="sng" algn="ctr">
+        <a:solidFill>
+          <a:schemeClr val="tx1">
+            <a:lumMod val="15000"/>
+            <a:lumOff val="85000"/>
+          </a:schemeClr>
+        </a:solidFill>
+        <a:round/>
+      </a:ln>
+    </cs:spPr>
+    <cs:defRPr sz="900" kern="1200"/>
+  </cs:dataTable>
+  <cs:downBar>
+    <cs:lnRef idx="0"/>
+    <cs:fillRef idx="0"/>
+    <cs:effectRef idx="0"/>
+    <cs:fontRef idx="minor">
+      <a:schemeClr val="dk1"/>
+    </cs:fontRef>
+    <cs:spPr>
+      <a:solidFill>
+        <a:schemeClr val="dk1">
+          <a:lumMod val="65000"/>
+          <a:lumOff val="35000"/>
+        </a:schemeClr>
+      </a:solidFill>
+      <a:ln w="9525">
+        <a:solidFill>
+          <a:schemeClr val="tx1">
+            <a:lumMod val="65000"/>
+            <a:lumOff val="35000"/>
+          </a:schemeClr>
+        </a:solidFill>
+      </a:ln>
+    </cs:spPr>
+  </cs:downBar>
+  <cs:dropLine>
+    <cs:lnRef idx="0"/>
+    <cs:fillRef idx="0"/>
+    <cs:effectRef idx="0"/>
+    <cs:fontRef idx="minor">
+      <a:schemeClr val="tx1"/>
+    </cs:fontRef>
+    <cs:spPr>
+      <a:ln w="9525" cap="flat" cmpd="sng" algn="ctr">
+        <a:solidFill>
+          <a:schemeClr val="tx1">
+            <a:lumMod val="35000"/>
+            <a:lumOff val="65000"/>
+          </a:schemeClr>
+        </a:solidFill>
+        <a:round/>
+      </a:ln>
+    </cs:spPr>
+  </cs:dropLine>
+  <cs:errorBar>
+    <cs:lnRef idx="0"/>
+    <cs:fillRef idx="0"/>
+    <cs:effectRef idx="0"/>
+    <cs:fontRef idx="minor">
+      <a:schemeClr val="tx1"/>
+    </cs:fontRef>
+    <cs:spPr>
+      <a:ln w="9525" cap="flat" cmpd="sng" algn="ctr">
+        <a:solidFill>
+          <a:schemeClr val="tx1">
+            <a:lumMod val="65000"/>
+            <a:lumOff val="35000"/>
+          </a:schemeClr>
+        </a:solidFill>
+        <a:round/>
+      </a:ln>
+    </cs:spPr>
+  </cs:errorBar>
+  <cs:floor>
+    <cs:lnRef idx="0"/>
+    <cs:fillRef idx="0"/>
+    <cs:effectRef idx="0"/>
+    <cs:fontRef idx="minor">
+      <a:schemeClr val="tx1"/>
+    </cs:fontRef>
+    <cs:spPr>
+      <a:noFill/>
+      <a:ln>
+        <a:noFill/>
+      </a:ln>
+    </cs:spPr>
+  </cs:floor>
+  <cs:gridlineMajor>
+    <cs:lnRef idx="0"/>
+    <cs:fillRef idx="0"/>
+    <cs:effectRef idx="0"/>
+    <cs:fontRef idx="minor">
+      <a:schemeClr val="tx1"/>
+    </cs:fontRef>
+    <cs:spPr>
+      <a:ln w="9525" cap="flat" cmpd="sng" algn="ctr">
+        <a:solidFill>
+          <a:schemeClr val="tx1">
+            <a:lumMod val="15000"/>
+            <a:lumOff val="85000"/>
+          </a:schemeClr>
+        </a:solidFill>
+        <a:round/>
+      </a:ln>
+    </cs:spPr>
+  </cs:gridlineMajor>
+  <cs:gridlineMinor>
+    <cs:lnRef idx="0"/>
+    <cs:fillRef idx="0"/>
+    <cs:effectRef idx="0"/>
+    <cs:fontRef idx="minor">
+      <a:schemeClr val="tx1"/>
+    </cs:fontRef>
+    <cs:spPr>
+      <a:ln w="9525" cap="flat" cmpd="sng" algn="ctr">
+        <a:solidFill>
+          <a:schemeClr val="tx1">
+            <a:lumMod val="5000"/>
+            <a:lumOff val="95000"/>
+          </a:schemeClr>
+        </a:solidFill>
+        <a:round/>
+      </a:ln>
+    </cs:spPr>
+  </cs:gridlineMinor>
+  <cs:hiLoLine>
+    <cs:lnRef idx="0"/>
+    <cs:fillRef idx="0"/>
+    <cs:effectRef idx="0"/>
+    <cs:fontRef idx="minor">
+      <a:schemeClr val="tx1"/>
+    </cs:fontRef>
+    <cs:spPr>
+      <a:ln w="9525" cap="flat" cmpd="sng" algn="ctr">
+        <a:solidFill>
+          <a:schemeClr val="tx1">
+            <a:lumMod val="75000"/>
+            <a:lumOff val="25000"/>
+          </a:schemeClr>
+        </a:solidFill>
+        <a:round/>
+      </a:ln>
+    </cs:spPr>
+  </cs:hiLoLine>
+  <cs:leaderLine>
+    <cs:lnRef idx="0"/>
+    <cs:fillRef idx="0"/>
+    <cs:effectRef idx="0"/>
+    <cs:fontRef idx="minor">
+      <a:schemeClr val="tx1"/>
+    </cs:fontRef>
+    <cs:spPr>
+      <a:ln w="9525" cap="flat" cmpd="sng" algn="ctr">
+        <a:solidFill>
+          <a:schemeClr val="tx1">
+            <a:lumMod val="35000"/>
+            <a:lumOff val="65000"/>
+          </a:schemeClr>
+        </a:solidFill>
+        <a:round/>
+      </a:ln>
+    </cs:spPr>
+  </cs:leaderLine>
+  <cs:legend>
+    <cs:lnRef idx="0"/>
+    <cs:fillRef idx="0"/>
+    <cs:effectRef idx="0"/>
+    <cs:fontRef idx="minor">
+      <a:schemeClr val="tx1">
+        <a:lumMod val="65000"/>
+        <a:lumOff val="35000"/>
+      </a:schemeClr>
+    </cs:fontRef>
+    <cs:defRPr sz="900" kern="1200"/>
+  </cs:legend>
+  <cs:plotArea mods="allowNoFillOverride allowNoLineOverride">
+    <cs:lnRef idx="0"/>
+    <cs:fillRef idx="0"/>
+    <cs:effectRef idx="0"/>
+    <cs:fontRef idx="minor">
+      <a:schemeClr val="tx1"/>
+    </cs:fontRef>
+  </cs:plotArea>
+  <cs:plotArea3D mods="allowNoFillOverride allowNoLineOverride">
+    <cs:lnRef idx="0"/>
+    <cs:fillRef idx="0"/>
+    <cs:effectRef idx="0"/>
+    <cs:fontRef idx="minor">
+      <a:schemeClr val="tx1"/>
+    </cs:fontRef>
+  </cs:plotArea3D>
+  <cs:seriesAxis>
+    <cs:lnRef idx="0"/>
+    <cs:fillRef idx="0"/>
+    <cs:effectRef idx="0"/>
+    <cs:fontRef idx="minor">
+      <a:schemeClr val="tx1">
+        <a:lumMod val="65000"/>
+        <a:lumOff val="35000"/>
+      </a:schemeClr>
+    </cs:fontRef>
+    <cs:defRPr sz="900" kern="1200"/>
+  </cs:seriesAxis>
+  <cs:seriesLine>
+    <cs:lnRef idx="0"/>
+    <cs:fillRef idx="0"/>
+    <cs:effectRef idx="0"/>
+    <cs:fontRef idx="minor">
+      <a:schemeClr val="tx1"/>
+    </cs:fontRef>
+    <cs:spPr>
+      <a:ln w="9525" cap="flat" cmpd="sng" algn="ctr">
+        <a:solidFill>
+          <a:schemeClr val="tx1">
+            <a:lumMod val="35000"/>
+            <a:lumOff val="65000"/>
+          </a:schemeClr>
+        </a:solidFill>
+        <a:round/>
+      </a:ln>
+    </cs:spPr>
+  </cs:seriesLine>
+  <cs:title>
+    <cs:lnRef idx="0"/>
+    <cs:fillRef idx="0"/>
+    <cs:effectRef idx="0"/>
+    <cs:fontRef idx="minor">
+      <a:schemeClr val="tx1">
+        <a:lumMod val="65000"/>
+        <a:lumOff val="35000"/>
+      </a:schemeClr>
+    </cs:fontRef>
+    <cs:defRPr sz="1400" b="0" kern="1200" spc="0" baseline="0"/>
+  </cs:title>
+  <cs:trendline>
+    <cs:lnRef idx="0">
+      <cs:styleClr val="auto"/>
+    </cs:lnRef>
+    <cs:fillRef idx="0"/>
+    <cs:effectRef idx="0"/>
+    <cs:fontRef idx="minor">
+      <a:schemeClr val="tx1"/>
+    </cs:fontRef>
+    <cs:spPr>
+      <a:ln w="19050" cap="rnd">
+        <a:solidFill>
+          <a:schemeClr val="phClr"/>
+        </a:solidFill>
+        <a:prstDash val="sysDot"/>
+      </a:ln>
+    </cs:spPr>
+  </cs:trendline>
+  <cs:trendlineLabel>
+    <cs:lnRef idx="0"/>
+    <cs:fillRef idx="0"/>
+    <cs:effectRef idx="0"/>
+    <cs:fontRef idx="minor">
+      <a:schemeClr val="tx1">
+        <a:lumMod val="65000"/>
+        <a:lumOff val="35000"/>
+      </a:schemeClr>
+    </cs:fontRef>
+    <cs:defRPr sz="900" kern="1200"/>
+  </cs:trendlineLabel>
+  <cs:upBar>
+    <cs:lnRef idx="0"/>
+    <cs:fillRef idx="0"/>
+    <cs:effectRef idx="0"/>
+    <cs:fontRef idx="minor">
+      <a:schemeClr val="dk1"/>
+    </cs:fontRef>
+    <cs:spPr>
+      <a:solidFill>
+        <a:schemeClr val="lt1"/>
+      </a:solidFill>
+      <a:ln w="9525">
+        <a:solidFill>
+          <a:schemeClr val="tx1">
+            <a:lumMod val="15000"/>
+            <a:lumOff val="85000"/>
+          </a:schemeClr>
+        </a:solidFill>
+      </a:ln>
+    </cs:spPr>
+  </cs:upBar>
+  <cs:valueAxis>
+    <cs:lnRef idx="0"/>
+    <cs:fillRef idx="0"/>
+    <cs:effectRef idx="0"/>
+    <cs:fontRef idx="minor">
+      <a:schemeClr val="tx1">
+        <a:lumMod val="65000"/>
+        <a:lumOff val="35000"/>
+      </a:schemeClr>
+    </cs:fontRef>
+    <cs:defRPr sz="900" kern="1200"/>
+  </cs:valueAxis>
+  <cs:wall>
+    <cs:lnRef idx="0"/>
+    <cs:fillRef idx="0"/>
+    <cs:effectRef idx="0"/>
+    <cs:fontRef idx="minor">
+      <a:schemeClr val="tx1"/>
+    </cs:fontRef>
+    <cs:spPr>
+      <a:noFill/>
+      <a:ln>
+        <a:noFill/>
+      </a:ln>
+    </cs:spPr>
+  </cs:wall>
+</cs:chartStyle>
+</file>
+
 <file path=ppt/slideLayouts/slideLayout1.xml><?xml version="1.0" encoding="utf-8"?>
 <p:sldLayout xmlns:a="http://schemas.openxmlformats.org/drawingml/2006/main" xmlns:r="http://schemas.openxmlformats.org/officeDocument/2006/relationships" xmlns:p="http://schemas.openxmlformats.org/presentationml/2006/main" type="title" preserve="1">
   <p:cSld name="Title Slide">
@@ -7251,12 +8500,21 @@
             <p:ph type="ctrTitle"/>
           </p:nvPr>
         </p:nvSpPr>
-        <p:spPr/>
+        <p:spPr>
+          <a:xfrm>
+            <a:off x="1556702" y="1059182"/>
+            <a:ext cx="8689976" cy="918208"/>
+          </a:xfrm>
+        </p:spPr>
         <p:txBody>
           <a:bodyPr/>
           <a:lstStyle/>
           <a:p>
-            <a:endParaRPr lang="en-US"/>
+            <a:r>
+              <a:rPr lang="en-US" dirty="0" smtClean="0"/>
+              <a:t>3D printed Micropipette</a:t>
+            </a:r>
+            <a:endParaRPr lang="en-US" dirty="0"/>
           </a:p>
         </p:txBody>
       </p:sp>
@@ -7275,14 +8533,2824 @@
           <a:bodyPr/>
           <a:lstStyle/>
           <a:p>
-            <a:endParaRPr lang="en-US"/>
-          </a:p>
-        </p:txBody>
-      </p:sp>
+            <a:endParaRPr lang="en-US" dirty="0"/>
+          </a:p>
+        </p:txBody>
+      </p:sp>
+      <p:pic>
+        <p:nvPicPr>
+          <p:cNvPr id="4" name="Content Placeholder 3"/>
+          <p:cNvPicPr>
+            <a:picLocks noGrp="1" noChangeAspect="1"/>
+          </p:cNvPicPr>
+          <p:nvPr>
+            <p:ph sz="quarter" idx="13"/>
+          </p:nvPr>
+        </p:nvPicPr>
+        <p:blipFill>
+          <a:blip r:embed="rId2"/>
+          <a:stretch>
+            <a:fillRect/>
+          </a:stretch>
+        </p:blipFill>
+        <p:spPr>
+          <a:xfrm>
+            <a:off x="567690" y="560070"/>
+            <a:ext cx="11079480" cy="6297930"/>
+          </a:xfrm>
+          <a:prstGeom prst="rect">
+            <a:avLst/>
+          </a:prstGeom>
+        </p:spPr>
+      </p:pic>
     </p:spTree>
     <p:extLst>
       <p:ext uri="{BB962C8B-B14F-4D97-AF65-F5344CB8AC3E}">
         <p14:creationId xmlns:p14="http://schemas.microsoft.com/office/powerpoint/2010/main" val="795043549"/>
+      </p:ext>
+    </p:extLst>
+  </p:cSld>
+  <p:clrMapOvr>
+    <a:masterClrMapping/>
+  </p:clrMapOvr>
+</p:sld>
+</file>
+
+<file path=ppt/slides/slide10.xml><?xml version="1.0" encoding="utf-8"?>
+<p:sld xmlns:a="http://schemas.openxmlformats.org/drawingml/2006/main" xmlns:r="http://schemas.openxmlformats.org/officeDocument/2006/relationships" xmlns:p="http://schemas.openxmlformats.org/presentationml/2006/main">
+  <p:cSld>
+    <p:spTree>
+      <p:nvGrpSpPr>
+        <p:cNvPr id="1" name=""/>
+        <p:cNvGrpSpPr/>
+        <p:nvPr/>
+      </p:nvGrpSpPr>
+      <p:grpSpPr>
+        <a:xfrm>
+          <a:off x="0" y="0"/>
+          <a:ext cx="0" cy="0"/>
+          <a:chOff x="0" y="0"/>
+          <a:chExt cx="0" cy="0"/>
+        </a:xfrm>
+      </p:grpSpPr>
+      <p:sp>
+        <p:nvSpPr>
+          <p:cNvPr id="2" name="Title 1"/>
+          <p:cNvSpPr>
+            <a:spLocks noGrp="1"/>
+          </p:cNvSpPr>
+          <p:nvPr>
+            <p:ph type="title"/>
+          </p:nvPr>
+        </p:nvSpPr>
+        <p:spPr/>
+        <p:txBody>
+          <a:bodyPr/>
+          <a:lstStyle/>
+          <a:p>
+            <a:r>
+              <a:rPr lang="en-US" dirty="0" smtClean="0"/>
+              <a:t>Testing</a:t>
+            </a:r>
+            <a:endParaRPr lang="en-US" dirty="0"/>
+          </a:p>
+        </p:txBody>
+      </p:sp>
+      <p:sp>
+        <p:nvSpPr>
+          <p:cNvPr id="3" name="Content Placeholder 2"/>
+          <p:cNvSpPr>
+            <a:spLocks noGrp="1"/>
+          </p:cNvSpPr>
+          <p:nvPr>
+            <p:ph sz="quarter" idx="13"/>
+          </p:nvPr>
+        </p:nvSpPr>
+        <p:spPr/>
+        <p:txBody>
+          <a:bodyPr>
+            <a:normAutofit fontScale="92500" lnSpcReduction="20000"/>
+          </a:bodyPr>
+          <a:lstStyle/>
+          <a:p>
+            <a:r>
+              <a:rPr lang="en-US" dirty="0"/>
+              <a:t>To test the </a:t>
+            </a:r>
+            <a:r>
+              <a:rPr lang="en-US" dirty="0" smtClean="0"/>
+              <a:t>commercial pipettes against ours we performed 15 trials at various amounts. We set our pipette to the measurements using out eyes, and reset the screw before each trial.</a:t>
+            </a:r>
+            <a:endParaRPr lang="en-US" cap="none" dirty="0"/>
+          </a:p>
+          <a:p>
+            <a:r>
+              <a:rPr lang="en-US" dirty="0" smtClean="0"/>
+              <a:t>To </a:t>
+            </a:r>
+            <a:r>
+              <a:rPr lang="en-US" dirty="0"/>
+              <a:t>test the 100-1000</a:t>
+            </a:r>
+            <a:r>
+              <a:rPr lang="en-US" cap="none" dirty="0"/>
+              <a:t>uL</a:t>
+            </a:r>
+            <a:r>
+              <a:rPr lang="en-US" dirty="0"/>
+              <a:t> Pipette against ours we set both pipettes to </a:t>
+            </a:r>
+            <a:r>
+              <a:rPr lang="en-US" dirty="0" smtClean="0"/>
+              <a:t>200</a:t>
+            </a:r>
+            <a:r>
+              <a:rPr lang="en-US" cap="none" dirty="0" smtClean="0"/>
+              <a:t>uL</a:t>
+            </a:r>
+          </a:p>
+          <a:p>
+            <a:pPr lvl="1"/>
+            <a:r>
+              <a:rPr lang="en-US" cap="none" dirty="0" smtClean="0"/>
+              <a:t>weighed </a:t>
+            </a:r>
+            <a:r>
+              <a:rPr lang="en-US" cap="none" dirty="0"/>
+              <a:t>the dispensed liquid in grams</a:t>
+            </a:r>
+          </a:p>
+          <a:p>
+            <a:pPr marL="457200" lvl="1" indent="0">
+              <a:buNone/>
+            </a:pPr>
+            <a:r>
+              <a:rPr lang="en-US" cap="none" dirty="0" smtClean="0"/>
+              <a:t>	Theoretical </a:t>
+            </a:r>
+            <a:r>
+              <a:rPr lang="en-US" cap="none" dirty="0"/>
+              <a:t>weight : </a:t>
+            </a:r>
+            <a:r>
+              <a:rPr lang="en-US" cap="none" dirty="0" smtClean="0"/>
+              <a:t>0.1999g</a:t>
+            </a:r>
+          </a:p>
+          <a:p>
+            <a:r>
+              <a:rPr lang="en-US" cap="none" dirty="0" smtClean="0"/>
+              <a:t> </a:t>
+            </a:r>
+            <a:r>
+              <a:rPr lang="en-US" dirty="0"/>
+              <a:t>To test the </a:t>
+            </a:r>
+            <a:r>
+              <a:rPr lang="en-US" dirty="0" smtClean="0"/>
+              <a:t>10-100</a:t>
+            </a:r>
+            <a:r>
+              <a:rPr lang="en-US" cap="none" dirty="0" smtClean="0"/>
+              <a:t>uL</a:t>
+            </a:r>
+            <a:r>
+              <a:rPr lang="en-US" dirty="0" smtClean="0"/>
+              <a:t> </a:t>
+            </a:r>
+            <a:r>
+              <a:rPr lang="en-US" dirty="0"/>
+              <a:t>Pipette against ours we set both pipettes to </a:t>
+            </a:r>
+            <a:r>
+              <a:rPr lang="en-US" dirty="0" smtClean="0"/>
+              <a:t>50</a:t>
+            </a:r>
+            <a:r>
+              <a:rPr lang="en-US" cap="none" dirty="0" smtClean="0"/>
+              <a:t>uL and to 20uL</a:t>
+            </a:r>
+            <a:endParaRPr lang="en-US" cap="none" dirty="0"/>
+          </a:p>
+          <a:p>
+            <a:pPr lvl="1"/>
+            <a:r>
+              <a:rPr lang="en-US" cap="none" dirty="0" smtClean="0"/>
+              <a:t>weighed </a:t>
+            </a:r>
+            <a:r>
+              <a:rPr lang="en-US" cap="none" dirty="0"/>
+              <a:t>the dispensed liquid in </a:t>
+            </a:r>
+            <a:r>
+              <a:rPr lang="en-US" cap="none" dirty="0" smtClean="0"/>
+              <a:t>grams</a:t>
+            </a:r>
+          </a:p>
+          <a:p>
+            <a:pPr lvl="2"/>
+            <a:r>
+              <a:rPr lang="en-US" cap="none" dirty="0" smtClean="0"/>
+              <a:t>Theoretical </a:t>
+            </a:r>
+            <a:r>
+              <a:rPr lang="en-US" cap="none" dirty="0"/>
+              <a:t>weight </a:t>
+            </a:r>
+            <a:r>
+              <a:rPr lang="en-US" cap="none" dirty="0" smtClean="0"/>
+              <a:t>(50uL) = 0.049999g</a:t>
+            </a:r>
+          </a:p>
+          <a:p>
+            <a:pPr lvl="2"/>
+            <a:r>
+              <a:rPr lang="en-US" cap="none" dirty="0" smtClean="0"/>
+              <a:t>Theoretical weight (20uL) = 0.019999g</a:t>
+            </a:r>
+          </a:p>
+          <a:p>
+            <a:pPr marL="457200" lvl="1" indent="0">
+              <a:buNone/>
+            </a:pPr>
+            <a:endParaRPr lang="en-US" cap="none" dirty="0"/>
+          </a:p>
+          <a:p>
+            <a:endParaRPr lang="en-US" cap="none" dirty="0" smtClean="0"/>
+          </a:p>
+          <a:p>
+            <a:endParaRPr lang="en-US" cap="none" dirty="0" smtClean="0"/>
+          </a:p>
+          <a:p>
+            <a:pPr lvl="1"/>
+            <a:endParaRPr lang="en-US" dirty="0"/>
+          </a:p>
+        </p:txBody>
+      </p:sp>
+    </p:spTree>
+    <p:extLst>
+      <p:ext uri="{BB962C8B-B14F-4D97-AF65-F5344CB8AC3E}">
+        <p14:creationId xmlns:p14="http://schemas.microsoft.com/office/powerpoint/2010/main" val="1825872503"/>
+      </p:ext>
+    </p:extLst>
+  </p:cSld>
+  <p:clrMapOvr>
+    <a:masterClrMapping/>
+  </p:clrMapOvr>
+</p:sld>
+</file>
+
+<file path=ppt/slides/slide11.xml><?xml version="1.0" encoding="utf-8"?>
+<p:sld xmlns:a="http://schemas.openxmlformats.org/drawingml/2006/main" xmlns:r="http://schemas.openxmlformats.org/officeDocument/2006/relationships" xmlns:p="http://schemas.openxmlformats.org/presentationml/2006/main">
+  <p:cSld>
+    <p:spTree>
+      <p:nvGrpSpPr>
+        <p:cNvPr id="1" name=""/>
+        <p:cNvGrpSpPr/>
+        <p:nvPr/>
+      </p:nvGrpSpPr>
+      <p:grpSpPr>
+        <a:xfrm>
+          <a:off x="0" y="0"/>
+          <a:ext cx="0" cy="0"/>
+          <a:chOff x="0" y="0"/>
+          <a:chExt cx="0" cy="0"/>
+        </a:xfrm>
+      </p:grpSpPr>
+      <p:sp>
+        <p:nvSpPr>
+          <p:cNvPr id="2" name="Title 1"/>
+          <p:cNvSpPr>
+            <a:spLocks noGrp="1"/>
+          </p:cNvSpPr>
+          <p:nvPr>
+            <p:ph type="title"/>
+          </p:nvPr>
+        </p:nvSpPr>
+        <p:spPr/>
+        <p:txBody>
+          <a:bodyPr/>
+          <a:lstStyle/>
+          <a:p>
+            <a:r>
+              <a:rPr lang="en-US" dirty="0" smtClean="0"/>
+              <a:t>200</a:t>
+            </a:r>
+            <a:r>
+              <a:rPr lang="en-US" cap="none" dirty="0" smtClean="0"/>
+              <a:t>uL</a:t>
+            </a:r>
+            <a:r>
+              <a:rPr lang="en-US" dirty="0"/>
+              <a:t> </a:t>
+            </a:r>
+            <a:r>
+              <a:rPr lang="en-US" dirty="0" smtClean="0"/>
+              <a:t/>
+            </a:r>
+            <a:br>
+              <a:rPr lang="en-US" dirty="0" smtClean="0"/>
+            </a:br>
+            <a:r>
+              <a:rPr lang="en-US" dirty="0" smtClean="0"/>
+              <a:t>Commercial Pipette vs Test pipette</a:t>
+            </a:r>
+            <a:endParaRPr lang="en-US" dirty="0"/>
+          </a:p>
+        </p:txBody>
+      </p:sp>
+      <p:graphicFrame>
+        <p:nvGraphicFramePr>
+          <p:cNvPr id="6" name="Content Placeholder 5"/>
+          <p:cNvGraphicFramePr>
+            <a:graphicFrameLocks noGrp="1"/>
+          </p:cNvGraphicFramePr>
+          <p:nvPr>
+            <p:ph sz="quarter" idx="13"/>
+            <p:extLst>
+              <p:ext uri="{D42A27DB-BD31-4B8C-83A1-F6EECF244321}">
+                <p14:modId xmlns:p14="http://schemas.microsoft.com/office/powerpoint/2010/main" val="840525549"/>
+              </p:ext>
+            </p:extLst>
+          </p:nvPr>
+        </p:nvGraphicFramePr>
+        <p:xfrm>
+          <a:off x="445770" y="1885952"/>
+          <a:ext cx="11395710" cy="4389119"/>
+        </p:xfrm>
+        <a:graphic>
+          <a:graphicData uri="http://schemas.openxmlformats.org/drawingml/2006/table">
+            <a:tbl>
+              <a:tblPr>
+                <a:tableStyleId>{5C22544A-7EE6-4342-B048-85BDC9FD1C3A}</a:tableStyleId>
+              </a:tblPr>
+              <a:tblGrid>
+                <a:gridCol w="4133389"/>
+                <a:gridCol w="3083211"/>
+                <a:gridCol w="4179110"/>
+              </a:tblGrid>
+              <a:tr h="745322">
+                <a:tc rowSpan="2">
+                  <a:txBody>
+                    <a:bodyPr/>
+                    <a:lstStyle/>
+                    <a:p>
+                      <a:pPr algn="l" fontAlgn="ctr"/>
+                      <a:r>
+                        <a:rPr lang="en-US" sz="1600" u="none" strike="noStrike" baseline="0" dirty="0">
+                          <a:effectLst/>
+                        </a:rPr>
+                        <a:t>Trial #</a:t>
+                      </a:r>
+                      <a:endParaRPr lang="en-US" sz="1600" b="0" i="0" u="none" strike="noStrike" baseline="0" dirty="0">
+                        <a:solidFill>
+                          <a:srgbClr val="000000"/>
+                        </a:solidFill>
+                        <a:effectLst/>
+                        <a:latin typeface="Calibri" panose="020F0502020204030204" pitchFamily="34" charset="0"/>
+                      </a:endParaRPr>
+                    </a:p>
+                  </a:txBody>
+                  <a:tcPr marL="9525" marR="9525" marT="9525" marB="0" anchor="ctr"/>
+                </a:tc>
+                <a:tc rowSpan="2">
+                  <a:txBody>
+                    <a:bodyPr/>
+                    <a:lstStyle/>
+                    <a:p>
+                      <a:pPr algn="l" fontAlgn="ctr"/>
+                      <a:r>
+                        <a:rPr lang="en-US" sz="1600" u="none" strike="noStrike" baseline="0">
+                          <a:effectLst/>
+                        </a:rPr>
+                        <a:t>100uL to 1000uL Micropipette Weight of 200uL of Water dispensed (g)</a:t>
+                      </a:r>
+                      <a:endParaRPr lang="en-US" sz="1600" b="0" i="0" u="none" strike="noStrike" baseline="0">
+                        <a:solidFill>
+                          <a:srgbClr val="000000"/>
+                        </a:solidFill>
+                        <a:effectLst/>
+                        <a:latin typeface="Calibri" panose="020F0502020204030204" pitchFamily="34" charset="0"/>
+                      </a:endParaRPr>
+                    </a:p>
+                  </a:txBody>
+                  <a:tcPr marL="9525" marR="9525" marT="9525" marB="0" anchor="ctr"/>
+                </a:tc>
+                <a:tc>
+                  <a:txBody>
+                    <a:bodyPr/>
+                    <a:lstStyle/>
+                    <a:p>
+                      <a:pPr algn="l" fontAlgn="ctr"/>
+                      <a:r>
+                        <a:rPr lang="en-US" sz="1600" u="none" strike="noStrike" baseline="0" dirty="0">
+                          <a:effectLst/>
+                        </a:rPr>
+                        <a:t>Test Pipette (1mL Syringe)</a:t>
+                      </a:r>
+                      <a:endParaRPr lang="en-US" sz="1600" b="0" i="0" u="none" strike="noStrike" baseline="0" dirty="0">
+                        <a:solidFill>
+                          <a:srgbClr val="000000"/>
+                        </a:solidFill>
+                        <a:effectLst/>
+                        <a:latin typeface="Calibri" panose="020F0502020204030204" pitchFamily="34" charset="0"/>
+                      </a:endParaRPr>
+                    </a:p>
+                  </a:txBody>
+                  <a:tcPr marL="9525" marR="9525" marT="9525" marB="0" anchor="ctr"/>
+                </a:tc>
+              </a:tr>
+              <a:tr h="745322">
+                <a:tc vMerge="1">
+                  <a:txBody>
+                    <a:bodyPr/>
+                    <a:lstStyle/>
+                    <a:p>
+                      <a:endParaRPr lang="en-US"/>
+                    </a:p>
+                  </a:txBody>
+                  <a:tcPr/>
+                </a:tc>
+                <a:tc vMerge="1">
+                  <a:txBody>
+                    <a:bodyPr/>
+                    <a:lstStyle/>
+                    <a:p>
+                      <a:endParaRPr lang="en-US"/>
+                    </a:p>
+                  </a:txBody>
+                  <a:tcPr/>
+                </a:tc>
+                <a:tc>
+                  <a:txBody>
+                    <a:bodyPr/>
+                    <a:lstStyle/>
+                    <a:p>
+                      <a:pPr algn="l" fontAlgn="ctr"/>
+                      <a:r>
+                        <a:rPr lang="en-US" sz="1600" u="none" strike="noStrike" baseline="0">
+                          <a:effectLst/>
+                        </a:rPr>
+                        <a:t>Weight of 200uL of Water dispensed (g)</a:t>
+                      </a:r>
+                      <a:endParaRPr lang="en-US" sz="1600" b="0" i="0" u="none" strike="noStrike" baseline="0">
+                        <a:solidFill>
+                          <a:srgbClr val="000000"/>
+                        </a:solidFill>
+                        <a:effectLst/>
+                        <a:latin typeface="Calibri" panose="020F0502020204030204" pitchFamily="34" charset="0"/>
+                      </a:endParaRPr>
+                    </a:p>
+                  </a:txBody>
+                  <a:tcPr marL="9525" marR="9525" marT="9525" marB="0" anchor="ctr"/>
+                </a:tc>
+              </a:tr>
+              <a:tr h="579695">
+                <a:tc>
+                  <a:txBody>
+                    <a:bodyPr/>
+                    <a:lstStyle/>
+                    <a:p>
+                      <a:pPr algn="r" fontAlgn="ctr"/>
+                      <a:r>
+                        <a:rPr lang="en-US" sz="1600" u="none" strike="noStrike" baseline="0">
+                          <a:effectLst/>
+                        </a:rPr>
+                        <a:t>1</a:t>
+                      </a:r>
+                      <a:endParaRPr lang="en-US" sz="1600" b="0" i="0" u="none" strike="noStrike" baseline="0">
+                        <a:solidFill>
+                          <a:srgbClr val="000000"/>
+                        </a:solidFill>
+                        <a:effectLst/>
+                        <a:latin typeface="Calibri" panose="020F0502020204030204" pitchFamily="34" charset="0"/>
+                      </a:endParaRPr>
+                    </a:p>
+                  </a:txBody>
+                  <a:tcPr marL="9525" marR="9525" marT="9525" marB="0" anchor="ctr"/>
+                </a:tc>
+                <a:tc>
+                  <a:txBody>
+                    <a:bodyPr/>
+                    <a:lstStyle/>
+                    <a:p>
+                      <a:pPr algn="r" fontAlgn="ctr"/>
+                      <a:r>
+                        <a:rPr lang="en-US" sz="1600" u="none" strike="noStrike" baseline="0">
+                          <a:effectLst/>
+                        </a:rPr>
+                        <a:t>0.2028</a:t>
+                      </a:r>
+                      <a:endParaRPr lang="en-US" sz="1600" b="0" i="0" u="none" strike="noStrike" baseline="0">
+                        <a:solidFill>
+                          <a:srgbClr val="000000"/>
+                        </a:solidFill>
+                        <a:effectLst/>
+                        <a:latin typeface="Calibri" panose="020F0502020204030204" pitchFamily="34" charset="0"/>
+                      </a:endParaRPr>
+                    </a:p>
+                  </a:txBody>
+                  <a:tcPr marL="9525" marR="9525" marT="9525" marB="0" anchor="ctr"/>
+                </a:tc>
+                <a:tc>
+                  <a:txBody>
+                    <a:bodyPr/>
+                    <a:lstStyle/>
+                    <a:p>
+                      <a:pPr algn="r" fontAlgn="ctr"/>
+                      <a:r>
+                        <a:rPr lang="en-US" sz="1600" u="none" strike="noStrike" baseline="0">
+                          <a:effectLst/>
+                        </a:rPr>
+                        <a:t>0.1994</a:t>
+                      </a:r>
+                      <a:endParaRPr lang="en-US" sz="1600" b="0" i="0" u="none" strike="noStrike" baseline="0">
+                        <a:solidFill>
+                          <a:srgbClr val="000000"/>
+                        </a:solidFill>
+                        <a:effectLst/>
+                        <a:latin typeface="Calibri" panose="020F0502020204030204" pitchFamily="34" charset="0"/>
+                      </a:endParaRPr>
+                    </a:p>
+                  </a:txBody>
+                  <a:tcPr marL="9525" marR="9525" marT="9525" marB="0" anchor="ctr"/>
+                </a:tc>
+              </a:tr>
+              <a:tr h="579695">
+                <a:tc>
+                  <a:txBody>
+                    <a:bodyPr/>
+                    <a:lstStyle/>
+                    <a:p>
+                      <a:pPr algn="r" fontAlgn="ctr"/>
+                      <a:r>
+                        <a:rPr lang="en-US" sz="1600" u="none" strike="noStrike" baseline="0">
+                          <a:effectLst/>
+                        </a:rPr>
+                        <a:t>2</a:t>
+                      </a:r>
+                      <a:endParaRPr lang="en-US" sz="1600" b="0" i="0" u="none" strike="noStrike" baseline="0">
+                        <a:solidFill>
+                          <a:srgbClr val="000000"/>
+                        </a:solidFill>
+                        <a:effectLst/>
+                        <a:latin typeface="Calibri" panose="020F0502020204030204" pitchFamily="34" charset="0"/>
+                      </a:endParaRPr>
+                    </a:p>
+                  </a:txBody>
+                  <a:tcPr marL="9525" marR="9525" marT="9525" marB="0" anchor="ctr"/>
+                </a:tc>
+                <a:tc>
+                  <a:txBody>
+                    <a:bodyPr/>
+                    <a:lstStyle/>
+                    <a:p>
+                      <a:pPr algn="r" fontAlgn="ctr"/>
+                      <a:r>
+                        <a:rPr lang="en-US" sz="1600" u="none" strike="noStrike" baseline="0">
+                          <a:effectLst/>
+                        </a:rPr>
+                        <a:t>0.2044</a:t>
+                      </a:r>
+                      <a:endParaRPr lang="en-US" sz="1600" b="0" i="0" u="none" strike="noStrike" baseline="0">
+                        <a:solidFill>
+                          <a:srgbClr val="000000"/>
+                        </a:solidFill>
+                        <a:effectLst/>
+                        <a:latin typeface="Calibri" panose="020F0502020204030204" pitchFamily="34" charset="0"/>
+                      </a:endParaRPr>
+                    </a:p>
+                  </a:txBody>
+                  <a:tcPr marL="9525" marR="9525" marT="9525" marB="0" anchor="ctr"/>
+                </a:tc>
+                <a:tc>
+                  <a:txBody>
+                    <a:bodyPr/>
+                    <a:lstStyle/>
+                    <a:p>
+                      <a:pPr algn="r" fontAlgn="ctr"/>
+                      <a:r>
+                        <a:rPr lang="en-US" sz="1600" u="none" strike="noStrike" baseline="0">
+                          <a:effectLst/>
+                        </a:rPr>
+                        <a:t>0.2001</a:t>
+                      </a:r>
+                      <a:endParaRPr lang="en-US" sz="1600" b="0" i="0" u="none" strike="noStrike" baseline="0">
+                        <a:solidFill>
+                          <a:srgbClr val="000000"/>
+                        </a:solidFill>
+                        <a:effectLst/>
+                        <a:latin typeface="Calibri" panose="020F0502020204030204" pitchFamily="34" charset="0"/>
+                      </a:endParaRPr>
+                    </a:p>
+                  </a:txBody>
+                  <a:tcPr marL="9525" marR="9525" marT="9525" marB="0" anchor="ctr"/>
+                </a:tc>
+              </a:tr>
+              <a:tr h="579695">
+                <a:tc>
+                  <a:txBody>
+                    <a:bodyPr/>
+                    <a:lstStyle/>
+                    <a:p>
+                      <a:pPr algn="r" fontAlgn="ctr"/>
+                      <a:r>
+                        <a:rPr lang="en-US" sz="1600" u="none" strike="noStrike" baseline="0">
+                          <a:effectLst/>
+                        </a:rPr>
+                        <a:t>3</a:t>
+                      </a:r>
+                      <a:endParaRPr lang="en-US" sz="1600" b="0" i="0" u="none" strike="noStrike" baseline="0">
+                        <a:solidFill>
+                          <a:srgbClr val="000000"/>
+                        </a:solidFill>
+                        <a:effectLst/>
+                        <a:latin typeface="Calibri" panose="020F0502020204030204" pitchFamily="34" charset="0"/>
+                      </a:endParaRPr>
+                    </a:p>
+                  </a:txBody>
+                  <a:tcPr marL="9525" marR="9525" marT="9525" marB="0" anchor="ctr"/>
+                </a:tc>
+                <a:tc>
+                  <a:txBody>
+                    <a:bodyPr/>
+                    <a:lstStyle/>
+                    <a:p>
+                      <a:pPr algn="r" fontAlgn="ctr"/>
+                      <a:r>
+                        <a:rPr lang="en-US" sz="1600" u="none" strike="noStrike" baseline="0">
+                          <a:effectLst/>
+                        </a:rPr>
+                        <a:t>0.2014</a:t>
+                      </a:r>
+                      <a:endParaRPr lang="en-US" sz="1600" b="0" i="0" u="none" strike="noStrike" baseline="0">
+                        <a:solidFill>
+                          <a:srgbClr val="000000"/>
+                        </a:solidFill>
+                        <a:effectLst/>
+                        <a:latin typeface="Calibri" panose="020F0502020204030204" pitchFamily="34" charset="0"/>
+                      </a:endParaRPr>
+                    </a:p>
+                  </a:txBody>
+                  <a:tcPr marL="9525" marR="9525" marT="9525" marB="0" anchor="ctr"/>
+                </a:tc>
+                <a:tc>
+                  <a:txBody>
+                    <a:bodyPr/>
+                    <a:lstStyle/>
+                    <a:p>
+                      <a:pPr algn="r" fontAlgn="ctr"/>
+                      <a:r>
+                        <a:rPr lang="en-US" sz="1600" u="none" strike="noStrike" baseline="0" dirty="0">
+                          <a:effectLst/>
+                        </a:rPr>
+                        <a:t>0.1997</a:t>
+                      </a:r>
+                      <a:endParaRPr lang="en-US" sz="1600" b="0" i="0" u="none" strike="noStrike" baseline="0" dirty="0">
+                        <a:solidFill>
+                          <a:srgbClr val="000000"/>
+                        </a:solidFill>
+                        <a:effectLst/>
+                        <a:latin typeface="Calibri" panose="020F0502020204030204" pitchFamily="34" charset="0"/>
+                      </a:endParaRPr>
+                    </a:p>
+                  </a:txBody>
+                  <a:tcPr marL="9525" marR="9525" marT="9525" marB="0" anchor="ctr"/>
+                </a:tc>
+              </a:tr>
+              <a:tr h="579695">
+                <a:tc>
+                  <a:txBody>
+                    <a:bodyPr/>
+                    <a:lstStyle/>
+                    <a:p>
+                      <a:pPr algn="r" fontAlgn="ctr"/>
+                      <a:r>
+                        <a:rPr lang="en-US" sz="1600" u="none" strike="noStrike" baseline="0">
+                          <a:effectLst/>
+                        </a:rPr>
+                        <a:t>4</a:t>
+                      </a:r>
+                      <a:endParaRPr lang="en-US" sz="1600" b="0" i="0" u="none" strike="noStrike" baseline="0">
+                        <a:solidFill>
+                          <a:srgbClr val="000000"/>
+                        </a:solidFill>
+                        <a:effectLst/>
+                        <a:latin typeface="Calibri" panose="020F0502020204030204" pitchFamily="34" charset="0"/>
+                      </a:endParaRPr>
+                    </a:p>
+                  </a:txBody>
+                  <a:tcPr marL="9525" marR="9525" marT="9525" marB="0" anchor="ctr"/>
+                </a:tc>
+                <a:tc>
+                  <a:txBody>
+                    <a:bodyPr/>
+                    <a:lstStyle/>
+                    <a:p>
+                      <a:pPr algn="r" fontAlgn="ctr"/>
+                      <a:r>
+                        <a:rPr lang="en-US" sz="1600" u="none" strike="noStrike" baseline="0">
+                          <a:effectLst/>
+                        </a:rPr>
+                        <a:t>0.2004</a:t>
+                      </a:r>
+                      <a:endParaRPr lang="en-US" sz="1600" b="0" i="0" u="none" strike="noStrike" baseline="0">
+                        <a:solidFill>
+                          <a:srgbClr val="000000"/>
+                        </a:solidFill>
+                        <a:effectLst/>
+                        <a:latin typeface="Calibri" panose="020F0502020204030204" pitchFamily="34" charset="0"/>
+                      </a:endParaRPr>
+                    </a:p>
+                  </a:txBody>
+                  <a:tcPr marL="9525" marR="9525" marT="9525" marB="0" anchor="ctr"/>
+                </a:tc>
+                <a:tc>
+                  <a:txBody>
+                    <a:bodyPr/>
+                    <a:lstStyle/>
+                    <a:p>
+                      <a:pPr algn="r" fontAlgn="ctr"/>
+                      <a:r>
+                        <a:rPr lang="en-US" sz="1600" u="none" strike="noStrike" baseline="0" dirty="0">
+                          <a:effectLst/>
+                        </a:rPr>
+                        <a:t>0.1995</a:t>
+                      </a:r>
+                      <a:endParaRPr lang="en-US" sz="1600" b="0" i="0" u="none" strike="noStrike" baseline="0" dirty="0">
+                        <a:solidFill>
+                          <a:srgbClr val="000000"/>
+                        </a:solidFill>
+                        <a:effectLst/>
+                        <a:latin typeface="Calibri" panose="020F0502020204030204" pitchFamily="34" charset="0"/>
+                      </a:endParaRPr>
+                    </a:p>
+                  </a:txBody>
+                  <a:tcPr marL="9525" marR="9525" marT="9525" marB="0" anchor="ctr"/>
+                </a:tc>
+              </a:tr>
+              <a:tr h="579695">
+                <a:tc>
+                  <a:txBody>
+                    <a:bodyPr/>
+                    <a:lstStyle/>
+                    <a:p>
+                      <a:pPr algn="r" fontAlgn="ctr"/>
+                      <a:r>
+                        <a:rPr lang="en-US" sz="1600" u="none" strike="noStrike" baseline="0">
+                          <a:effectLst/>
+                        </a:rPr>
+                        <a:t>5</a:t>
+                      </a:r>
+                      <a:endParaRPr lang="en-US" sz="1600" b="0" i="0" u="none" strike="noStrike" baseline="0">
+                        <a:solidFill>
+                          <a:srgbClr val="000000"/>
+                        </a:solidFill>
+                        <a:effectLst/>
+                        <a:latin typeface="Calibri" panose="020F0502020204030204" pitchFamily="34" charset="0"/>
+                      </a:endParaRPr>
+                    </a:p>
+                  </a:txBody>
+                  <a:tcPr marL="9525" marR="9525" marT="9525" marB="0" anchor="ctr"/>
+                </a:tc>
+                <a:tc>
+                  <a:txBody>
+                    <a:bodyPr/>
+                    <a:lstStyle/>
+                    <a:p>
+                      <a:pPr algn="r" fontAlgn="ctr"/>
+                      <a:r>
+                        <a:rPr lang="en-US" sz="1600" u="none" strike="noStrike" baseline="0">
+                          <a:effectLst/>
+                        </a:rPr>
+                        <a:t>0.201</a:t>
+                      </a:r>
+                      <a:endParaRPr lang="en-US" sz="1600" b="0" i="0" u="none" strike="noStrike" baseline="0">
+                        <a:solidFill>
+                          <a:srgbClr val="000000"/>
+                        </a:solidFill>
+                        <a:effectLst/>
+                        <a:latin typeface="Calibri" panose="020F0502020204030204" pitchFamily="34" charset="0"/>
+                      </a:endParaRPr>
+                    </a:p>
+                  </a:txBody>
+                  <a:tcPr marL="9525" marR="9525" marT="9525" marB="0" anchor="ctr"/>
+                </a:tc>
+                <a:tc>
+                  <a:txBody>
+                    <a:bodyPr/>
+                    <a:lstStyle/>
+                    <a:p>
+                      <a:pPr algn="r" fontAlgn="ctr"/>
+                      <a:r>
+                        <a:rPr lang="en-US" sz="1600" u="none" strike="noStrike" baseline="0" dirty="0">
+                          <a:effectLst/>
+                        </a:rPr>
+                        <a:t>0.1962</a:t>
+                      </a:r>
+                      <a:endParaRPr lang="en-US" sz="1600" b="0" i="0" u="none" strike="noStrike" baseline="0" dirty="0">
+                        <a:solidFill>
+                          <a:srgbClr val="000000"/>
+                        </a:solidFill>
+                        <a:effectLst/>
+                        <a:latin typeface="Calibri" panose="020F0502020204030204" pitchFamily="34" charset="0"/>
+                      </a:endParaRPr>
+                    </a:p>
+                  </a:txBody>
+                  <a:tcPr marL="9525" marR="9525" marT="9525" marB="0" anchor="ctr"/>
+                </a:tc>
+              </a:tr>
+            </a:tbl>
+          </a:graphicData>
+        </a:graphic>
+      </p:graphicFrame>
+    </p:spTree>
+    <p:extLst>
+      <p:ext uri="{BB962C8B-B14F-4D97-AF65-F5344CB8AC3E}">
+        <p14:creationId xmlns:p14="http://schemas.microsoft.com/office/powerpoint/2010/main" val="3620367716"/>
+      </p:ext>
+    </p:extLst>
+  </p:cSld>
+  <p:clrMapOvr>
+    <a:masterClrMapping/>
+  </p:clrMapOvr>
+</p:sld>
+</file>
+
+<file path=ppt/slides/slide12.xml><?xml version="1.0" encoding="utf-8"?>
+<p:sld xmlns:a="http://schemas.openxmlformats.org/drawingml/2006/main" xmlns:r="http://schemas.openxmlformats.org/officeDocument/2006/relationships" xmlns:p="http://schemas.openxmlformats.org/presentationml/2006/main">
+  <p:cSld>
+    <p:spTree>
+      <p:nvGrpSpPr>
+        <p:cNvPr id="1" name=""/>
+        <p:cNvGrpSpPr/>
+        <p:nvPr/>
+      </p:nvGrpSpPr>
+      <p:grpSpPr>
+        <a:xfrm>
+          <a:off x="0" y="0"/>
+          <a:ext cx="0" cy="0"/>
+          <a:chOff x="0" y="0"/>
+          <a:chExt cx="0" cy="0"/>
+        </a:xfrm>
+      </p:grpSpPr>
+      <p:sp>
+        <p:nvSpPr>
+          <p:cNvPr id="2" name="Title 1"/>
+          <p:cNvSpPr>
+            <a:spLocks noGrp="1"/>
+          </p:cNvSpPr>
+          <p:nvPr>
+            <p:ph type="title"/>
+          </p:nvPr>
+        </p:nvSpPr>
+        <p:spPr/>
+        <p:txBody>
+          <a:bodyPr/>
+          <a:lstStyle/>
+          <a:p>
+            <a:r>
+              <a:rPr lang="en-US" dirty="0" smtClean="0"/>
+              <a:t>50</a:t>
+            </a:r>
+            <a:r>
+              <a:rPr lang="en-US" cap="none" dirty="0" smtClean="0"/>
+              <a:t>uL</a:t>
+            </a:r>
+            <a:r>
+              <a:rPr lang="en-US" dirty="0" smtClean="0"/>
+              <a:t> </a:t>
+            </a:r>
+            <a:br>
+              <a:rPr lang="en-US" dirty="0" smtClean="0"/>
+            </a:br>
+            <a:r>
+              <a:rPr lang="en-US" dirty="0"/>
+              <a:t>Commercial Pipette vs Test pipette</a:t>
+            </a:r>
+          </a:p>
+        </p:txBody>
+      </p:sp>
+      <p:graphicFrame>
+        <p:nvGraphicFramePr>
+          <p:cNvPr id="4" name="Content Placeholder 3"/>
+          <p:cNvGraphicFramePr>
+            <a:graphicFrameLocks noGrp="1"/>
+          </p:cNvGraphicFramePr>
+          <p:nvPr>
+            <p:ph sz="quarter" idx="13"/>
+            <p:extLst>
+              <p:ext uri="{D42A27DB-BD31-4B8C-83A1-F6EECF244321}">
+                <p14:modId xmlns:p14="http://schemas.microsoft.com/office/powerpoint/2010/main" val="2992860139"/>
+              </p:ext>
+            </p:extLst>
+          </p:nvPr>
+        </p:nvGraphicFramePr>
+        <p:xfrm>
+          <a:off x="365761" y="1977387"/>
+          <a:ext cx="11349990" cy="4446270"/>
+        </p:xfrm>
+        <a:graphic>
+          <a:graphicData uri="http://schemas.openxmlformats.org/drawingml/2006/table">
+            <a:tbl>
+              <a:tblPr>
+                <a:tableStyleId>{5C22544A-7EE6-4342-B048-85BDC9FD1C3A}</a:tableStyleId>
+              </a:tblPr>
+              <a:tblGrid>
+                <a:gridCol w="4133389"/>
+                <a:gridCol w="3083212"/>
+                <a:gridCol w="4133389"/>
+              </a:tblGrid>
+              <a:tr h="609078">
+                <a:tc rowSpan="2">
+                  <a:txBody>
+                    <a:bodyPr/>
+                    <a:lstStyle/>
+                    <a:p>
+                      <a:pPr algn="l" fontAlgn="ctr"/>
+                      <a:r>
+                        <a:rPr lang="en-US" sz="1600" u="none" strike="noStrike" baseline="0" dirty="0">
+                          <a:effectLst/>
+                        </a:rPr>
+                        <a:t>Trial #</a:t>
+                      </a:r>
+                      <a:endParaRPr lang="en-US" sz="1600" b="0" i="0" u="none" strike="noStrike" baseline="0" dirty="0">
+                        <a:solidFill>
+                          <a:srgbClr val="000000"/>
+                        </a:solidFill>
+                        <a:effectLst/>
+                        <a:latin typeface="Calibri" panose="020F0502020204030204" pitchFamily="34" charset="0"/>
+                      </a:endParaRPr>
+                    </a:p>
+                  </a:txBody>
+                  <a:tcPr marL="9525" marR="9525" marT="9525" marB="0" anchor="ctr"/>
+                </a:tc>
+                <a:tc rowSpan="2">
+                  <a:txBody>
+                    <a:bodyPr/>
+                    <a:lstStyle/>
+                    <a:p>
+                      <a:pPr algn="l" fontAlgn="ctr"/>
+                      <a:r>
+                        <a:rPr lang="en-US" sz="1600" u="none" strike="noStrike" baseline="0">
+                          <a:effectLst/>
+                        </a:rPr>
+                        <a:t>10uL to 100uL Micropipette Weight of 50uL of Water dispensed (g)</a:t>
+                      </a:r>
+                      <a:endParaRPr lang="en-US" sz="1600" b="0" i="0" u="none" strike="noStrike" baseline="0">
+                        <a:solidFill>
+                          <a:srgbClr val="000000"/>
+                        </a:solidFill>
+                        <a:effectLst/>
+                        <a:latin typeface="Calibri" panose="020F0502020204030204" pitchFamily="34" charset="0"/>
+                      </a:endParaRPr>
+                    </a:p>
+                  </a:txBody>
+                  <a:tcPr marL="9525" marR="9525" marT="9525" marB="0" anchor="ctr"/>
+                </a:tc>
+                <a:tc>
+                  <a:txBody>
+                    <a:bodyPr/>
+                    <a:lstStyle/>
+                    <a:p>
+                      <a:pPr algn="l" fontAlgn="ctr"/>
+                      <a:r>
+                        <a:rPr lang="en-US" sz="1600" u="none" strike="noStrike" baseline="0">
+                          <a:effectLst/>
+                        </a:rPr>
+                        <a:t>Test Pipette (1mL Syringe)</a:t>
+                      </a:r>
+                      <a:endParaRPr lang="en-US" sz="1600" b="0" i="0" u="none" strike="noStrike" baseline="0">
+                        <a:solidFill>
+                          <a:srgbClr val="000000"/>
+                        </a:solidFill>
+                        <a:effectLst/>
+                        <a:latin typeface="Calibri" panose="020F0502020204030204" pitchFamily="34" charset="0"/>
+                      </a:endParaRPr>
+                    </a:p>
+                  </a:txBody>
+                  <a:tcPr marL="9525" marR="9525" marT="9525" marB="0" anchor="ctr"/>
+                </a:tc>
+              </a:tr>
+              <a:tr h="639532">
+                <a:tc vMerge="1">
+                  <a:txBody>
+                    <a:bodyPr/>
+                    <a:lstStyle/>
+                    <a:p>
+                      <a:endParaRPr lang="en-US"/>
+                    </a:p>
+                  </a:txBody>
+                  <a:tcPr/>
+                </a:tc>
+                <a:tc vMerge="1">
+                  <a:txBody>
+                    <a:bodyPr/>
+                    <a:lstStyle/>
+                    <a:p>
+                      <a:endParaRPr lang="en-US"/>
+                    </a:p>
+                  </a:txBody>
+                  <a:tcPr/>
+                </a:tc>
+                <a:tc>
+                  <a:txBody>
+                    <a:bodyPr/>
+                    <a:lstStyle/>
+                    <a:p>
+                      <a:pPr algn="l" fontAlgn="ctr"/>
+                      <a:r>
+                        <a:rPr lang="en-US" sz="1600" u="none" strike="noStrike" baseline="0">
+                          <a:effectLst/>
+                        </a:rPr>
+                        <a:t>Weight of 50uL of Water dispensed (g)</a:t>
+                      </a:r>
+                      <a:endParaRPr lang="en-US" sz="1600" b="0" i="0" u="none" strike="noStrike" baseline="0">
+                        <a:solidFill>
+                          <a:srgbClr val="000000"/>
+                        </a:solidFill>
+                        <a:effectLst/>
+                        <a:latin typeface="Calibri" panose="020F0502020204030204" pitchFamily="34" charset="0"/>
+                      </a:endParaRPr>
+                    </a:p>
+                  </a:txBody>
+                  <a:tcPr marL="9525" marR="9525" marT="9525" marB="0" anchor="ctr"/>
+                </a:tc>
+              </a:tr>
+              <a:tr h="639532">
+                <a:tc>
+                  <a:txBody>
+                    <a:bodyPr/>
+                    <a:lstStyle/>
+                    <a:p>
+                      <a:pPr algn="r" fontAlgn="ctr"/>
+                      <a:r>
+                        <a:rPr lang="en-US" sz="1600" u="none" strike="noStrike" baseline="0">
+                          <a:effectLst/>
+                        </a:rPr>
+                        <a:t>1</a:t>
+                      </a:r>
+                      <a:endParaRPr lang="en-US" sz="1600" b="0" i="0" u="none" strike="noStrike" baseline="0">
+                        <a:solidFill>
+                          <a:srgbClr val="000000"/>
+                        </a:solidFill>
+                        <a:effectLst/>
+                        <a:latin typeface="Calibri" panose="020F0502020204030204" pitchFamily="34" charset="0"/>
+                      </a:endParaRPr>
+                    </a:p>
+                  </a:txBody>
+                  <a:tcPr marL="9525" marR="9525" marT="9525" marB="0" anchor="ctr"/>
+                </a:tc>
+                <a:tc>
+                  <a:txBody>
+                    <a:bodyPr/>
+                    <a:lstStyle/>
+                    <a:p>
+                      <a:pPr algn="r" fontAlgn="ctr"/>
+                      <a:r>
+                        <a:rPr lang="en-US" sz="1600" u="none" strike="noStrike" baseline="0">
+                          <a:effectLst/>
+                        </a:rPr>
+                        <a:t>0.0496</a:t>
+                      </a:r>
+                      <a:endParaRPr lang="en-US" sz="1600" b="0" i="0" u="none" strike="noStrike" baseline="0">
+                        <a:solidFill>
+                          <a:srgbClr val="000000"/>
+                        </a:solidFill>
+                        <a:effectLst/>
+                        <a:latin typeface="Calibri" panose="020F0502020204030204" pitchFamily="34" charset="0"/>
+                      </a:endParaRPr>
+                    </a:p>
+                  </a:txBody>
+                  <a:tcPr marL="9525" marR="9525" marT="9525" marB="0" anchor="ctr"/>
+                </a:tc>
+                <a:tc>
+                  <a:txBody>
+                    <a:bodyPr/>
+                    <a:lstStyle/>
+                    <a:p>
+                      <a:pPr algn="r" fontAlgn="ctr"/>
+                      <a:r>
+                        <a:rPr lang="en-US" sz="1600" u="none" strike="noStrike" baseline="0">
+                          <a:effectLst/>
+                        </a:rPr>
+                        <a:t>0.0516</a:t>
+                      </a:r>
+                      <a:endParaRPr lang="en-US" sz="1600" b="0" i="0" u="none" strike="noStrike" baseline="0">
+                        <a:solidFill>
+                          <a:srgbClr val="000000"/>
+                        </a:solidFill>
+                        <a:effectLst/>
+                        <a:latin typeface="Calibri" panose="020F0502020204030204" pitchFamily="34" charset="0"/>
+                      </a:endParaRPr>
+                    </a:p>
+                  </a:txBody>
+                  <a:tcPr marL="9525" marR="9525" marT="9525" marB="0" anchor="ctr"/>
+                </a:tc>
+              </a:tr>
+              <a:tr h="639532">
+                <a:tc>
+                  <a:txBody>
+                    <a:bodyPr/>
+                    <a:lstStyle/>
+                    <a:p>
+                      <a:pPr algn="r" fontAlgn="ctr"/>
+                      <a:r>
+                        <a:rPr lang="en-US" sz="1600" u="none" strike="noStrike" baseline="0">
+                          <a:effectLst/>
+                        </a:rPr>
+                        <a:t>2</a:t>
+                      </a:r>
+                      <a:endParaRPr lang="en-US" sz="1600" b="0" i="0" u="none" strike="noStrike" baseline="0">
+                        <a:solidFill>
+                          <a:srgbClr val="000000"/>
+                        </a:solidFill>
+                        <a:effectLst/>
+                        <a:latin typeface="Calibri" panose="020F0502020204030204" pitchFamily="34" charset="0"/>
+                      </a:endParaRPr>
+                    </a:p>
+                  </a:txBody>
+                  <a:tcPr marL="9525" marR="9525" marT="9525" marB="0" anchor="ctr"/>
+                </a:tc>
+                <a:tc>
+                  <a:txBody>
+                    <a:bodyPr/>
+                    <a:lstStyle/>
+                    <a:p>
+                      <a:pPr algn="r" fontAlgn="ctr"/>
+                      <a:r>
+                        <a:rPr lang="en-US" sz="1600" u="none" strike="noStrike" baseline="0">
+                          <a:effectLst/>
+                        </a:rPr>
+                        <a:t>0.0498</a:t>
+                      </a:r>
+                      <a:endParaRPr lang="en-US" sz="1600" b="0" i="0" u="none" strike="noStrike" baseline="0">
+                        <a:solidFill>
+                          <a:srgbClr val="000000"/>
+                        </a:solidFill>
+                        <a:effectLst/>
+                        <a:latin typeface="Calibri" panose="020F0502020204030204" pitchFamily="34" charset="0"/>
+                      </a:endParaRPr>
+                    </a:p>
+                  </a:txBody>
+                  <a:tcPr marL="9525" marR="9525" marT="9525" marB="0" anchor="ctr"/>
+                </a:tc>
+                <a:tc>
+                  <a:txBody>
+                    <a:bodyPr/>
+                    <a:lstStyle/>
+                    <a:p>
+                      <a:pPr algn="r" fontAlgn="ctr"/>
+                      <a:r>
+                        <a:rPr lang="en-US" sz="1600" u="none" strike="noStrike" baseline="0">
+                          <a:effectLst/>
+                        </a:rPr>
+                        <a:t>0.0514</a:t>
+                      </a:r>
+                      <a:endParaRPr lang="en-US" sz="1600" b="0" i="0" u="none" strike="noStrike" baseline="0">
+                        <a:solidFill>
+                          <a:srgbClr val="000000"/>
+                        </a:solidFill>
+                        <a:effectLst/>
+                        <a:latin typeface="Calibri" panose="020F0502020204030204" pitchFamily="34" charset="0"/>
+                      </a:endParaRPr>
+                    </a:p>
+                  </a:txBody>
+                  <a:tcPr marL="9525" marR="9525" marT="9525" marB="0" anchor="ctr"/>
+                </a:tc>
+              </a:tr>
+              <a:tr h="639532">
+                <a:tc>
+                  <a:txBody>
+                    <a:bodyPr/>
+                    <a:lstStyle/>
+                    <a:p>
+                      <a:pPr algn="r" fontAlgn="ctr"/>
+                      <a:r>
+                        <a:rPr lang="en-US" sz="1600" u="none" strike="noStrike" baseline="0">
+                          <a:effectLst/>
+                        </a:rPr>
+                        <a:t>3</a:t>
+                      </a:r>
+                      <a:endParaRPr lang="en-US" sz="1600" b="0" i="0" u="none" strike="noStrike" baseline="0">
+                        <a:solidFill>
+                          <a:srgbClr val="000000"/>
+                        </a:solidFill>
+                        <a:effectLst/>
+                        <a:latin typeface="Calibri" panose="020F0502020204030204" pitchFamily="34" charset="0"/>
+                      </a:endParaRPr>
+                    </a:p>
+                  </a:txBody>
+                  <a:tcPr marL="9525" marR="9525" marT="9525" marB="0" anchor="ctr"/>
+                </a:tc>
+                <a:tc>
+                  <a:txBody>
+                    <a:bodyPr/>
+                    <a:lstStyle/>
+                    <a:p>
+                      <a:pPr algn="r" fontAlgn="ctr"/>
+                      <a:r>
+                        <a:rPr lang="en-US" sz="1600" u="none" strike="noStrike" baseline="0">
+                          <a:effectLst/>
+                        </a:rPr>
+                        <a:t>0.0498</a:t>
+                      </a:r>
+                      <a:endParaRPr lang="en-US" sz="1600" b="0" i="0" u="none" strike="noStrike" baseline="0">
+                        <a:solidFill>
+                          <a:srgbClr val="000000"/>
+                        </a:solidFill>
+                        <a:effectLst/>
+                        <a:latin typeface="Calibri" panose="020F0502020204030204" pitchFamily="34" charset="0"/>
+                      </a:endParaRPr>
+                    </a:p>
+                  </a:txBody>
+                  <a:tcPr marL="9525" marR="9525" marT="9525" marB="0" anchor="ctr"/>
+                </a:tc>
+                <a:tc>
+                  <a:txBody>
+                    <a:bodyPr/>
+                    <a:lstStyle/>
+                    <a:p>
+                      <a:pPr algn="r" fontAlgn="ctr"/>
+                      <a:r>
+                        <a:rPr lang="en-US" sz="1600" u="none" strike="noStrike" baseline="0">
+                          <a:effectLst/>
+                        </a:rPr>
+                        <a:t>0.0517</a:t>
+                      </a:r>
+                      <a:endParaRPr lang="en-US" sz="1600" b="0" i="0" u="none" strike="noStrike" baseline="0">
+                        <a:solidFill>
+                          <a:srgbClr val="000000"/>
+                        </a:solidFill>
+                        <a:effectLst/>
+                        <a:latin typeface="Calibri" panose="020F0502020204030204" pitchFamily="34" charset="0"/>
+                      </a:endParaRPr>
+                    </a:p>
+                  </a:txBody>
+                  <a:tcPr marL="9525" marR="9525" marT="9525" marB="0" anchor="ctr"/>
+                </a:tc>
+              </a:tr>
+              <a:tr h="639532">
+                <a:tc>
+                  <a:txBody>
+                    <a:bodyPr/>
+                    <a:lstStyle/>
+                    <a:p>
+                      <a:pPr algn="r" fontAlgn="ctr"/>
+                      <a:r>
+                        <a:rPr lang="en-US" sz="1600" u="none" strike="noStrike" baseline="0">
+                          <a:effectLst/>
+                        </a:rPr>
+                        <a:t>4</a:t>
+                      </a:r>
+                      <a:endParaRPr lang="en-US" sz="1600" b="0" i="0" u="none" strike="noStrike" baseline="0">
+                        <a:solidFill>
+                          <a:srgbClr val="000000"/>
+                        </a:solidFill>
+                        <a:effectLst/>
+                        <a:latin typeface="Calibri" panose="020F0502020204030204" pitchFamily="34" charset="0"/>
+                      </a:endParaRPr>
+                    </a:p>
+                  </a:txBody>
+                  <a:tcPr marL="9525" marR="9525" marT="9525" marB="0" anchor="ctr"/>
+                </a:tc>
+                <a:tc>
+                  <a:txBody>
+                    <a:bodyPr/>
+                    <a:lstStyle/>
+                    <a:p>
+                      <a:pPr algn="r" fontAlgn="ctr"/>
+                      <a:r>
+                        <a:rPr lang="en-US" sz="1600" u="none" strike="noStrike" baseline="0">
+                          <a:effectLst/>
+                        </a:rPr>
+                        <a:t>0.05</a:t>
+                      </a:r>
+                      <a:endParaRPr lang="en-US" sz="1600" b="0" i="0" u="none" strike="noStrike" baseline="0">
+                        <a:solidFill>
+                          <a:srgbClr val="000000"/>
+                        </a:solidFill>
+                        <a:effectLst/>
+                        <a:latin typeface="Calibri" panose="020F0502020204030204" pitchFamily="34" charset="0"/>
+                      </a:endParaRPr>
+                    </a:p>
+                  </a:txBody>
+                  <a:tcPr marL="9525" marR="9525" marT="9525" marB="0" anchor="ctr"/>
+                </a:tc>
+                <a:tc>
+                  <a:txBody>
+                    <a:bodyPr/>
+                    <a:lstStyle/>
+                    <a:p>
+                      <a:pPr algn="r" fontAlgn="ctr"/>
+                      <a:r>
+                        <a:rPr lang="en-US" sz="1600" u="none" strike="noStrike" baseline="0">
+                          <a:effectLst/>
+                        </a:rPr>
+                        <a:t>0.0516</a:t>
+                      </a:r>
+                      <a:endParaRPr lang="en-US" sz="1600" b="0" i="0" u="none" strike="noStrike" baseline="0">
+                        <a:solidFill>
+                          <a:srgbClr val="000000"/>
+                        </a:solidFill>
+                        <a:effectLst/>
+                        <a:latin typeface="Calibri" panose="020F0502020204030204" pitchFamily="34" charset="0"/>
+                      </a:endParaRPr>
+                    </a:p>
+                  </a:txBody>
+                  <a:tcPr marL="9525" marR="9525" marT="9525" marB="0" anchor="ctr"/>
+                </a:tc>
+              </a:tr>
+              <a:tr h="639532">
+                <a:tc>
+                  <a:txBody>
+                    <a:bodyPr/>
+                    <a:lstStyle/>
+                    <a:p>
+                      <a:pPr algn="r" fontAlgn="ctr"/>
+                      <a:r>
+                        <a:rPr lang="en-US" sz="1600" u="none" strike="noStrike" baseline="0">
+                          <a:effectLst/>
+                        </a:rPr>
+                        <a:t>5</a:t>
+                      </a:r>
+                      <a:endParaRPr lang="en-US" sz="1600" b="0" i="0" u="none" strike="noStrike" baseline="0">
+                        <a:solidFill>
+                          <a:srgbClr val="000000"/>
+                        </a:solidFill>
+                        <a:effectLst/>
+                        <a:latin typeface="Calibri" panose="020F0502020204030204" pitchFamily="34" charset="0"/>
+                      </a:endParaRPr>
+                    </a:p>
+                  </a:txBody>
+                  <a:tcPr marL="9525" marR="9525" marT="9525" marB="0" anchor="ctr"/>
+                </a:tc>
+                <a:tc>
+                  <a:txBody>
+                    <a:bodyPr/>
+                    <a:lstStyle/>
+                    <a:p>
+                      <a:pPr algn="r" fontAlgn="ctr"/>
+                      <a:r>
+                        <a:rPr lang="en-US" sz="1600" u="none" strike="noStrike" baseline="0">
+                          <a:effectLst/>
+                        </a:rPr>
+                        <a:t>0.0501</a:t>
+                      </a:r>
+                      <a:endParaRPr lang="en-US" sz="1600" b="0" i="0" u="none" strike="noStrike" baseline="0">
+                        <a:solidFill>
+                          <a:srgbClr val="000000"/>
+                        </a:solidFill>
+                        <a:effectLst/>
+                        <a:latin typeface="Calibri" panose="020F0502020204030204" pitchFamily="34" charset="0"/>
+                      </a:endParaRPr>
+                    </a:p>
+                  </a:txBody>
+                  <a:tcPr marL="9525" marR="9525" marT="9525" marB="0" anchor="ctr"/>
+                </a:tc>
+                <a:tc>
+                  <a:txBody>
+                    <a:bodyPr/>
+                    <a:lstStyle/>
+                    <a:p>
+                      <a:pPr algn="r" fontAlgn="ctr"/>
+                      <a:r>
+                        <a:rPr lang="en-US" sz="1600" u="none" strike="noStrike" baseline="0" dirty="0">
+                          <a:effectLst/>
+                        </a:rPr>
+                        <a:t>0.0513</a:t>
+                      </a:r>
+                      <a:endParaRPr lang="en-US" sz="1600" b="0" i="0" u="none" strike="noStrike" baseline="0" dirty="0">
+                        <a:solidFill>
+                          <a:srgbClr val="000000"/>
+                        </a:solidFill>
+                        <a:effectLst/>
+                        <a:latin typeface="Calibri" panose="020F0502020204030204" pitchFamily="34" charset="0"/>
+                      </a:endParaRPr>
+                    </a:p>
+                  </a:txBody>
+                  <a:tcPr marL="9525" marR="9525" marT="9525" marB="0" anchor="ctr"/>
+                </a:tc>
+              </a:tr>
+            </a:tbl>
+          </a:graphicData>
+        </a:graphic>
+      </p:graphicFrame>
+    </p:spTree>
+    <p:extLst>
+      <p:ext uri="{BB962C8B-B14F-4D97-AF65-F5344CB8AC3E}">
+        <p14:creationId xmlns:p14="http://schemas.microsoft.com/office/powerpoint/2010/main" val="1256115792"/>
+      </p:ext>
+    </p:extLst>
+  </p:cSld>
+  <p:clrMapOvr>
+    <a:masterClrMapping/>
+  </p:clrMapOvr>
+</p:sld>
+</file>
+
+<file path=ppt/slides/slide13.xml><?xml version="1.0" encoding="utf-8"?>
+<p:sld xmlns:a="http://schemas.openxmlformats.org/drawingml/2006/main" xmlns:r="http://schemas.openxmlformats.org/officeDocument/2006/relationships" xmlns:p="http://schemas.openxmlformats.org/presentationml/2006/main">
+  <p:cSld>
+    <p:spTree>
+      <p:nvGrpSpPr>
+        <p:cNvPr id="1" name=""/>
+        <p:cNvGrpSpPr/>
+        <p:nvPr/>
+      </p:nvGrpSpPr>
+      <p:grpSpPr>
+        <a:xfrm>
+          <a:off x="0" y="0"/>
+          <a:ext cx="0" cy="0"/>
+          <a:chOff x="0" y="0"/>
+          <a:chExt cx="0" cy="0"/>
+        </a:xfrm>
+      </p:grpSpPr>
+      <p:sp>
+        <p:nvSpPr>
+          <p:cNvPr id="2" name="Title 1"/>
+          <p:cNvSpPr>
+            <a:spLocks noGrp="1"/>
+          </p:cNvSpPr>
+          <p:nvPr>
+            <p:ph type="title"/>
+          </p:nvPr>
+        </p:nvSpPr>
+        <p:spPr/>
+        <p:txBody>
+          <a:bodyPr/>
+          <a:lstStyle/>
+          <a:p>
+            <a:r>
+              <a:rPr lang="en-US" dirty="0" smtClean="0"/>
+              <a:t>20</a:t>
+            </a:r>
+            <a:r>
+              <a:rPr lang="en-US" cap="none" dirty="0" smtClean="0"/>
+              <a:t>uL</a:t>
+            </a:r>
+            <a:br>
+              <a:rPr lang="en-US" cap="none" dirty="0" smtClean="0"/>
+            </a:br>
+            <a:r>
+              <a:rPr lang="en-US" dirty="0"/>
+              <a:t>Commercial Pipette vs Test pipette</a:t>
+            </a:r>
+          </a:p>
+        </p:txBody>
+      </p:sp>
+      <p:graphicFrame>
+        <p:nvGraphicFramePr>
+          <p:cNvPr id="4" name="Content Placeholder 3"/>
+          <p:cNvGraphicFramePr>
+            <a:graphicFrameLocks noGrp="1"/>
+          </p:cNvGraphicFramePr>
+          <p:nvPr>
+            <p:ph sz="quarter" idx="13"/>
+            <p:extLst>
+              <p:ext uri="{D42A27DB-BD31-4B8C-83A1-F6EECF244321}">
+                <p14:modId xmlns:p14="http://schemas.microsoft.com/office/powerpoint/2010/main" val="3461447271"/>
+              </p:ext>
+            </p:extLst>
+          </p:nvPr>
+        </p:nvGraphicFramePr>
+        <p:xfrm>
+          <a:off x="571500" y="2000253"/>
+          <a:ext cx="11007090" cy="4343396"/>
+        </p:xfrm>
+        <a:graphic>
+          <a:graphicData uri="http://schemas.openxmlformats.org/drawingml/2006/table">
+            <a:tbl>
+              <a:tblPr>
+                <a:tableStyleId>{5C22544A-7EE6-4342-B048-85BDC9FD1C3A}</a:tableStyleId>
+              </a:tblPr>
+              <a:tblGrid>
+                <a:gridCol w="4008513"/>
+                <a:gridCol w="2990064"/>
+                <a:gridCol w="4008513"/>
+              </a:tblGrid>
+              <a:tr h="594986">
+                <a:tc rowSpan="2">
+                  <a:txBody>
+                    <a:bodyPr/>
+                    <a:lstStyle/>
+                    <a:p>
+                      <a:pPr algn="l" fontAlgn="ctr"/>
+                      <a:r>
+                        <a:rPr lang="en-US" sz="1600" u="none" strike="noStrike" baseline="0" dirty="0">
+                          <a:effectLst/>
+                        </a:rPr>
+                        <a:t>Trial #</a:t>
+                      </a:r>
+                      <a:endParaRPr lang="en-US" sz="1600" b="0" i="0" u="none" strike="noStrike" baseline="0" dirty="0">
+                        <a:solidFill>
+                          <a:srgbClr val="000000"/>
+                        </a:solidFill>
+                        <a:effectLst/>
+                        <a:latin typeface="Calibri" panose="020F0502020204030204" pitchFamily="34" charset="0"/>
+                      </a:endParaRPr>
+                    </a:p>
+                  </a:txBody>
+                  <a:tcPr marL="9525" marR="9525" marT="9525" marB="0" anchor="ctr"/>
+                </a:tc>
+                <a:tc rowSpan="2">
+                  <a:txBody>
+                    <a:bodyPr/>
+                    <a:lstStyle/>
+                    <a:p>
+                      <a:pPr algn="l" fontAlgn="ctr"/>
+                      <a:r>
+                        <a:rPr lang="en-US" sz="1600" u="none" strike="noStrike" baseline="0">
+                          <a:effectLst/>
+                        </a:rPr>
+                        <a:t>10uL to 100uL Micropipette Weight of 20uL of Water dispensed (g)</a:t>
+                      </a:r>
+                      <a:endParaRPr lang="en-US" sz="1600" b="0" i="0" u="none" strike="noStrike" baseline="0">
+                        <a:solidFill>
+                          <a:srgbClr val="000000"/>
+                        </a:solidFill>
+                        <a:effectLst/>
+                        <a:latin typeface="Calibri" panose="020F0502020204030204" pitchFamily="34" charset="0"/>
+                      </a:endParaRPr>
+                    </a:p>
+                  </a:txBody>
+                  <a:tcPr marL="9525" marR="9525" marT="9525" marB="0" anchor="ctr"/>
+                </a:tc>
+                <a:tc>
+                  <a:txBody>
+                    <a:bodyPr/>
+                    <a:lstStyle/>
+                    <a:p>
+                      <a:pPr algn="l" fontAlgn="ctr"/>
+                      <a:r>
+                        <a:rPr lang="en-US" sz="1600" u="none" strike="noStrike" baseline="0">
+                          <a:effectLst/>
+                        </a:rPr>
+                        <a:t>Test Pipette (1mL Syringe)</a:t>
+                      </a:r>
+                      <a:endParaRPr lang="en-US" sz="1600" b="0" i="0" u="none" strike="noStrike" baseline="0">
+                        <a:solidFill>
+                          <a:srgbClr val="000000"/>
+                        </a:solidFill>
+                        <a:effectLst/>
+                        <a:latin typeface="Calibri" panose="020F0502020204030204" pitchFamily="34" charset="0"/>
+                      </a:endParaRPr>
+                    </a:p>
+                  </a:txBody>
+                  <a:tcPr marL="9525" marR="9525" marT="9525" marB="0" anchor="ctr"/>
+                </a:tc>
+              </a:tr>
+              <a:tr h="624735">
+                <a:tc vMerge="1">
+                  <a:txBody>
+                    <a:bodyPr/>
+                    <a:lstStyle/>
+                    <a:p>
+                      <a:endParaRPr lang="en-US"/>
+                    </a:p>
+                  </a:txBody>
+                  <a:tcPr/>
+                </a:tc>
+                <a:tc vMerge="1">
+                  <a:txBody>
+                    <a:bodyPr/>
+                    <a:lstStyle/>
+                    <a:p>
+                      <a:endParaRPr lang="en-US"/>
+                    </a:p>
+                  </a:txBody>
+                  <a:tcPr/>
+                </a:tc>
+                <a:tc>
+                  <a:txBody>
+                    <a:bodyPr/>
+                    <a:lstStyle/>
+                    <a:p>
+                      <a:pPr algn="l" fontAlgn="ctr"/>
+                      <a:r>
+                        <a:rPr lang="en-US" sz="1600" u="none" strike="noStrike" baseline="0" dirty="0">
+                          <a:effectLst/>
+                        </a:rPr>
+                        <a:t>Weight of 20uL of Water dispensed (g)</a:t>
+                      </a:r>
+                      <a:endParaRPr lang="en-US" sz="1600" b="0" i="0" u="none" strike="noStrike" baseline="0" dirty="0">
+                        <a:solidFill>
+                          <a:srgbClr val="000000"/>
+                        </a:solidFill>
+                        <a:effectLst/>
+                        <a:latin typeface="Calibri" panose="020F0502020204030204" pitchFamily="34" charset="0"/>
+                      </a:endParaRPr>
+                    </a:p>
+                  </a:txBody>
+                  <a:tcPr marL="9525" marR="9525" marT="9525" marB="0" anchor="ctr"/>
+                </a:tc>
+              </a:tr>
+              <a:tr h="624735">
+                <a:tc>
+                  <a:txBody>
+                    <a:bodyPr/>
+                    <a:lstStyle/>
+                    <a:p>
+                      <a:pPr algn="r" fontAlgn="ctr"/>
+                      <a:r>
+                        <a:rPr lang="en-US" sz="1600" u="none" strike="noStrike" baseline="0">
+                          <a:effectLst/>
+                        </a:rPr>
+                        <a:t>1</a:t>
+                      </a:r>
+                      <a:endParaRPr lang="en-US" sz="1600" b="0" i="0" u="none" strike="noStrike" baseline="0">
+                        <a:solidFill>
+                          <a:srgbClr val="000000"/>
+                        </a:solidFill>
+                        <a:effectLst/>
+                        <a:latin typeface="Calibri" panose="020F0502020204030204" pitchFamily="34" charset="0"/>
+                      </a:endParaRPr>
+                    </a:p>
+                  </a:txBody>
+                  <a:tcPr marL="9525" marR="9525" marT="9525" marB="0" anchor="ctr"/>
+                </a:tc>
+                <a:tc>
+                  <a:txBody>
+                    <a:bodyPr/>
+                    <a:lstStyle/>
+                    <a:p>
+                      <a:pPr algn="r" fontAlgn="ctr"/>
+                      <a:r>
+                        <a:rPr lang="en-US" sz="1600" u="none" strike="noStrike" baseline="0" dirty="0">
+                          <a:effectLst/>
+                        </a:rPr>
+                        <a:t>0.0198</a:t>
+                      </a:r>
+                      <a:endParaRPr lang="en-US" sz="1600" b="0" i="0" u="none" strike="noStrike" baseline="0" dirty="0">
+                        <a:solidFill>
+                          <a:srgbClr val="000000"/>
+                        </a:solidFill>
+                        <a:effectLst/>
+                        <a:latin typeface="Calibri" panose="020F0502020204030204" pitchFamily="34" charset="0"/>
+                      </a:endParaRPr>
+                    </a:p>
+                  </a:txBody>
+                  <a:tcPr marL="9525" marR="9525" marT="9525" marB="0" anchor="ctr"/>
+                </a:tc>
+                <a:tc>
+                  <a:txBody>
+                    <a:bodyPr/>
+                    <a:lstStyle/>
+                    <a:p>
+                      <a:pPr algn="r" fontAlgn="ctr"/>
+                      <a:r>
+                        <a:rPr lang="en-US" sz="1600" u="none" strike="noStrike" baseline="0" dirty="0">
+                          <a:effectLst/>
+                        </a:rPr>
+                        <a:t>0.0195</a:t>
+                      </a:r>
+                      <a:endParaRPr lang="en-US" sz="1600" b="0" i="0" u="none" strike="noStrike" baseline="0" dirty="0">
+                        <a:solidFill>
+                          <a:srgbClr val="000000"/>
+                        </a:solidFill>
+                        <a:effectLst/>
+                        <a:latin typeface="Calibri" panose="020F0502020204030204" pitchFamily="34" charset="0"/>
+                      </a:endParaRPr>
+                    </a:p>
+                  </a:txBody>
+                  <a:tcPr marL="9525" marR="9525" marT="9525" marB="0" anchor="ctr"/>
+                </a:tc>
+              </a:tr>
+              <a:tr h="624735">
+                <a:tc>
+                  <a:txBody>
+                    <a:bodyPr/>
+                    <a:lstStyle/>
+                    <a:p>
+                      <a:pPr algn="r" fontAlgn="ctr"/>
+                      <a:r>
+                        <a:rPr lang="en-US" sz="1600" u="none" strike="noStrike" baseline="0">
+                          <a:effectLst/>
+                        </a:rPr>
+                        <a:t>2</a:t>
+                      </a:r>
+                      <a:endParaRPr lang="en-US" sz="1600" b="0" i="0" u="none" strike="noStrike" baseline="0">
+                        <a:solidFill>
+                          <a:srgbClr val="000000"/>
+                        </a:solidFill>
+                        <a:effectLst/>
+                        <a:latin typeface="Calibri" panose="020F0502020204030204" pitchFamily="34" charset="0"/>
+                      </a:endParaRPr>
+                    </a:p>
+                  </a:txBody>
+                  <a:tcPr marL="9525" marR="9525" marT="9525" marB="0" anchor="ctr"/>
+                </a:tc>
+                <a:tc>
+                  <a:txBody>
+                    <a:bodyPr/>
+                    <a:lstStyle/>
+                    <a:p>
+                      <a:pPr algn="r" fontAlgn="ctr"/>
+                      <a:r>
+                        <a:rPr lang="en-US" sz="1600" u="none" strike="noStrike" baseline="0" dirty="0">
+                          <a:effectLst/>
+                        </a:rPr>
+                        <a:t>0.0196</a:t>
+                      </a:r>
+                      <a:endParaRPr lang="en-US" sz="1600" b="0" i="0" u="none" strike="noStrike" baseline="0" dirty="0">
+                        <a:solidFill>
+                          <a:srgbClr val="000000"/>
+                        </a:solidFill>
+                        <a:effectLst/>
+                        <a:latin typeface="Calibri" panose="020F0502020204030204" pitchFamily="34" charset="0"/>
+                      </a:endParaRPr>
+                    </a:p>
+                  </a:txBody>
+                  <a:tcPr marL="9525" marR="9525" marT="9525" marB="0" anchor="ctr"/>
+                </a:tc>
+                <a:tc>
+                  <a:txBody>
+                    <a:bodyPr/>
+                    <a:lstStyle/>
+                    <a:p>
+                      <a:pPr algn="r" fontAlgn="ctr"/>
+                      <a:r>
+                        <a:rPr lang="en-US" sz="1600" u="none" strike="noStrike" baseline="0">
+                          <a:effectLst/>
+                        </a:rPr>
+                        <a:t>0.0196</a:t>
+                      </a:r>
+                      <a:endParaRPr lang="en-US" sz="1600" b="0" i="0" u="none" strike="noStrike" baseline="0">
+                        <a:solidFill>
+                          <a:srgbClr val="000000"/>
+                        </a:solidFill>
+                        <a:effectLst/>
+                        <a:latin typeface="Calibri" panose="020F0502020204030204" pitchFamily="34" charset="0"/>
+                      </a:endParaRPr>
+                    </a:p>
+                  </a:txBody>
+                  <a:tcPr marL="9525" marR="9525" marT="9525" marB="0" anchor="ctr"/>
+                </a:tc>
+              </a:tr>
+              <a:tr h="624735">
+                <a:tc>
+                  <a:txBody>
+                    <a:bodyPr/>
+                    <a:lstStyle/>
+                    <a:p>
+                      <a:pPr algn="r" fontAlgn="ctr"/>
+                      <a:r>
+                        <a:rPr lang="en-US" sz="1600" u="none" strike="noStrike" baseline="0">
+                          <a:effectLst/>
+                        </a:rPr>
+                        <a:t>3</a:t>
+                      </a:r>
+                      <a:endParaRPr lang="en-US" sz="1600" b="0" i="0" u="none" strike="noStrike" baseline="0">
+                        <a:solidFill>
+                          <a:srgbClr val="000000"/>
+                        </a:solidFill>
+                        <a:effectLst/>
+                        <a:latin typeface="Calibri" panose="020F0502020204030204" pitchFamily="34" charset="0"/>
+                      </a:endParaRPr>
+                    </a:p>
+                  </a:txBody>
+                  <a:tcPr marL="9525" marR="9525" marT="9525" marB="0" anchor="ctr"/>
+                </a:tc>
+                <a:tc>
+                  <a:txBody>
+                    <a:bodyPr/>
+                    <a:lstStyle/>
+                    <a:p>
+                      <a:pPr algn="r" fontAlgn="ctr"/>
+                      <a:r>
+                        <a:rPr lang="en-US" sz="1600" u="none" strike="noStrike" baseline="0">
+                          <a:effectLst/>
+                        </a:rPr>
+                        <a:t>0.02</a:t>
+                      </a:r>
+                      <a:endParaRPr lang="en-US" sz="1600" b="0" i="0" u="none" strike="noStrike" baseline="0">
+                        <a:solidFill>
+                          <a:srgbClr val="000000"/>
+                        </a:solidFill>
+                        <a:effectLst/>
+                        <a:latin typeface="Calibri" panose="020F0502020204030204" pitchFamily="34" charset="0"/>
+                      </a:endParaRPr>
+                    </a:p>
+                  </a:txBody>
+                  <a:tcPr marL="9525" marR="9525" marT="9525" marB="0" anchor="ctr"/>
+                </a:tc>
+                <a:tc>
+                  <a:txBody>
+                    <a:bodyPr/>
+                    <a:lstStyle/>
+                    <a:p>
+                      <a:pPr algn="r" fontAlgn="ctr"/>
+                      <a:r>
+                        <a:rPr lang="en-US" sz="1600" u="none" strike="noStrike" baseline="0">
+                          <a:effectLst/>
+                        </a:rPr>
+                        <a:t>0.0196</a:t>
+                      </a:r>
+                      <a:endParaRPr lang="en-US" sz="1600" b="0" i="0" u="none" strike="noStrike" baseline="0">
+                        <a:solidFill>
+                          <a:srgbClr val="000000"/>
+                        </a:solidFill>
+                        <a:effectLst/>
+                        <a:latin typeface="Calibri" panose="020F0502020204030204" pitchFamily="34" charset="0"/>
+                      </a:endParaRPr>
+                    </a:p>
+                  </a:txBody>
+                  <a:tcPr marL="9525" marR="9525" marT="9525" marB="0" anchor="ctr"/>
+                </a:tc>
+              </a:tr>
+              <a:tr h="624735">
+                <a:tc>
+                  <a:txBody>
+                    <a:bodyPr/>
+                    <a:lstStyle/>
+                    <a:p>
+                      <a:pPr algn="r" fontAlgn="ctr"/>
+                      <a:r>
+                        <a:rPr lang="en-US" sz="1600" u="none" strike="noStrike" baseline="0">
+                          <a:effectLst/>
+                        </a:rPr>
+                        <a:t>4</a:t>
+                      </a:r>
+                      <a:endParaRPr lang="en-US" sz="1600" b="0" i="0" u="none" strike="noStrike" baseline="0">
+                        <a:solidFill>
+                          <a:srgbClr val="000000"/>
+                        </a:solidFill>
+                        <a:effectLst/>
+                        <a:latin typeface="Calibri" panose="020F0502020204030204" pitchFamily="34" charset="0"/>
+                      </a:endParaRPr>
+                    </a:p>
+                  </a:txBody>
+                  <a:tcPr marL="9525" marR="9525" marT="9525" marB="0" anchor="ctr"/>
+                </a:tc>
+                <a:tc>
+                  <a:txBody>
+                    <a:bodyPr/>
+                    <a:lstStyle/>
+                    <a:p>
+                      <a:pPr algn="r" fontAlgn="ctr"/>
+                      <a:r>
+                        <a:rPr lang="en-US" sz="1600" u="none" strike="noStrike" baseline="0">
+                          <a:effectLst/>
+                        </a:rPr>
+                        <a:t>0.02</a:t>
+                      </a:r>
+                      <a:endParaRPr lang="en-US" sz="1600" b="0" i="0" u="none" strike="noStrike" baseline="0">
+                        <a:solidFill>
+                          <a:srgbClr val="000000"/>
+                        </a:solidFill>
+                        <a:effectLst/>
+                        <a:latin typeface="Calibri" panose="020F0502020204030204" pitchFamily="34" charset="0"/>
+                      </a:endParaRPr>
+                    </a:p>
+                  </a:txBody>
+                  <a:tcPr marL="9525" marR="9525" marT="9525" marB="0" anchor="ctr"/>
+                </a:tc>
+                <a:tc>
+                  <a:txBody>
+                    <a:bodyPr/>
+                    <a:lstStyle/>
+                    <a:p>
+                      <a:pPr algn="r" fontAlgn="ctr"/>
+                      <a:r>
+                        <a:rPr lang="en-US" sz="1600" u="none" strike="noStrike" baseline="0">
+                          <a:effectLst/>
+                        </a:rPr>
+                        <a:t>0.0195</a:t>
+                      </a:r>
+                      <a:endParaRPr lang="en-US" sz="1600" b="0" i="0" u="none" strike="noStrike" baseline="0">
+                        <a:solidFill>
+                          <a:srgbClr val="000000"/>
+                        </a:solidFill>
+                        <a:effectLst/>
+                        <a:latin typeface="Calibri" panose="020F0502020204030204" pitchFamily="34" charset="0"/>
+                      </a:endParaRPr>
+                    </a:p>
+                  </a:txBody>
+                  <a:tcPr marL="9525" marR="9525" marT="9525" marB="0" anchor="ctr"/>
+                </a:tc>
+              </a:tr>
+              <a:tr h="624735">
+                <a:tc>
+                  <a:txBody>
+                    <a:bodyPr/>
+                    <a:lstStyle/>
+                    <a:p>
+                      <a:pPr algn="r" fontAlgn="ctr"/>
+                      <a:r>
+                        <a:rPr lang="en-US" sz="1600" u="none" strike="noStrike" baseline="0">
+                          <a:effectLst/>
+                        </a:rPr>
+                        <a:t>5</a:t>
+                      </a:r>
+                      <a:endParaRPr lang="en-US" sz="1600" b="0" i="0" u="none" strike="noStrike" baseline="0">
+                        <a:solidFill>
+                          <a:srgbClr val="000000"/>
+                        </a:solidFill>
+                        <a:effectLst/>
+                        <a:latin typeface="Calibri" panose="020F0502020204030204" pitchFamily="34" charset="0"/>
+                      </a:endParaRPr>
+                    </a:p>
+                  </a:txBody>
+                  <a:tcPr marL="9525" marR="9525" marT="9525" marB="0" anchor="ctr"/>
+                </a:tc>
+                <a:tc>
+                  <a:txBody>
+                    <a:bodyPr/>
+                    <a:lstStyle/>
+                    <a:p>
+                      <a:pPr algn="r" fontAlgn="ctr"/>
+                      <a:r>
+                        <a:rPr lang="en-US" sz="1600" u="none" strike="noStrike" baseline="0">
+                          <a:effectLst/>
+                        </a:rPr>
+                        <a:t>0.0199</a:t>
+                      </a:r>
+                      <a:endParaRPr lang="en-US" sz="1600" b="0" i="0" u="none" strike="noStrike" baseline="0">
+                        <a:solidFill>
+                          <a:srgbClr val="000000"/>
+                        </a:solidFill>
+                        <a:effectLst/>
+                        <a:latin typeface="Calibri" panose="020F0502020204030204" pitchFamily="34" charset="0"/>
+                      </a:endParaRPr>
+                    </a:p>
+                  </a:txBody>
+                  <a:tcPr marL="9525" marR="9525" marT="9525" marB="0" anchor="ctr"/>
+                </a:tc>
+                <a:tc>
+                  <a:txBody>
+                    <a:bodyPr/>
+                    <a:lstStyle/>
+                    <a:p>
+                      <a:pPr algn="r" fontAlgn="ctr"/>
+                      <a:r>
+                        <a:rPr lang="en-US" sz="1600" u="none" strike="noStrike" baseline="0" dirty="0">
+                          <a:effectLst/>
+                        </a:rPr>
+                        <a:t>0.0196</a:t>
+                      </a:r>
+                      <a:endParaRPr lang="en-US" sz="1600" b="0" i="0" u="none" strike="noStrike" baseline="0" dirty="0">
+                        <a:solidFill>
+                          <a:srgbClr val="000000"/>
+                        </a:solidFill>
+                        <a:effectLst/>
+                        <a:latin typeface="Calibri" panose="020F0502020204030204" pitchFamily="34" charset="0"/>
+                      </a:endParaRPr>
+                    </a:p>
+                  </a:txBody>
+                  <a:tcPr marL="9525" marR="9525" marT="9525" marB="0" anchor="ctr"/>
+                </a:tc>
+              </a:tr>
+            </a:tbl>
+          </a:graphicData>
+        </a:graphic>
+      </p:graphicFrame>
+    </p:spTree>
+    <p:extLst>
+      <p:ext uri="{BB962C8B-B14F-4D97-AF65-F5344CB8AC3E}">
+        <p14:creationId xmlns:p14="http://schemas.microsoft.com/office/powerpoint/2010/main" val="39451894"/>
+      </p:ext>
+    </p:extLst>
+  </p:cSld>
+  <p:clrMapOvr>
+    <a:masterClrMapping/>
+  </p:clrMapOvr>
+</p:sld>
+</file>
+
+<file path=ppt/slides/slide14.xml><?xml version="1.0" encoding="utf-8"?>
+<p:sld xmlns:a="http://schemas.openxmlformats.org/drawingml/2006/main" xmlns:r="http://schemas.openxmlformats.org/officeDocument/2006/relationships" xmlns:p="http://schemas.openxmlformats.org/presentationml/2006/main">
+  <p:cSld>
+    <p:spTree>
+      <p:nvGrpSpPr>
+        <p:cNvPr id="1" name=""/>
+        <p:cNvGrpSpPr/>
+        <p:nvPr/>
+      </p:nvGrpSpPr>
+      <p:grpSpPr>
+        <a:xfrm>
+          <a:off x="0" y="0"/>
+          <a:ext cx="0" cy="0"/>
+          <a:chOff x="0" y="0"/>
+          <a:chExt cx="0" cy="0"/>
+        </a:xfrm>
+      </p:grpSpPr>
+      <p:sp>
+        <p:nvSpPr>
+          <p:cNvPr id="2" name="Title 1"/>
+          <p:cNvSpPr>
+            <a:spLocks noGrp="1"/>
+          </p:cNvSpPr>
+          <p:nvPr>
+            <p:ph type="title"/>
+          </p:nvPr>
+        </p:nvSpPr>
+        <p:spPr/>
+        <p:txBody>
+          <a:bodyPr/>
+          <a:lstStyle/>
+          <a:p>
+            <a:r>
+              <a:rPr lang="en-US" cap="none" dirty="0" smtClean="0"/>
+              <a:t>200uL</a:t>
+            </a:r>
+            <a:endParaRPr lang="en-US" cap="none" dirty="0"/>
+          </a:p>
+        </p:txBody>
+      </p:sp>
+      <p:sp>
+        <p:nvSpPr>
+          <p:cNvPr id="3" name="Text Placeholder 2"/>
+          <p:cNvSpPr>
+            <a:spLocks noGrp="1"/>
+          </p:cNvSpPr>
+          <p:nvPr>
+            <p:ph type="body" idx="1"/>
+          </p:nvPr>
+        </p:nvSpPr>
+        <p:spPr/>
+        <p:txBody>
+          <a:bodyPr/>
+          <a:lstStyle/>
+          <a:p>
+            <a:r>
+              <a:rPr lang="en-US" dirty="0" smtClean="0"/>
+              <a:t>Commercial pipette	</a:t>
+            </a:r>
+            <a:endParaRPr lang="en-US" dirty="0"/>
+          </a:p>
+        </p:txBody>
+      </p:sp>
+      <p:sp>
+        <p:nvSpPr>
+          <p:cNvPr id="4" name="Content Placeholder 3"/>
+          <p:cNvSpPr>
+            <a:spLocks noGrp="1"/>
+          </p:cNvSpPr>
+          <p:nvPr>
+            <p:ph sz="quarter" idx="13"/>
+          </p:nvPr>
+        </p:nvSpPr>
+        <p:spPr/>
+        <p:txBody>
+          <a:bodyPr/>
+          <a:lstStyle/>
+          <a:p>
+            <a:r>
+              <a:rPr lang="en-US" dirty="0" smtClean="0"/>
+              <a:t>Average of ten trial :                0.20446 </a:t>
+            </a:r>
+          </a:p>
+          <a:p>
+            <a:r>
+              <a:rPr lang="en-US" dirty="0" smtClean="0"/>
+              <a:t>Percent Error:                            2.233%</a:t>
+            </a:r>
+          </a:p>
+          <a:p>
+            <a:r>
+              <a:rPr lang="en-US" dirty="0" smtClean="0"/>
+              <a:t>Standard Deviation :                 0.00291</a:t>
+            </a:r>
+          </a:p>
+          <a:p>
+            <a:r>
+              <a:rPr lang="en-US" dirty="0" smtClean="0"/>
+              <a:t>Percent Standard Deviation:   1.4215%</a:t>
+            </a:r>
+          </a:p>
+        </p:txBody>
+      </p:sp>
+      <p:sp>
+        <p:nvSpPr>
+          <p:cNvPr id="5" name="Text Placeholder 4"/>
+          <p:cNvSpPr>
+            <a:spLocks noGrp="1"/>
+          </p:cNvSpPr>
+          <p:nvPr>
+            <p:ph type="body" sz="quarter" idx="3"/>
+          </p:nvPr>
+        </p:nvSpPr>
+        <p:spPr/>
+        <p:txBody>
+          <a:bodyPr/>
+          <a:lstStyle/>
+          <a:p>
+            <a:r>
+              <a:rPr lang="en-US" dirty="0" smtClean="0"/>
+              <a:t>Test pipette</a:t>
+            </a:r>
+            <a:endParaRPr lang="en-US" dirty="0"/>
+          </a:p>
+        </p:txBody>
+      </p:sp>
+      <p:sp>
+        <p:nvSpPr>
+          <p:cNvPr id="6" name="Content Placeholder 5"/>
+          <p:cNvSpPr>
+            <a:spLocks noGrp="1"/>
+          </p:cNvSpPr>
+          <p:nvPr>
+            <p:ph sz="quarter" idx="14"/>
+          </p:nvPr>
+        </p:nvSpPr>
+        <p:spPr/>
+        <p:txBody>
+          <a:bodyPr/>
+          <a:lstStyle/>
+          <a:p>
+            <a:r>
+              <a:rPr lang="en-US" dirty="0"/>
+              <a:t>Average of ten trial :                 </a:t>
+            </a:r>
+            <a:r>
+              <a:rPr lang="en-US" dirty="0" smtClean="0"/>
+              <a:t>0.19724</a:t>
+            </a:r>
+            <a:endParaRPr lang="en-US" dirty="0"/>
+          </a:p>
+          <a:p>
+            <a:r>
+              <a:rPr lang="en-US" dirty="0"/>
+              <a:t>Percent Error:                             </a:t>
+            </a:r>
+            <a:r>
+              <a:rPr lang="en-US" dirty="0" smtClean="0"/>
+              <a:t>-1.377%</a:t>
+            </a:r>
+            <a:endParaRPr lang="en-US" dirty="0"/>
+          </a:p>
+          <a:p>
+            <a:r>
+              <a:rPr lang="en-US" dirty="0"/>
+              <a:t>Standard Deviation :                  </a:t>
+            </a:r>
+            <a:r>
+              <a:rPr lang="en-US" dirty="0" smtClean="0"/>
+              <a:t>0.00485</a:t>
+            </a:r>
+            <a:endParaRPr lang="en-US" dirty="0"/>
+          </a:p>
+          <a:p>
+            <a:r>
+              <a:rPr lang="en-US" dirty="0"/>
+              <a:t>Percent Standard Deviation:    </a:t>
+            </a:r>
+            <a:r>
+              <a:rPr lang="en-US" dirty="0" smtClean="0"/>
+              <a:t>2.4588%</a:t>
+            </a:r>
+            <a:endParaRPr lang="en-US" dirty="0"/>
+          </a:p>
+          <a:p>
+            <a:endParaRPr lang="en-US" dirty="0"/>
+          </a:p>
+        </p:txBody>
+      </p:sp>
+    </p:spTree>
+    <p:extLst>
+      <p:ext uri="{BB962C8B-B14F-4D97-AF65-F5344CB8AC3E}">
+        <p14:creationId xmlns:p14="http://schemas.microsoft.com/office/powerpoint/2010/main" val="4068384317"/>
+      </p:ext>
+    </p:extLst>
+  </p:cSld>
+  <p:clrMapOvr>
+    <a:masterClrMapping/>
+  </p:clrMapOvr>
+</p:sld>
+</file>
+
+<file path=ppt/slides/slide15.xml><?xml version="1.0" encoding="utf-8"?>
+<p:sld xmlns:a="http://schemas.openxmlformats.org/drawingml/2006/main" xmlns:r="http://schemas.openxmlformats.org/officeDocument/2006/relationships" xmlns:p="http://schemas.openxmlformats.org/presentationml/2006/main">
+  <p:cSld>
+    <p:spTree>
+      <p:nvGrpSpPr>
+        <p:cNvPr id="1" name=""/>
+        <p:cNvGrpSpPr/>
+        <p:nvPr/>
+      </p:nvGrpSpPr>
+      <p:grpSpPr>
+        <a:xfrm>
+          <a:off x="0" y="0"/>
+          <a:ext cx="0" cy="0"/>
+          <a:chOff x="0" y="0"/>
+          <a:chExt cx="0" cy="0"/>
+        </a:xfrm>
+      </p:grpSpPr>
+      <p:sp>
+        <p:nvSpPr>
+          <p:cNvPr id="2" name="Title 1"/>
+          <p:cNvSpPr>
+            <a:spLocks noGrp="1"/>
+          </p:cNvSpPr>
+          <p:nvPr>
+            <p:ph type="title"/>
+          </p:nvPr>
+        </p:nvSpPr>
+        <p:spPr/>
+        <p:txBody>
+          <a:bodyPr/>
+          <a:lstStyle/>
+          <a:p>
+            <a:r>
+              <a:rPr lang="en-US" cap="none" dirty="0" smtClean="0"/>
+              <a:t>50uL</a:t>
+            </a:r>
+            <a:endParaRPr lang="en-US" cap="none" dirty="0"/>
+          </a:p>
+        </p:txBody>
+      </p:sp>
+      <p:sp>
+        <p:nvSpPr>
+          <p:cNvPr id="3" name="Text Placeholder 2"/>
+          <p:cNvSpPr>
+            <a:spLocks noGrp="1"/>
+          </p:cNvSpPr>
+          <p:nvPr>
+            <p:ph type="body" idx="1"/>
+          </p:nvPr>
+        </p:nvSpPr>
+        <p:spPr/>
+        <p:txBody>
+          <a:bodyPr/>
+          <a:lstStyle/>
+          <a:p>
+            <a:r>
+              <a:rPr lang="en-US" dirty="0" smtClean="0"/>
+              <a:t>Commercial pipette	</a:t>
+            </a:r>
+            <a:endParaRPr lang="en-US" dirty="0"/>
+          </a:p>
+        </p:txBody>
+      </p:sp>
+      <p:sp>
+        <p:nvSpPr>
+          <p:cNvPr id="4" name="Content Placeholder 3"/>
+          <p:cNvSpPr>
+            <a:spLocks noGrp="1"/>
+          </p:cNvSpPr>
+          <p:nvPr>
+            <p:ph sz="quarter" idx="13"/>
+          </p:nvPr>
+        </p:nvSpPr>
+        <p:spPr/>
+        <p:txBody>
+          <a:bodyPr/>
+          <a:lstStyle/>
+          <a:p>
+            <a:r>
+              <a:rPr lang="en-US" dirty="0" smtClean="0"/>
+              <a:t>Average of ten trial :                0.0499 </a:t>
+            </a:r>
+          </a:p>
+          <a:p>
+            <a:r>
+              <a:rPr lang="en-US" dirty="0" smtClean="0"/>
+              <a:t>Percent Error:                           -0.197%</a:t>
+            </a:r>
+          </a:p>
+          <a:p>
+            <a:r>
+              <a:rPr lang="en-US" dirty="0" smtClean="0"/>
+              <a:t>Standard Deviation :                 0.00014</a:t>
+            </a:r>
+          </a:p>
+          <a:p>
+            <a:r>
+              <a:rPr lang="en-US" dirty="0" smtClean="0"/>
+              <a:t>Percent Standard Deviation:   0.2834%</a:t>
+            </a:r>
+          </a:p>
+        </p:txBody>
+      </p:sp>
+      <p:sp>
+        <p:nvSpPr>
+          <p:cNvPr id="5" name="Text Placeholder 4"/>
+          <p:cNvSpPr>
+            <a:spLocks noGrp="1"/>
+          </p:cNvSpPr>
+          <p:nvPr>
+            <p:ph type="body" sz="quarter" idx="3"/>
+          </p:nvPr>
+        </p:nvSpPr>
+        <p:spPr/>
+        <p:txBody>
+          <a:bodyPr/>
+          <a:lstStyle/>
+          <a:p>
+            <a:r>
+              <a:rPr lang="en-US" dirty="0" smtClean="0"/>
+              <a:t>Test pipette</a:t>
+            </a:r>
+            <a:endParaRPr lang="en-US" dirty="0"/>
+          </a:p>
+        </p:txBody>
+      </p:sp>
+      <p:sp>
+        <p:nvSpPr>
+          <p:cNvPr id="6" name="Content Placeholder 5"/>
+          <p:cNvSpPr>
+            <a:spLocks noGrp="1"/>
+          </p:cNvSpPr>
+          <p:nvPr>
+            <p:ph sz="quarter" idx="14"/>
+          </p:nvPr>
+        </p:nvSpPr>
+        <p:spPr/>
+        <p:txBody>
+          <a:bodyPr/>
+          <a:lstStyle/>
+          <a:p>
+            <a:r>
+              <a:rPr lang="en-US" dirty="0"/>
+              <a:t>Average of ten trial :                 </a:t>
+            </a:r>
+            <a:r>
+              <a:rPr lang="en-US" dirty="0" smtClean="0"/>
+              <a:t>0.05315</a:t>
+            </a:r>
+            <a:endParaRPr lang="en-US" dirty="0"/>
+          </a:p>
+          <a:p>
+            <a:r>
+              <a:rPr lang="en-US" dirty="0"/>
+              <a:t>Percent Error:                             </a:t>
+            </a:r>
+            <a:r>
+              <a:rPr lang="en-US" dirty="0" smtClean="0"/>
+              <a:t>6.303%</a:t>
+            </a:r>
+            <a:endParaRPr lang="en-US" dirty="0"/>
+          </a:p>
+          <a:p>
+            <a:r>
+              <a:rPr lang="en-US" dirty="0"/>
+              <a:t>Standard Deviation :                  </a:t>
+            </a:r>
+            <a:r>
+              <a:rPr lang="en-US" dirty="0" smtClean="0"/>
+              <a:t>0.00195</a:t>
+            </a:r>
+            <a:endParaRPr lang="en-US" dirty="0"/>
+          </a:p>
+          <a:p>
+            <a:r>
+              <a:rPr lang="en-US" dirty="0"/>
+              <a:t>Percent Standard Deviation:    </a:t>
+            </a:r>
+            <a:r>
+              <a:rPr lang="en-US" dirty="0" smtClean="0"/>
+              <a:t>3.6754%</a:t>
+            </a:r>
+            <a:endParaRPr lang="en-US" dirty="0"/>
+          </a:p>
+          <a:p>
+            <a:endParaRPr lang="en-US" dirty="0"/>
+          </a:p>
+        </p:txBody>
+      </p:sp>
+    </p:spTree>
+    <p:extLst>
+      <p:ext uri="{BB962C8B-B14F-4D97-AF65-F5344CB8AC3E}">
+        <p14:creationId xmlns:p14="http://schemas.microsoft.com/office/powerpoint/2010/main" val="3406382562"/>
+      </p:ext>
+    </p:extLst>
+  </p:cSld>
+  <p:clrMapOvr>
+    <a:masterClrMapping/>
+  </p:clrMapOvr>
+</p:sld>
+</file>
+
+<file path=ppt/slides/slide16.xml><?xml version="1.0" encoding="utf-8"?>
+<p:sld xmlns:a="http://schemas.openxmlformats.org/drawingml/2006/main" xmlns:r="http://schemas.openxmlformats.org/officeDocument/2006/relationships" xmlns:p="http://schemas.openxmlformats.org/presentationml/2006/main">
+  <p:cSld>
+    <p:spTree>
+      <p:nvGrpSpPr>
+        <p:cNvPr id="1" name=""/>
+        <p:cNvGrpSpPr/>
+        <p:nvPr/>
+      </p:nvGrpSpPr>
+      <p:grpSpPr>
+        <a:xfrm>
+          <a:off x="0" y="0"/>
+          <a:ext cx="0" cy="0"/>
+          <a:chOff x="0" y="0"/>
+          <a:chExt cx="0" cy="0"/>
+        </a:xfrm>
+      </p:grpSpPr>
+      <p:sp>
+        <p:nvSpPr>
+          <p:cNvPr id="2" name="Title 1"/>
+          <p:cNvSpPr>
+            <a:spLocks noGrp="1"/>
+          </p:cNvSpPr>
+          <p:nvPr>
+            <p:ph type="title"/>
+          </p:nvPr>
+        </p:nvSpPr>
+        <p:spPr/>
+        <p:txBody>
+          <a:bodyPr/>
+          <a:lstStyle/>
+          <a:p>
+            <a:r>
+              <a:rPr lang="en-US" cap="none" dirty="0" smtClean="0"/>
+              <a:t>20uL</a:t>
+            </a:r>
+            <a:endParaRPr lang="en-US" cap="none" dirty="0"/>
+          </a:p>
+        </p:txBody>
+      </p:sp>
+      <p:sp>
+        <p:nvSpPr>
+          <p:cNvPr id="3" name="Text Placeholder 2"/>
+          <p:cNvSpPr>
+            <a:spLocks noGrp="1"/>
+          </p:cNvSpPr>
+          <p:nvPr>
+            <p:ph type="body" idx="1"/>
+          </p:nvPr>
+        </p:nvSpPr>
+        <p:spPr/>
+        <p:txBody>
+          <a:bodyPr/>
+          <a:lstStyle/>
+          <a:p>
+            <a:r>
+              <a:rPr lang="en-US" dirty="0" smtClean="0"/>
+              <a:t>Commercial pipette	</a:t>
+            </a:r>
+            <a:endParaRPr lang="en-US" dirty="0"/>
+          </a:p>
+        </p:txBody>
+      </p:sp>
+      <p:sp>
+        <p:nvSpPr>
+          <p:cNvPr id="4" name="Content Placeholder 3"/>
+          <p:cNvSpPr>
+            <a:spLocks noGrp="1"/>
+          </p:cNvSpPr>
+          <p:nvPr>
+            <p:ph sz="quarter" idx="13"/>
+          </p:nvPr>
+        </p:nvSpPr>
+        <p:spPr/>
+        <p:txBody>
+          <a:bodyPr/>
+          <a:lstStyle/>
+          <a:p>
+            <a:r>
+              <a:rPr lang="en-US" dirty="0" smtClean="0"/>
+              <a:t>Average of ten trial :                0.01983 </a:t>
+            </a:r>
+          </a:p>
+          <a:p>
+            <a:r>
+              <a:rPr lang="en-US" dirty="0" smtClean="0"/>
+              <a:t>Percent Error:                            -0.847%</a:t>
+            </a:r>
+          </a:p>
+          <a:p>
+            <a:r>
+              <a:rPr lang="en-US" dirty="0" smtClean="0"/>
+              <a:t>Standard Deviation :                 0.00018</a:t>
+            </a:r>
+          </a:p>
+          <a:p>
+            <a:r>
+              <a:rPr lang="en-US" dirty="0" smtClean="0"/>
+              <a:t>Percent Standard Deviation:   0.8911%</a:t>
+            </a:r>
+          </a:p>
+        </p:txBody>
+      </p:sp>
+      <p:sp>
+        <p:nvSpPr>
+          <p:cNvPr id="5" name="Text Placeholder 4"/>
+          <p:cNvSpPr>
+            <a:spLocks noGrp="1"/>
+          </p:cNvSpPr>
+          <p:nvPr>
+            <p:ph type="body" sz="quarter" idx="3"/>
+          </p:nvPr>
+        </p:nvSpPr>
+        <p:spPr/>
+        <p:txBody>
+          <a:bodyPr/>
+          <a:lstStyle/>
+          <a:p>
+            <a:r>
+              <a:rPr lang="en-US" dirty="0" smtClean="0"/>
+              <a:t>Test pipette</a:t>
+            </a:r>
+            <a:endParaRPr lang="en-US" dirty="0"/>
+          </a:p>
+        </p:txBody>
+      </p:sp>
+      <p:sp>
+        <p:nvSpPr>
+          <p:cNvPr id="6" name="Content Placeholder 5"/>
+          <p:cNvSpPr>
+            <a:spLocks noGrp="1"/>
+          </p:cNvSpPr>
+          <p:nvPr>
+            <p:ph sz="quarter" idx="14"/>
+          </p:nvPr>
+        </p:nvSpPr>
+        <p:spPr/>
+        <p:txBody>
+          <a:bodyPr/>
+          <a:lstStyle/>
+          <a:p>
+            <a:r>
+              <a:rPr lang="en-US" dirty="0"/>
+              <a:t>Average of ten trial :                 </a:t>
+            </a:r>
+            <a:r>
+              <a:rPr lang="en-US" dirty="0" smtClean="0"/>
+              <a:t>0.01921</a:t>
+            </a:r>
+            <a:endParaRPr lang="en-US" dirty="0"/>
+          </a:p>
+          <a:p>
+            <a:r>
+              <a:rPr lang="en-US" dirty="0"/>
+              <a:t>Percent Error:                             </a:t>
+            </a:r>
+            <a:r>
+              <a:rPr lang="en-US" dirty="0" smtClean="0"/>
+              <a:t>-3.967%</a:t>
+            </a:r>
+          </a:p>
+          <a:p>
+            <a:r>
+              <a:rPr lang="en-US" dirty="0" smtClean="0"/>
+              <a:t>Standard Deviation :                  0.00042</a:t>
+            </a:r>
+          </a:p>
+          <a:p>
+            <a:r>
+              <a:rPr lang="en-US" dirty="0" smtClean="0"/>
+              <a:t>Percent </a:t>
+            </a:r>
+            <a:r>
+              <a:rPr lang="en-US" dirty="0"/>
+              <a:t>Standard Deviation:    </a:t>
+            </a:r>
+            <a:r>
+              <a:rPr lang="en-US" dirty="0" smtClean="0"/>
+              <a:t>2.1948%</a:t>
+            </a:r>
+            <a:endParaRPr lang="en-US" dirty="0"/>
+          </a:p>
+          <a:p>
+            <a:endParaRPr lang="en-US" dirty="0"/>
+          </a:p>
+        </p:txBody>
+      </p:sp>
+    </p:spTree>
+    <p:extLst>
+      <p:ext uri="{BB962C8B-B14F-4D97-AF65-F5344CB8AC3E}">
+        <p14:creationId xmlns:p14="http://schemas.microsoft.com/office/powerpoint/2010/main" val="2847969902"/>
+      </p:ext>
+    </p:extLst>
+  </p:cSld>
+  <p:clrMapOvr>
+    <a:masterClrMapping/>
+  </p:clrMapOvr>
+</p:sld>
+</file>
+
+<file path=ppt/slides/slide17.xml><?xml version="1.0" encoding="utf-8"?>
+<p:sld xmlns:a="http://schemas.openxmlformats.org/drawingml/2006/main" xmlns:r="http://schemas.openxmlformats.org/officeDocument/2006/relationships" xmlns:p="http://schemas.openxmlformats.org/presentationml/2006/main">
+  <p:cSld>
+    <p:spTree>
+      <p:nvGrpSpPr>
+        <p:cNvPr id="1" name=""/>
+        <p:cNvGrpSpPr/>
+        <p:nvPr/>
+      </p:nvGrpSpPr>
+      <p:grpSpPr>
+        <a:xfrm>
+          <a:off x="0" y="0"/>
+          <a:ext cx="0" cy="0"/>
+          <a:chOff x="0" y="0"/>
+          <a:chExt cx="0" cy="0"/>
+        </a:xfrm>
+      </p:grpSpPr>
+      <p:graphicFrame>
+        <p:nvGraphicFramePr>
+          <p:cNvPr id="6" name="Chart 5"/>
+          <p:cNvGraphicFramePr>
+            <a:graphicFrameLocks/>
+          </p:cNvGraphicFramePr>
+          <p:nvPr>
+            <p:extLst>
+              <p:ext uri="{D42A27DB-BD31-4B8C-83A1-F6EECF244321}">
+                <p14:modId xmlns:p14="http://schemas.microsoft.com/office/powerpoint/2010/main" val="655680214"/>
+              </p:ext>
+            </p:extLst>
+          </p:nvPr>
+        </p:nvGraphicFramePr>
+        <p:xfrm>
+          <a:off x="914400" y="605790"/>
+          <a:ext cx="9898379" cy="5772150"/>
+        </p:xfrm>
+        <a:graphic>
+          <a:graphicData uri="http://schemas.openxmlformats.org/drawingml/2006/chart">
+            <c:chart xmlns:c="http://schemas.openxmlformats.org/drawingml/2006/chart" xmlns:r="http://schemas.openxmlformats.org/officeDocument/2006/relationships" r:id="rId2"/>
+          </a:graphicData>
+        </a:graphic>
+      </p:graphicFrame>
+    </p:spTree>
+    <p:extLst>
+      <p:ext uri="{BB962C8B-B14F-4D97-AF65-F5344CB8AC3E}">
+        <p14:creationId xmlns:p14="http://schemas.microsoft.com/office/powerpoint/2010/main" val="3174629142"/>
+      </p:ext>
+    </p:extLst>
+  </p:cSld>
+  <p:clrMapOvr>
+    <a:masterClrMapping/>
+  </p:clrMapOvr>
+</p:sld>
+</file>
+
+<file path=ppt/slides/slide18.xml><?xml version="1.0" encoding="utf-8"?>
+<p:sld xmlns:a="http://schemas.openxmlformats.org/drawingml/2006/main" xmlns:r="http://schemas.openxmlformats.org/officeDocument/2006/relationships" xmlns:p="http://schemas.openxmlformats.org/presentationml/2006/main">
+  <p:cSld>
+    <p:spTree>
+      <p:nvGrpSpPr>
+        <p:cNvPr id="1" name=""/>
+        <p:cNvGrpSpPr/>
+        <p:nvPr/>
+      </p:nvGrpSpPr>
+      <p:grpSpPr>
+        <a:xfrm>
+          <a:off x="0" y="0"/>
+          <a:ext cx="0" cy="0"/>
+          <a:chOff x="0" y="0"/>
+          <a:chExt cx="0" cy="0"/>
+        </a:xfrm>
+      </p:grpSpPr>
+      <p:sp>
+        <p:nvSpPr>
+          <p:cNvPr id="2" name="Title 1"/>
+          <p:cNvSpPr>
+            <a:spLocks noGrp="1"/>
+          </p:cNvSpPr>
+          <p:nvPr>
+            <p:ph type="title"/>
+          </p:nvPr>
+        </p:nvSpPr>
+        <p:spPr/>
+        <p:txBody>
+          <a:bodyPr/>
+          <a:lstStyle/>
+          <a:p>
+            <a:r>
+              <a:rPr lang="en-US" dirty="0" smtClean="0"/>
+              <a:t>References </a:t>
+            </a:r>
+            <a:endParaRPr lang="en-US" dirty="0"/>
+          </a:p>
+        </p:txBody>
+      </p:sp>
+      <p:sp>
+        <p:nvSpPr>
+          <p:cNvPr id="3" name="Content Placeholder 2"/>
+          <p:cNvSpPr>
+            <a:spLocks noGrp="1"/>
+          </p:cNvSpPr>
+          <p:nvPr>
+            <p:ph sz="quarter" idx="13"/>
+          </p:nvPr>
+        </p:nvSpPr>
+        <p:spPr/>
+        <p:txBody>
+          <a:bodyPr/>
+          <a:lstStyle/>
+          <a:p>
+            <a:r>
+              <a:rPr lang="en-US" i="1" dirty="0"/>
+              <a:t>Accuracy and Precision</a:t>
+            </a:r>
+            <a:r>
+              <a:rPr lang="en-US" dirty="0"/>
+              <a:t>. Ft. Belvoir: Defense Technical Information Center, 1967. Web</a:t>
+            </a:r>
+            <a:r>
+              <a:rPr lang="en-US" dirty="0" smtClean="0"/>
+              <a:t>.</a:t>
+            </a:r>
+          </a:p>
+          <a:p>
+            <a:r>
+              <a:rPr lang="en-US" dirty="0"/>
+              <a:t>"Discover 3D Models." </a:t>
+            </a:r>
+            <a:r>
+              <a:rPr lang="en-US" i="1" dirty="0"/>
+              <a:t>NIH 3D Print Exchange</a:t>
+            </a:r>
+            <a:r>
+              <a:rPr lang="en-US" dirty="0"/>
+              <a:t>. </a:t>
+            </a:r>
+            <a:r>
+              <a:rPr lang="en-US" dirty="0" err="1"/>
+              <a:t>N.p</a:t>
+            </a:r>
+            <a:r>
+              <a:rPr lang="en-US" dirty="0"/>
+              <a:t>., </a:t>
+            </a:r>
+            <a:r>
+              <a:rPr lang="en-US" dirty="0" err="1"/>
+              <a:t>n.d.</a:t>
+            </a:r>
+            <a:r>
+              <a:rPr lang="en-US" dirty="0"/>
+              <a:t> Web. 16 Sept. 2014.</a:t>
+            </a:r>
+          </a:p>
+        </p:txBody>
+      </p:sp>
+    </p:spTree>
+    <p:extLst>
+      <p:ext uri="{BB962C8B-B14F-4D97-AF65-F5344CB8AC3E}">
+        <p14:creationId xmlns:p14="http://schemas.microsoft.com/office/powerpoint/2010/main" val="1440785272"/>
+      </p:ext>
+    </p:extLst>
+  </p:cSld>
+  <p:clrMapOvr>
+    <a:masterClrMapping/>
+  </p:clrMapOvr>
+</p:sld>
+</file>
+
+<file path=ppt/slides/slide19.xml><?xml version="1.0" encoding="utf-8"?>
+<p:sld xmlns:a="http://schemas.openxmlformats.org/drawingml/2006/main" xmlns:r="http://schemas.openxmlformats.org/officeDocument/2006/relationships" xmlns:p="http://schemas.openxmlformats.org/presentationml/2006/main">
+  <p:cSld>
+    <p:spTree>
+      <p:nvGrpSpPr>
+        <p:cNvPr id="1" name=""/>
+        <p:cNvGrpSpPr/>
+        <p:nvPr/>
+      </p:nvGrpSpPr>
+      <p:grpSpPr>
+        <a:xfrm>
+          <a:off x="0" y="0"/>
+          <a:ext cx="0" cy="0"/>
+          <a:chOff x="0" y="0"/>
+          <a:chExt cx="0" cy="0"/>
+        </a:xfrm>
+      </p:grpSpPr>
+      <p:sp>
+        <p:nvSpPr>
+          <p:cNvPr id="2" name="Title 1"/>
+          <p:cNvSpPr>
+            <a:spLocks noGrp="1"/>
+          </p:cNvSpPr>
+          <p:nvPr>
+            <p:ph type="title"/>
+          </p:nvPr>
+        </p:nvSpPr>
+        <p:spPr/>
+        <p:txBody>
+          <a:bodyPr/>
+          <a:lstStyle/>
+          <a:p>
+            <a:r>
+              <a:rPr lang="en-US" dirty="0" smtClean="0"/>
+              <a:t>Questions</a:t>
+            </a:r>
+            <a:endParaRPr lang="en-US" dirty="0"/>
+          </a:p>
+        </p:txBody>
+      </p:sp>
+      <p:sp>
+        <p:nvSpPr>
+          <p:cNvPr id="3" name="Text Placeholder 2"/>
+          <p:cNvSpPr>
+            <a:spLocks noGrp="1"/>
+          </p:cNvSpPr>
+          <p:nvPr>
+            <p:ph type="body" idx="1"/>
+          </p:nvPr>
+        </p:nvSpPr>
+        <p:spPr/>
+        <p:txBody>
+          <a:bodyPr/>
+          <a:lstStyle/>
+          <a:p>
+            <a:endParaRPr lang="en-US"/>
+          </a:p>
+        </p:txBody>
+      </p:sp>
+    </p:spTree>
+    <p:extLst>
+      <p:ext uri="{BB962C8B-B14F-4D97-AF65-F5344CB8AC3E}">
+        <p14:creationId xmlns:p14="http://schemas.microsoft.com/office/powerpoint/2010/main" val="3285561770"/>
       </p:ext>
     </p:extLst>
   </p:cSld>
@@ -7326,7 +11394,7 @@
           <a:p>
             <a:r>
               <a:rPr lang="en-US" dirty="0" smtClean="0"/>
-              <a:t>Specifications</a:t>
+              <a:t>Cost</a:t>
             </a:r>
             <a:endParaRPr lang="en-US" dirty="0"/>
           </a:p>
@@ -7334,7 +11402,30 @@
       </p:sp>
       <p:sp>
         <p:nvSpPr>
-          <p:cNvPr id="3" name="Content Placeholder 2"/>
+          <p:cNvPr id="3" name="Text Placeholder 2"/>
+          <p:cNvSpPr>
+            <a:spLocks noGrp="1"/>
+          </p:cNvSpPr>
+          <p:nvPr>
+            <p:ph type="body" idx="1"/>
+          </p:nvPr>
+        </p:nvSpPr>
+        <p:spPr/>
+        <p:txBody>
+          <a:bodyPr/>
+          <a:lstStyle/>
+          <a:p>
+            <a:r>
+              <a:rPr lang="en-US" dirty="0" smtClean="0"/>
+              <a:t>Commercial Micropipette</a:t>
+            </a:r>
+            <a:endParaRPr lang="en-US" dirty="0"/>
+          </a:p>
+        </p:txBody>
+      </p:sp>
+      <p:sp>
+        <p:nvSpPr>
+          <p:cNvPr id="4" name="Content Placeholder 3"/>
           <p:cNvSpPr>
             <a:spLocks noGrp="1"/>
           </p:cNvSpPr>
@@ -7344,99 +11435,124 @@
         </p:nvSpPr>
         <p:spPr/>
         <p:txBody>
+          <a:bodyPr/>
+          <a:lstStyle/>
+          <a:p>
+            <a:r>
+              <a:rPr lang="en-US" dirty="0" smtClean="0"/>
+              <a:t>100-1000uL       $371.75</a:t>
+            </a:r>
+          </a:p>
+          <a:p>
+            <a:r>
+              <a:rPr lang="en-US" dirty="0" smtClean="0"/>
+              <a:t>10-100ul           $384.58</a:t>
+            </a:r>
+          </a:p>
+        </p:txBody>
+      </p:sp>
+      <p:sp>
+        <p:nvSpPr>
+          <p:cNvPr id="5" name="Text Placeholder 4"/>
+          <p:cNvSpPr>
+            <a:spLocks noGrp="1"/>
+          </p:cNvSpPr>
+          <p:nvPr>
+            <p:ph type="body" sz="quarter" idx="3"/>
+          </p:nvPr>
+        </p:nvSpPr>
+        <p:spPr/>
+        <p:txBody>
+          <a:bodyPr/>
+          <a:lstStyle/>
+          <a:p>
+            <a:r>
+              <a:rPr lang="en-US" dirty="0" smtClean="0"/>
+              <a:t>Test Micropipette</a:t>
+            </a:r>
+            <a:endParaRPr lang="en-US" dirty="0"/>
+          </a:p>
+        </p:txBody>
+      </p:sp>
+      <p:sp>
+        <p:nvSpPr>
+          <p:cNvPr id="6" name="Content Placeholder 5"/>
+          <p:cNvSpPr>
+            <a:spLocks noGrp="1"/>
+          </p:cNvSpPr>
+          <p:nvPr>
+            <p:ph sz="quarter" idx="14"/>
+          </p:nvPr>
+        </p:nvSpPr>
+        <p:spPr/>
+        <p:txBody>
           <a:bodyPr>
-            <a:normAutofit/>
+            <a:normAutofit lnSpcReduction="10000"/>
           </a:bodyPr>
           <a:lstStyle/>
           <a:p>
             <a:r>
+              <a:rPr lang="en-US" dirty="0" err="1" smtClean="0"/>
+              <a:t>BODY+Plunger</a:t>
+            </a:r>
+            <a:r>
+              <a:rPr lang="en-US" dirty="0" smtClean="0"/>
+              <a:t> Printed  $124</a:t>
+            </a:r>
+          </a:p>
+          <a:p>
+            <a:r>
+              <a:rPr lang="en-US" dirty="0" smtClean="0"/>
+              <a:t>Nut and bolt $0.30</a:t>
+            </a:r>
+          </a:p>
+          <a:p>
+            <a:r>
+              <a:rPr lang="en-US" dirty="0" smtClean="0"/>
+              <a:t>Spring $0.79</a:t>
+            </a:r>
+          </a:p>
+          <a:p>
+            <a:r>
+              <a:rPr lang="en-US" dirty="0" smtClean="0"/>
+              <a:t>3 </a:t>
+            </a:r>
+            <a:r>
               <a:rPr lang="en-US" cap="none" dirty="0" smtClean="0"/>
-              <a:t>With the 3mL Syringe </a:t>
-            </a:r>
-            <a:r>
-              <a:rPr lang="en-US" cap="none" dirty="0"/>
-              <a:t>A</a:t>
+              <a:t>mL</a:t>
+            </a:r>
+            <a:r>
+              <a:rPr lang="en-US" dirty="0" smtClean="0"/>
+              <a:t> Syringe $0.15</a:t>
+            </a:r>
+          </a:p>
+          <a:p>
+            <a:r>
+              <a:rPr lang="en-US" dirty="0" smtClean="0"/>
+              <a:t>1</a:t>
             </a:r>
             <a:r>
               <a:rPr lang="en-US" cap="none" dirty="0" smtClean="0"/>
-              <a:t>ttached</a:t>
-            </a:r>
-          </a:p>
-          <a:p>
-            <a:pPr lvl="1"/>
-            <a:r>
-              <a:rPr lang="en-US" cap="none" dirty="0" smtClean="0">
-                <a:latin typeface="Calibri" panose="020F0502020204030204" pitchFamily="34" charset="0"/>
-              </a:rPr>
-              <a:t>Dispense up to 1 ml or 1000 </a:t>
-            </a:r>
-            <a:r>
-              <a:rPr lang="en-US" cap="none" dirty="0" err="1" smtClean="0">
-                <a:latin typeface="Calibri" panose="020F0502020204030204" pitchFamily="34" charset="0"/>
-              </a:rPr>
-              <a:t>ul</a:t>
-            </a:r>
-            <a:endParaRPr lang="en-US" cap="none" dirty="0" smtClean="0">
-              <a:latin typeface="Calibri" panose="020F0502020204030204" pitchFamily="34" charset="0"/>
-            </a:endParaRPr>
-          </a:p>
-          <a:p>
-            <a:pPr lvl="1"/>
-            <a:r>
-              <a:rPr lang="en-US" cap="none" dirty="0" smtClean="0"/>
-              <a:t>Depending on the syringe:</a:t>
-            </a:r>
-          </a:p>
-          <a:p>
-            <a:pPr lvl="2"/>
-            <a:r>
-              <a:rPr lang="en-US" cap="none" dirty="0" smtClean="0"/>
-              <a:t>Measure in increments of 100ul</a:t>
-            </a:r>
-          </a:p>
-          <a:p>
-            <a:r>
-              <a:rPr lang="en-US" cap="none" dirty="0" smtClean="0"/>
-              <a:t> With 1ml SYRINGE Attached</a:t>
-            </a:r>
-          </a:p>
-          <a:p>
-            <a:pPr lvl="1"/>
-            <a:r>
-              <a:rPr lang="en-US" cap="none" dirty="0" smtClean="0"/>
-              <a:t>Dispense up to .35mL or 350uL</a:t>
-            </a:r>
-          </a:p>
-          <a:p>
-            <a:pPr lvl="1"/>
-            <a:r>
-              <a:rPr lang="en-US" cap="none" dirty="0" smtClean="0"/>
-              <a:t>Measure in increments of 10uL</a:t>
-            </a:r>
-          </a:p>
-          <a:p>
-            <a:pPr marL="0" indent="0">
-              <a:buNone/>
-            </a:pPr>
+              <a:t>mL</a:t>
+            </a:r>
+            <a:r>
+              <a:rPr lang="en-US" dirty="0" smtClean="0"/>
+              <a:t> syringe $0.15</a:t>
+            </a:r>
+          </a:p>
+          <a:p>
+            <a:r>
+              <a:rPr lang="en-US" dirty="0" smtClean="0"/>
+              <a:t>Total with two syringes= $125.39</a:t>
+            </a:r>
             <a:endParaRPr lang="en-US" dirty="0"/>
-          </a:p>
-          <a:p>
-            <a:pPr lvl="2">
-              <a:buFont typeface="Courier New" panose="02070309020205020404" pitchFamily="49" charset="0"/>
-              <a:buChar char="o"/>
-            </a:pPr>
-            <a:endParaRPr lang="en-US" dirty="0"/>
-          </a:p>
-          <a:p>
-            <a:pPr lvl="2"/>
-            <a:endParaRPr lang="en-US" dirty="0" smtClean="0"/>
           </a:p>
         </p:txBody>
       </p:sp>
     </p:spTree>
     <p:extLst>
       <p:ext uri="{BB962C8B-B14F-4D97-AF65-F5344CB8AC3E}">
-        <p14:creationId xmlns:p14="http://schemas.microsoft.com/office/powerpoint/2010/main" val="276012632"/>
+        <p14:creationId xmlns:p14="http://schemas.microsoft.com/office/powerpoint/2010/main" val="2681727280"/>
       </p:ext>
     </p:extLst>
   </p:cSld>
@@ -7473,6 +11589,722 @@
             <p:ph type="title"/>
           </p:nvPr>
         </p:nvSpPr>
+        <p:spPr>
+          <a:xfrm>
+            <a:off x="913775" y="274321"/>
+            <a:ext cx="10364451" cy="720089"/>
+          </a:xfrm>
+        </p:spPr>
+        <p:txBody>
+          <a:bodyPr>
+            <a:normAutofit/>
+          </a:bodyPr>
+          <a:lstStyle/>
+          <a:p>
+            <a:r>
+              <a:rPr lang="en-US" sz="4000" b="1" dirty="0" smtClean="0"/>
+              <a:t>Parts</a:t>
+            </a:r>
+            <a:endParaRPr lang="en-US" sz="4000" b="1" dirty="0"/>
+          </a:p>
+        </p:txBody>
+      </p:sp>
+      <p:pic>
+        <p:nvPicPr>
+          <p:cNvPr id="3" name="Picture 2"/>
+          <p:cNvPicPr>
+            <a:picLocks noChangeAspect="1"/>
+          </p:cNvPicPr>
+          <p:nvPr/>
+        </p:nvPicPr>
+        <p:blipFill>
+          <a:blip r:embed="rId2">
+            <a:extLst>
+              <a:ext uri="{28A0092B-C50C-407E-A947-70E740481C1C}">
+                <a14:useLocalDpi xmlns:a14="http://schemas.microsoft.com/office/drawing/2010/main" val="0"/>
+              </a:ext>
+            </a:extLst>
+          </a:blip>
+          <a:stretch>
+            <a:fillRect/>
+          </a:stretch>
+        </p:blipFill>
+        <p:spPr>
+          <a:xfrm>
+            <a:off x="758190" y="994410"/>
+            <a:ext cx="4042410" cy="5389880"/>
+          </a:xfrm>
+          <a:prstGeom prst="rect">
+            <a:avLst/>
+          </a:prstGeom>
+        </p:spPr>
+      </p:pic>
+      <p:sp>
+        <p:nvSpPr>
+          <p:cNvPr id="5" name="TextBox 4"/>
+          <p:cNvSpPr txBox="1"/>
+          <p:nvPr/>
+        </p:nvSpPr>
+        <p:spPr>
+          <a:xfrm>
+            <a:off x="5589270" y="1451610"/>
+            <a:ext cx="4834890" cy="2246769"/>
+          </a:xfrm>
+          <a:prstGeom prst="rect">
+            <a:avLst/>
+          </a:prstGeom>
+          <a:noFill/>
+        </p:spPr>
+        <p:txBody>
+          <a:bodyPr wrap="square" rtlCol="0">
+            <a:spAutoFit/>
+          </a:bodyPr>
+          <a:lstStyle/>
+          <a:p>
+            <a:r>
+              <a:rPr lang="en-US" sz="2800" dirty="0" smtClean="0"/>
+              <a:t>BODY</a:t>
+            </a:r>
+          </a:p>
+          <a:p>
+            <a:r>
+              <a:rPr lang="en-US" sz="2800" dirty="0" smtClean="0"/>
+              <a:t>Plunger </a:t>
+            </a:r>
+            <a:r>
+              <a:rPr lang="en-US" sz="2800" dirty="0"/>
+              <a:t>Printed </a:t>
+            </a:r>
+          </a:p>
+          <a:p>
+            <a:r>
+              <a:rPr lang="en-US" sz="2800" dirty="0"/>
+              <a:t>Nut and </a:t>
+            </a:r>
+            <a:r>
+              <a:rPr lang="en-US" sz="2800" dirty="0" smtClean="0"/>
+              <a:t>Bolt </a:t>
+            </a:r>
+            <a:endParaRPr lang="en-US" sz="2800" dirty="0"/>
+          </a:p>
+          <a:p>
+            <a:r>
+              <a:rPr lang="en-US" sz="2800" dirty="0" smtClean="0"/>
+              <a:t>Spring</a:t>
+            </a:r>
+            <a:endParaRPr lang="en-US" sz="2800" dirty="0"/>
+          </a:p>
+          <a:p>
+            <a:r>
+              <a:rPr lang="en-US" sz="2800" dirty="0"/>
+              <a:t>1mL </a:t>
+            </a:r>
+            <a:r>
+              <a:rPr lang="en-US" sz="2800" dirty="0" smtClean="0"/>
+              <a:t>Syringe </a:t>
+            </a:r>
+            <a:endParaRPr lang="en-US" sz="2800" dirty="0"/>
+          </a:p>
+        </p:txBody>
+      </p:sp>
+    </p:spTree>
+    <p:extLst>
+      <p:ext uri="{BB962C8B-B14F-4D97-AF65-F5344CB8AC3E}">
+        <p14:creationId xmlns:p14="http://schemas.microsoft.com/office/powerpoint/2010/main" val="3854394957"/>
+      </p:ext>
+    </p:extLst>
+  </p:cSld>
+  <p:clrMapOvr>
+    <a:masterClrMapping/>
+  </p:clrMapOvr>
+</p:sld>
+</file>
+
+<file path=ppt/slides/slide4.xml><?xml version="1.0" encoding="utf-8"?>
+<p:sld xmlns:a="http://schemas.openxmlformats.org/drawingml/2006/main" xmlns:r="http://schemas.openxmlformats.org/officeDocument/2006/relationships" xmlns:p="http://schemas.openxmlformats.org/presentationml/2006/main">
+  <p:cSld>
+    <p:spTree>
+      <p:nvGrpSpPr>
+        <p:cNvPr id="1" name=""/>
+        <p:cNvGrpSpPr/>
+        <p:nvPr/>
+      </p:nvGrpSpPr>
+      <p:grpSpPr>
+        <a:xfrm>
+          <a:off x="0" y="0"/>
+          <a:ext cx="0" cy="0"/>
+          <a:chOff x="0" y="0"/>
+          <a:chExt cx="0" cy="0"/>
+        </a:xfrm>
+      </p:grpSpPr>
+      <p:sp>
+        <p:nvSpPr>
+          <p:cNvPr id="2" name="Title 1"/>
+          <p:cNvSpPr>
+            <a:spLocks noGrp="1"/>
+          </p:cNvSpPr>
+          <p:nvPr>
+            <p:ph type="title"/>
+          </p:nvPr>
+        </p:nvSpPr>
+        <p:spPr>
+          <a:xfrm>
+            <a:off x="913775" y="618517"/>
+            <a:ext cx="10364451" cy="855953"/>
+          </a:xfrm>
+        </p:spPr>
+        <p:txBody>
+          <a:bodyPr/>
+          <a:lstStyle/>
+          <a:p>
+            <a:r>
+              <a:rPr lang="en-US" dirty="0" smtClean="0"/>
+              <a:t>Assembled</a:t>
+            </a:r>
+            <a:endParaRPr lang="en-US" dirty="0"/>
+          </a:p>
+        </p:txBody>
+      </p:sp>
+      <p:pic>
+        <p:nvPicPr>
+          <p:cNvPr id="7" name="Content Placeholder 6"/>
+          <p:cNvPicPr>
+            <a:picLocks noGrp="1" noChangeAspect="1"/>
+          </p:cNvPicPr>
+          <p:nvPr>
+            <p:ph sz="quarter" idx="13"/>
+          </p:nvPr>
+        </p:nvPicPr>
+        <p:blipFill>
+          <a:blip r:embed="rId2">
+            <a:extLst>
+              <a:ext uri="{28A0092B-C50C-407E-A947-70E740481C1C}">
+                <a14:useLocalDpi xmlns:a14="http://schemas.microsoft.com/office/drawing/2010/main" val="0"/>
+              </a:ext>
+            </a:extLst>
+          </a:blip>
+          <a:stretch>
+            <a:fillRect/>
+          </a:stretch>
+        </p:blipFill>
+        <p:spPr bwMode="auto">
+          <a:xfrm>
+            <a:off x="2082584" y="1474470"/>
+            <a:ext cx="3237309" cy="4316412"/>
+          </a:xfrm>
+          <a:prstGeom prst="rect">
+            <a:avLst/>
+          </a:prstGeom>
+          <a:noFill/>
+          <a:extLst>
+            <a:ext uri="{909E8E84-426E-40DD-AFC4-6F175D3DCCD1}">
+              <a14:hiddenFill xmlns:a14="http://schemas.microsoft.com/office/drawing/2010/main">
+                <a:solidFill>
+                  <a:srgbClr val="FFFFFF"/>
+                </a:solidFill>
+              </a14:hiddenFill>
+            </a:ext>
+          </a:extLst>
+        </p:spPr>
+      </p:pic>
+      <p:pic>
+        <p:nvPicPr>
+          <p:cNvPr id="8" name="Picture 7"/>
+          <p:cNvPicPr>
+            <a:picLocks noChangeAspect="1"/>
+          </p:cNvPicPr>
+          <p:nvPr/>
+        </p:nvPicPr>
+        <p:blipFill>
+          <a:blip r:embed="rId3">
+            <a:extLst>
+              <a:ext uri="{28A0092B-C50C-407E-A947-70E740481C1C}">
+                <a14:useLocalDpi xmlns:a14="http://schemas.microsoft.com/office/drawing/2010/main" val="0"/>
+              </a:ext>
+            </a:extLst>
+          </a:blip>
+          <a:stretch>
+            <a:fillRect/>
+          </a:stretch>
+        </p:blipFill>
+        <p:spPr>
+          <a:xfrm>
+            <a:off x="6488702" y="1474470"/>
+            <a:ext cx="3237309" cy="4316412"/>
+          </a:xfrm>
+          <a:prstGeom prst="rect">
+            <a:avLst/>
+          </a:prstGeom>
+        </p:spPr>
+      </p:pic>
+    </p:spTree>
+    <p:extLst>
+      <p:ext uri="{BB962C8B-B14F-4D97-AF65-F5344CB8AC3E}">
+        <p14:creationId xmlns:p14="http://schemas.microsoft.com/office/powerpoint/2010/main" val="2646321619"/>
+      </p:ext>
+    </p:extLst>
+  </p:cSld>
+  <p:clrMapOvr>
+    <a:masterClrMapping/>
+  </p:clrMapOvr>
+</p:sld>
+</file>
+
+<file path=ppt/slides/slide5.xml><?xml version="1.0" encoding="utf-8"?>
+<p:sld xmlns:a="http://schemas.openxmlformats.org/drawingml/2006/main" xmlns:r="http://schemas.openxmlformats.org/officeDocument/2006/relationships" xmlns:p="http://schemas.openxmlformats.org/presentationml/2006/main">
+  <p:cSld>
+    <p:spTree>
+      <p:nvGrpSpPr>
+        <p:cNvPr id="1" name=""/>
+        <p:cNvGrpSpPr/>
+        <p:nvPr/>
+      </p:nvGrpSpPr>
+      <p:grpSpPr>
+        <a:xfrm>
+          <a:off x="0" y="0"/>
+          <a:ext cx="0" cy="0"/>
+          <a:chOff x="0" y="0"/>
+          <a:chExt cx="0" cy="0"/>
+        </a:xfrm>
+      </p:grpSpPr>
+      <p:sp>
+        <p:nvSpPr>
+          <p:cNvPr id="2" name="Title 1"/>
+          <p:cNvSpPr>
+            <a:spLocks noGrp="1"/>
+          </p:cNvSpPr>
+          <p:nvPr>
+            <p:ph type="title"/>
+          </p:nvPr>
+        </p:nvSpPr>
+        <p:spPr/>
+        <p:txBody>
+          <a:bodyPr/>
+          <a:lstStyle/>
+          <a:p>
+            <a:endParaRPr lang="en-US"/>
+          </a:p>
+        </p:txBody>
+      </p:sp>
+      <p:pic>
+        <p:nvPicPr>
+          <p:cNvPr id="4" name="Content Placeholder 3"/>
+          <p:cNvPicPr>
+            <a:picLocks noGrp="1" noChangeAspect="1"/>
+          </p:cNvPicPr>
+          <p:nvPr>
+            <p:ph sz="quarter" idx="13"/>
+          </p:nvPr>
+        </p:nvPicPr>
+        <p:blipFill>
+          <a:blip r:embed="rId2"/>
+          <a:stretch>
+            <a:fillRect/>
+          </a:stretch>
+        </p:blipFill>
+        <p:spPr>
+          <a:xfrm>
+            <a:off x="445145" y="925831"/>
+            <a:ext cx="11079480" cy="6232208"/>
+          </a:xfrm>
+          <a:prstGeom prst="rect">
+            <a:avLst/>
+          </a:prstGeom>
+        </p:spPr>
+      </p:pic>
+    </p:spTree>
+    <p:extLst>
+      <p:ext uri="{BB962C8B-B14F-4D97-AF65-F5344CB8AC3E}">
+        <p14:creationId xmlns:p14="http://schemas.microsoft.com/office/powerpoint/2010/main" val="1417629124"/>
+      </p:ext>
+    </p:extLst>
+  </p:cSld>
+  <p:clrMapOvr>
+    <a:masterClrMapping/>
+  </p:clrMapOvr>
+</p:sld>
+</file>
+
+<file path=ppt/slides/slide6.xml><?xml version="1.0" encoding="utf-8"?>
+<p:sld xmlns:a="http://schemas.openxmlformats.org/drawingml/2006/main" xmlns:r="http://schemas.openxmlformats.org/officeDocument/2006/relationships" xmlns:p="http://schemas.openxmlformats.org/presentationml/2006/main">
+  <p:cSld>
+    <p:spTree>
+      <p:nvGrpSpPr>
+        <p:cNvPr id="1" name=""/>
+        <p:cNvGrpSpPr/>
+        <p:nvPr/>
+      </p:nvGrpSpPr>
+      <p:grpSpPr>
+        <a:xfrm>
+          <a:off x="0" y="0"/>
+          <a:ext cx="0" cy="0"/>
+          <a:chOff x="0" y="0"/>
+          <a:chExt cx="0" cy="0"/>
+        </a:xfrm>
+      </p:grpSpPr>
+      <p:sp>
+        <p:nvSpPr>
+          <p:cNvPr id="2" name="Title 1"/>
+          <p:cNvSpPr>
+            <a:spLocks noGrp="1"/>
+          </p:cNvSpPr>
+          <p:nvPr>
+            <p:ph type="title"/>
+          </p:nvPr>
+        </p:nvSpPr>
+        <p:spPr/>
+        <p:txBody>
+          <a:bodyPr/>
+          <a:lstStyle/>
+          <a:p>
+            <a:r>
+              <a:rPr lang="en-US" dirty="0" smtClean="0"/>
+              <a:t>Specifications</a:t>
+            </a:r>
+            <a:endParaRPr lang="en-US" dirty="0"/>
+          </a:p>
+        </p:txBody>
+      </p:sp>
+      <p:sp>
+        <p:nvSpPr>
+          <p:cNvPr id="3" name="Content Placeholder 2"/>
+          <p:cNvSpPr>
+            <a:spLocks noGrp="1"/>
+          </p:cNvSpPr>
+          <p:nvPr>
+            <p:ph sz="quarter" idx="13"/>
+          </p:nvPr>
+        </p:nvSpPr>
+        <p:spPr/>
+        <p:txBody>
+          <a:bodyPr>
+            <a:normAutofit/>
+          </a:bodyPr>
+          <a:lstStyle/>
+          <a:p>
+            <a:r>
+              <a:rPr lang="en-US" cap="none" dirty="0" smtClean="0"/>
+              <a:t>With the 3mL Syringe </a:t>
+            </a:r>
+            <a:r>
+              <a:rPr lang="en-US" cap="none" dirty="0"/>
+              <a:t>A</a:t>
+            </a:r>
+            <a:r>
+              <a:rPr lang="en-US" cap="none" dirty="0" smtClean="0"/>
+              <a:t>ttached</a:t>
+            </a:r>
+          </a:p>
+          <a:p>
+            <a:pPr lvl="1"/>
+            <a:r>
+              <a:rPr lang="en-US" cap="none" dirty="0" smtClean="0">
+                <a:latin typeface="Calibri" panose="020F0502020204030204" pitchFamily="34" charset="0"/>
+              </a:rPr>
+              <a:t>Dispense up to 1 ml or 1000 </a:t>
+            </a:r>
+            <a:r>
+              <a:rPr lang="en-US" cap="none" dirty="0" err="1" smtClean="0">
+                <a:latin typeface="Calibri" panose="020F0502020204030204" pitchFamily="34" charset="0"/>
+              </a:rPr>
+              <a:t>ul</a:t>
+            </a:r>
+            <a:endParaRPr lang="en-US" cap="none" dirty="0" smtClean="0">
+              <a:latin typeface="Calibri" panose="020F0502020204030204" pitchFamily="34" charset="0"/>
+            </a:endParaRPr>
+          </a:p>
+          <a:p>
+            <a:pPr lvl="1"/>
+            <a:r>
+              <a:rPr lang="en-US" cap="none" dirty="0" smtClean="0"/>
+              <a:t>Depending on the syringe:</a:t>
+            </a:r>
+          </a:p>
+          <a:p>
+            <a:pPr lvl="2"/>
+            <a:r>
+              <a:rPr lang="en-US" cap="none" dirty="0" smtClean="0"/>
+              <a:t>Measure in increments of 100ul</a:t>
+            </a:r>
+          </a:p>
+          <a:p>
+            <a:r>
+              <a:rPr lang="en-US" cap="none" dirty="0" smtClean="0"/>
+              <a:t> With 1ml SYRINGE Attached</a:t>
+            </a:r>
+          </a:p>
+          <a:p>
+            <a:pPr lvl="1"/>
+            <a:r>
+              <a:rPr lang="en-US" cap="none" dirty="0" smtClean="0"/>
+              <a:t>Dispense up to .35mL or 350uL</a:t>
+            </a:r>
+          </a:p>
+          <a:p>
+            <a:pPr lvl="1"/>
+            <a:r>
+              <a:rPr lang="en-US" cap="none" dirty="0" smtClean="0"/>
+              <a:t>Measure in increments of 10uL</a:t>
+            </a:r>
+          </a:p>
+          <a:p>
+            <a:pPr marL="0" indent="0">
+              <a:buNone/>
+            </a:pPr>
+            <a:endParaRPr lang="en-US" dirty="0"/>
+          </a:p>
+          <a:p>
+            <a:pPr lvl="2">
+              <a:buFont typeface="Courier New" panose="02070309020205020404" pitchFamily="49" charset="0"/>
+              <a:buChar char="o"/>
+            </a:pPr>
+            <a:endParaRPr lang="en-US" dirty="0"/>
+          </a:p>
+          <a:p>
+            <a:pPr lvl="2"/>
+            <a:endParaRPr lang="en-US" dirty="0" smtClean="0"/>
+          </a:p>
+        </p:txBody>
+      </p:sp>
+    </p:spTree>
+    <p:extLst>
+      <p:ext uri="{BB962C8B-B14F-4D97-AF65-F5344CB8AC3E}">
+        <p14:creationId xmlns:p14="http://schemas.microsoft.com/office/powerpoint/2010/main" val="276012632"/>
+      </p:ext>
+    </p:extLst>
+  </p:cSld>
+  <p:clrMapOvr>
+    <a:masterClrMapping/>
+  </p:clrMapOvr>
+</p:sld>
+</file>
+
+<file path=ppt/slides/slide7.xml><?xml version="1.0" encoding="utf-8"?>
+<p:sld xmlns:a="http://schemas.openxmlformats.org/drawingml/2006/main" xmlns:r="http://schemas.openxmlformats.org/officeDocument/2006/relationships" xmlns:p="http://schemas.openxmlformats.org/presentationml/2006/main">
+  <p:cSld>
+    <p:spTree>
+      <p:nvGrpSpPr>
+        <p:cNvPr id="1" name=""/>
+        <p:cNvGrpSpPr/>
+        <p:nvPr/>
+      </p:nvGrpSpPr>
+      <p:grpSpPr>
+        <a:xfrm>
+          <a:off x="0" y="0"/>
+          <a:ext cx="0" cy="0"/>
+          <a:chOff x="0" y="0"/>
+          <a:chExt cx="0" cy="0"/>
+        </a:xfrm>
+      </p:grpSpPr>
+      <p:sp>
+        <p:nvSpPr>
+          <p:cNvPr id="2" name="Title 1"/>
+          <p:cNvSpPr>
+            <a:spLocks noGrp="1"/>
+          </p:cNvSpPr>
+          <p:nvPr>
+            <p:ph type="title"/>
+          </p:nvPr>
+        </p:nvSpPr>
+        <p:spPr>
+          <a:xfrm>
+            <a:off x="913775" y="618517"/>
+            <a:ext cx="10364451" cy="924533"/>
+          </a:xfrm>
+        </p:spPr>
+        <p:txBody>
+          <a:bodyPr/>
+          <a:lstStyle/>
+          <a:p>
+            <a:r>
+              <a:rPr lang="en-US" dirty="0" smtClean="0"/>
+              <a:t>Competing Designs</a:t>
+            </a:r>
+            <a:endParaRPr lang="en-US" dirty="0"/>
+          </a:p>
+        </p:txBody>
+      </p:sp>
+      <p:sp>
+        <p:nvSpPr>
+          <p:cNvPr id="3" name="Content Placeholder 2"/>
+          <p:cNvSpPr>
+            <a:spLocks noGrp="1"/>
+          </p:cNvSpPr>
+          <p:nvPr>
+            <p:ph sz="quarter" idx="13"/>
+          </p:nvPr>
+        </p:nvSpPr>
+        <p:spPr>
+          <a:xfrm>
+            <a:off x="913774" y="1543050"/>
+            <a:ext cx="10363825" cy="4248149"/>
+          </a:xfrm>
+        </p:spPr>
+        <p:txBody>
+          <a:bodyPr/>
+          <a:lstStyle/>
+          <a:p>
+            <a:r>
+              <a:rPr lang="en-US" b="1" dirty="0" err="1"/>
+              <a:t>Biropette</a:t>
+            </a:r>
+            <a:r>
+              <a:rPr lang="en-US" b="1" dirty="0"/>
+              <a:t>: </a:t>
+            </a:r>
+            <a:r>
+              <a:rPr lang="en-US" b="1" dirty="0" err="1"/>
+              <a:t>customisable</a:t>
+            </a:r>
+            <a:r>
+              <a:rPr lang="en-US" b="1" dirty="0"/>
+              <a:t>, high precision </a:t>
+            </a:r>
+            <a:r>
+              <a:rPr lang="en-US" b="1" dirty="0" smtClean="0"/>
+              <a:t>pipette by </a:t>
+            </a:r>
+            <a:r>
+              <a:rPr lang="en-US" b="1" dirty="0" err="1" smtClean="0"/>
+              <a:t>tbaden</a:t>
+            </a:r>
+            <a:r>
+              <a:rPr lang="en-US" b="1" dirty="0" smtClean="0"/>
+              <a:t> on </a:t>
+            </a:r>
+            <a:r>
+              <a:rPr lang="en-US" b="1" dirty="0" err="1" smtClean="0"/>
+              <a:t>THigiverse</a:t>
+            </a:r>
+            <a:endParaRPr lang="en-US" b="1" dirty="0"/>
+          </a:p>
+          <a:p>
+            <a:endParaRPr lang="en-US" dirty="0"/>
+          </a:p>
+        </p:txBody>
+      </p:sp>
+      <p:pic>
+        <p:nvPicPr>
+          <p:cNvPr id="2050" name="Picture 2" descr="http://thingiverse-production.s3.amazonaws.com/renders/26/5a/a0/ee/dc/2014-02-23_11.25.02_preview_featured.jpg"/>
+          <p:cNvPicPr>
+            <a:picLocks noChangeAspect="1" noChangeArrowheads="1"/>
+          </p:cNvPicPr>
+          <p:nvPr/>
+        </p:nvPicPr>
+        <p:blipFill>
+          <a:blip r:embed="rId2">
+            <a:extLst>
+              <a:ext uri="{28A0092B-C50C-407E-A947-70E740481C1C}">
+                <a14:useLocalDpi xmlns:a14="http://schemas.microsoft.com/office/drawing/2010/main" val="0"/>
+              </a:ext>
+            </a:extLst>
+          </a:blip>
+          <a:srcRect/>
+          <a:stretch>
+            <a:fillRect/>
+          </a:stretch>
+        </p:blipFill>
+        <p:spPr bwMode="auto">
+          <a:xfrm>
+            <a:off x="6095686" y="2307710"/>
+            <a:ext cx="5037134" cy="3785872"/>
+          </a:xfrm>
+          <a:prstGeom prst="rect">
+            <a:avLst/>
+          </a:prstGeom>
+          <a:noFill/>
+          <a:extLst>
+            <a:ext uri="{909E8E84-426E-40DD-AFC4-6F175D3DCCD1}">
+              <a14:hiddenFill xmlns:a14="http://schemas.microsoft.com/office/drawing/2010/main">
+                <a:solidFill>
+                  <a:srgbClr val="FFFFFF"/>
+                </a:solidFill>
+              </a14:hiddenFill>
+            </a:ext>
+          </a:extLst>
+        </p:spPr>
+      </p:pic>
+      <p:pic>
+        <p:nvPicPr>
+          <p:cNvPr id="2052" name="Picture 4" descr="http://thingiverse-production.s3.amazonaws.com/renders/37/48/f8/8f/d9/Pipette_v15_Page_03_preview_featured.jpg"/>
+          <p:cNvPicPr>
+            <a:picLocks noChangeAspect="1" noChangeArrowheads="1"/>
+          </p:cNvPicPr>
+          <p:nvPr/>
+        </p:nvPicPr>
+        <p:blipFill>
+          <a:blip r:embed="rId3">
+            <a:extLst>
+              <a:ext uri="{28A0092B-C50C-407E-A947-70E740481C1C}">
+                <a14:useLocalDpi xmlns:a14="http://schemas.microsoft.com/office/drawing/2010/main" val="0"/>
+              </a:ext>
+            </a:extLst>
+          </a:blip>
+          <a:srcRect/>
+          <a:stretch>
+            <a:fillRect/>
+          </a:stretch>
+        </p:blipFill>
+        <p:spPr bwMode="auto">
+          <a:xfrm>
+            <a:off x="628709" y="2307710"/>
+            <a:ext cx="5037133" cy="3785871"/>
+          </a:xfrm>
+          <a:prstGeom prst="rect">
+            <a:avLst/>
+          </a:prstGeom>
+          <a:noFill/>
+          <a:extLst>
+            <a:ext uri="{909E8E84-426E-40DD-AFC4-6F175D3DCCD1}">
+              <a14:hiddenFill xmlns:a14="http://schemas.microsoft.com/office/drawing/2010/main">
+                <a:solidFill>
+                  <a:srgbClr val="FFFFFF"/>
+                </a:solidFill>
+              </a14:hiddenFill>
+            </a:ext>
+          </a:extLst>
+        </p:spPr>
+      </p:pic>
+    </p:spTree>
+    <p:extLst>
+      <p:ext uri="{BB962C8B-B14F-4D97-AF65-F5344CB8AC3E}">
+        <p14:creationId xmlns:p14="http://schemas.microsoft.com/office/powerpoint/2010/main" val="3008110318"/>
+      </p:ext>
+    </p:extLst>
+  </p:cSld>
+  <p:clrMapOvr>
+    <a:masterClrMapping/>
+  </p:clrMapOvr>
+</p:sld>
+</file>
+
+<file path=ppt/slides/slide8.xml><?xml version="1.0" encoding="utf-8"?>
+<p:sld xmlns:a="http://schemas.openxmlformats.org/drawingml/2006/main" xmlns:r="http://schemas.openxmlformats.org/officeDocument/2006/relationships" xmlns:p="http://schemas.openxmlformats.org/presentationml/2006/main">
+  <p:cSld>
+    <p:spTree>
+      <p:nvGrpSpPr>
+        <p:cNvPr id="1" name=""/>
+        <p:cNvGrpSpPr/>
+        <p:nvPr/>
+      </p:nvGrpSpPr>
+      <p:grpSpPr>
+        <a:xfrm>
+          <a:off x="0" y="0"/>
+          <a:ext cx="0" cy="0"/>
+          <a:chOff x="0" y="0"/>
+          <a:chExt cx="0" cy="0"/>
+        </a:xfrm>
+      </p:grpSpPr>
+      <p:sp>
+        <p:nvSpPr>
+          <p:cNvPr id="2" name="Title 1"/>
+          <p:cNvSpPr>
+            <a:spLocks noGrp="1"/>
+          </p:cNvSpPr>
+          <p:nvPr>
+            <p:ph type="title"/>
+          </p:nvPr>
+        </p:nvSpPr>
         <p:spPr/>
         <p:txBody>
           <a:bodyPr/>
@@ -7543,13 +12375,13 @@
               <a:rPr lang="en-US" dirty="0" smtClean="0">
                 <a:latin typeface="Calibri" panose="020F0502020204030204" pitchFamily="34" charset="0"/>
               </a:rPr>
-              <a:t>Fix </a:t>
+              <a:t>Fix: Replacing </a:t>
             </a:r>
             <a:r>
               <a:rPr lang="en-US" dirty="0" smtClean="0">
                 <a:latin typeface="Calibri" panose="020F0502020204030204" pitchFamily="34" charset="0"/>
               </a:rPr>
-              <a:t>Replacing the nut with a locking nut</a:t>
+              <a:t>the nut with a locking nut</a:t>
             </a:r>
           </a:p>
           <a:p>
@@ -7643,7 +12475,7 @@
 </p:sld>
 </file>
 
-<file path=ppt/slides/slide4.xml><?xml version="1.0" encoding="utf-8"?>
+<file path=ppt/slides/slide9.xml><?xml version="1.0" encoding="utf-8"?>
 <p:sld xmlns:a="http://schemas.openxmlformats.org/drawingml/2006/main" xmlns:r="http://schemas.openxmlformats.org/officeDocument/2006/relationships" xmlns:p="http://schemas.openxmlformats.org/presentationml/2006/main">
   <p:cSld>
     <p:spTree>
@@ -7677,791 +12509,193 @@
           <a:p>
             <a:r>
               <a:rPr lang="en-US" dirty="0" smtClean="0"/>
-              <a:t>Testing</a:t>
+              <a:t>50 trials testing Drift</a:t>
             </a:r>
             <a:endParaRPr lang="en-US" dirty="0"/>
           </a:p>
         </p:txBody>
       </p:sp>
-      <p:sp>
-        <p:nvSpPr>
-          <p:cNvPr id="3" name="Content Placeholder 2"/>
-          <p:cNvSpPr>
-            <a:spLocks noGrp="1"/>
-          </p:cNvSpPr>
+      <p:graphicFrame>
+        <p:nvGraphicFramePr>
+          <p:cNvPr id="4" name="Content Placeholder 3"/>
+          <p:cNvGraphicFramePr>
+            <a:graphicFrameLocks noGrp="1"/>
+          </p:cNvGraphicFramePr>
           <p:nvPr>
             <p:ph sz="quarter" idx="13"/>
-          </p:nvPr>
-        </p:nvSpPr>
-        <p:spPr/>
-        <p:txBody>
-          <a:bodyPr>
-            <a:normAutofit fontScale="92500" lnSpcReduction="10000"/>
-          </a:bodyPr>
-          <a:lstStyle/>
-          <a:p>
-            <a:r>
-              <a:rPr lang="en-US" dirty="0"/>
-              <a:t>To test the </a:t>
-            </a:r>
-            <a:r>
-              <a:rPr lang="en-US" dirty="0" smtClean="0"/>
-              <a:t>commercial pipettes against ours we performed 10 trials at various amounts</a:t>
-            </a:r>
-            <a:endParaRPr lang="en-US" cap="none" dirty="0"/>
-          </a:p>
-          <a:p>
-            <a:r>
-              <a:rPr lang="en-US" dirty="0" smtClean="0"/>
-              <a:t>To </a:t>
-            </a:r>
-            <a:r>
-              <a:rPr lang="en-US" dirty="0"/>
-              <a:t>test the 100-1000</a:t>
-            </a:r>
-            <a:r>
-              <a:rPr lang="en-US" cap="none" dirty="0"/>
-              <a:t>uL</a:t>
-            </a:r>
-            <a:r>
-              <a:rPr lang="en-US" dirty="0"/>
-              <a:t> Pipette against ours we set both pipettes to </a:t>
-            </a:r>
-            <a:r>
-              <a:rPr lang="en-US" dirty="0" smtClean="0"/>
-              <a:t>200</a:t>
-            </a:r>
-            <a:r>
-              <a:rPr lang="en-US" cap="none" dirty="0" smtClean="0"/>
-              <a:t>uL</a:t>
-            </a:r>
-          </a:p>
-          <a:p>
-            <a:pPr lvl="1"/>
-            <a:r>
-              <a:rPr lang="en-US" cap="none" dirty="0" smtClean="0"/>
-              <a:t>weighed </a:t>
-            </a:r>
-            <a:r>
-              <a:rPr lang="en-US" cap="none" dirty="0"/>
-              <a:t>the dispensed liquid in grams</a:t>
-            </a:r>
-          </a:p>
-          <a:p>
-            <a:pPr marL="457200" lvl="1" indent="0">
-              <a:buNone/>
-            </a:pPr>
-            <a:r>
-              <a:rPr lang="en-US" cap="none" dirty="0" smtClean="0"/>
-              <a:t>	Theoretical </a:t>
-            </a:r>
-            <a:r>
-              <a:rPr lang="en-US" cap="none" dirty="0"/>
-              <a:t>weight : </a:t>
-            </a:r>
-            <a:r>
-              <a:rPr lang="en-US" cap="none" dirty="0" smtClean="0"/>
-              <a:t>0.1999g</a:t>
-            </a:r>
-          </a:p>
-          <a:p>
-            <a:r>
-              <a:rPr lang="en-US" cap="none" dirty="0" smtClean="0"/>
-              <a:t> </a:t>
-            </a:r>
-            <a:r>
-              <a:rPr lang="en-US" dirty="0"/>
-              <a:t>To test the </a:t>
-            </a:r>
-            <a:r>
-              <a:rPr lang="en-US" dirty="0" smtClean="0"/>
-              <a:t>10-100</a:t>
-            </a:r>
-            <a:r>
-              <a:rPr lang="en-US" cap="none" dirty="0" smtClean="0"/>
-              <a:t>uL</a:t>
-            </a:r>
-            <a:r>
-              <a:rPr lang="en-US" dirty="0" smtClean="0"/>
-              <a:t> </a:t>
-            </a:r>
-            <a:r>
-              <a:rPr lang="en-US" dirty="0"/>
-              <a:t>Pipette against ours we set both pipettes to </a:t>
-            </a:r>
-            <a:r>
-              <a:rPr lang="en-US" dirty="0" smtClean="0"/>
-              <a:t>50</a:t>
-            </a:r>
-            <a:r>
-              <a:rPr lang="en-US" cap="none" dirty="0" smtClean="0"/>
-              <a:t>uL and to 20uL</a:t>
-            </a:r>
-            <a:endParaRPr lang="en-US" cap="none" dirty="0"/>
-          </a:p>
-          <a:p>
-            <a:pPr lvl="1"/>
-            <a:r>
-              <a:rPr lang="en-US" cap="none" dirty="0" smtClean="0"/>
-              <a:t>weighed </a:t>
-            </a:r>
-            <a:r>
-              <a:rPr lang="en-US" cap="none" dirty="0"/>
-              <a:t>the dispensed liquid in </a:t>
-            </a:r>
-            <a:r>
-              <a:rPr lang="en-US" cap="none" dirty="0" smtClean="0"/>
-              <a:t>grams</a:t>
-            </a:r>
-          </a:p>
-          <a:p>
-            <a:pPr lvl="2"/>
-            <a:r>
-              <a:rPr lang="en-US" cap="none" dirty="0" smtClean="0"/>
-              <a:t>Theoretical </a:t>
-            </a:r>
-            <a:r>
-              <a:rPr lang="en-US" cap="none" dirty="0"/>
-              <a:t>weight </a:t>
-            </a:r>
-            <a:r>
-              <a:rPr lang="en-US" cap="none" dirty="0" smtClean="0"/>
-              <a:t>(50uL) = 0.049999g</a:t>
-            </a:r>
-          </a:p>
-          <a:p>
-            <a:pPr lvl="2"/>
-            <a:r>
-              <a:rPr lang="en-US" cap="none" dirty="0" smtClean="0"/>
-              <a:t>Theoretical weight (20uL) = 0.019999g</a:t>
-            </a:r>
-          </a:p>
-          <a:p>
-            <a:pPr marL="457200" lvl="1" indent="0">
-              <a:buNone/>
-            </a:pPr>
-            <a:endParaRPr lang="en-US" cap="none" dirty="0"/>
-          </a:p>
-          <a:p>
-            <a:endParaRPr lang="en-US" cap="none" dirty="0" smtClean="0"/>
-          </a:p>
-          <a:p>
-            <a:endParaRPr lang="en-US" cap="none" dirty="0" smtClean="0"/>
-          </a:p>
-          <a:p>
-            <a:pPr lvl="1"/>
-            <a:endParaRPr lang="en-US" dirty="0"/>
-          </a:p>
-        </p:txBody>
-      </p:sp>
+            <p:extLst>
+              <p:ext uri="{D42A27DB-BD31-4B8C-83A1-F6EECF244321}">
+                <p14:modId xmlns:p14="http://schemas.microsoft.com/office/powerpoint/2010/main" val="2868374570"/>
+              </p:ext>
+            </p:extLst>
+          </p:nvPr>
+        </p:nvGraphicFramePr>
+        <p:xfrm>
+          <a:off x="2011680" y="2697481"/>
+          <a:ext cx="7886700" cy="2168841"/>
+        </p:xfrm>
+        <a:graphic>
+          <a:graphicData uri="http://schemas.openxmlformats.org/drawingml/2006/table">
+            <a:tbl>
+              <a:tblPr>
+                <a:tableStyleId>{5C22544A-7EE6-4342-B048-85BDC9FD1C3A}</a:tableStyleId>
+              </a:tblPr>
+              <a:tblGrid>
+                <a:gridCol w="5990905"/>
+                <a:gridCol w="1895795"/>
+              </a:tblGrid>
+              <a:tr h="722947">
+                <a:tc>
+                  <a:txBody>
+                    <a:bodyPr/>
+                    <a:lstStyle/>
+                    <a:p>
+                      <a:pPr algn="l" fontAlgn="b"/>
+                      <a:r>
+                        <a:rPr lang="en-US" sz="2800" u="none" strike="noStrike" dirty="0">
+                          <a:effectLst/>
+                        </a:rPr>
+                        <a:t>Mean</a:t>
+                      </a:r>
+                      <a:endParaRPr lang="en-US" sz="2800" b="0" i="0" u="none" strike="noStrike" dirty="0">
+                        <a:solidFill>
+                          <a:srgbClr val="000000"/>
+                        </a:solidFill>
+                        <a:effectLst/>
+                        <a:latin typeface="Calibri" panose="020F0502020204030204" pitchFamily="34" charset="0"/>
+                      </a:endParaRPr>
+                    </a:p>
+                  </a:txBody>
+                  <a:tcPr marL="9525" marR="9525" marT="9525" marB="0" anchor="b"/>
+                </a:tc>
+                <a:tc>
+                  <a:txBody>
+                    <a:bodyPr/>
+                    <a:lstStyle/>
+                    <a:p>
+                      <a:pPr algn="r" fontAlgn="b"/>
+                      <a:r>
+                        <a:rPr lang="en-US" sz="2800" u="none" strike="noStrike" dirty="0">
+                          <a:effectLst/>
+                        </a:rPr>
+                        <a:t>0.195558</a:t>
+                      </a:r>
+                      <a:endParaRPr lang="en-US" sz="2800" b="0" i="0" u="none" strike="noStrike" dirty="0">
+                        <a:solidFill>
+                          <a:srgbClr val="000000"/>
+                        </a:solidFill>
+                        <a:effectLst/>
+                        <a:latin typeface="Calibri" panose="020F0502020204030204" pitchFamily="34" charset="0"/>
+                      </a:endParaRPr>
+                    </a:p>
+                  </a:txBody>
+                  <a:tcPr marL="9525" marR="9525" marT="9525" marB="0" anchor="b"/>
+                </a:tc>
+              </a:tr>
+              <a:tr h="722947">
+                <a:tc>
+                  <a:txBody>
+                    <a:bodyPr/>
+                    <a:lstStyle/>
+                    <a:p>
+                      <a:pPr algn="l" fontAlgn="b"/>
+                      <a:r>
+                        <a:rPr lang="en-US" sz="2800" u="none" strike="noStrike">
+                          <a:effectLst/>
+                        </a:rPr>
+                        <a:t>Standard Deviation</a:t>
+                      </a:r>
+                      <a:endParaRPr lang="en-US" sz="2800" b="0" i="0" u="none" strike="noStrike">
+                        <a:solidFill>
+                          <a:srgbClr val="000000"/>
+                        </a:solidFill>
+                        <a:effectLst/>
+                        <a:latin typeface="Calibri" panose="020F0502020204030204" pitchFamily="34" charset="0"/>
+                      </a:endParaRPr>
+                    </a:p>
+                  </a:txBody>
+                  <a:tcPr marL="9525" marR="9525" marT="9525" marB="0" anchor="b"/>
+                </a:tc>
+                <a:tc>
+                  <a:txBody>
+                    <a:bodyPr/>
+                    <a:lstStyle/>
+                    <a:p>
+                      <a:pPr algn="r" fontAlgn="b"/>
+                      <a:r>
+                        <a:rPr lang="en-US" sz="2800" u="none" strike="noStrike">
+                          <a:effectLst/>
+                        </a:rPr>
+                        <a:t>0.000639</a:t>
+                      </a:r>
+                      <a:endParaRPr lang="en-US" sz="2800" b="0" i="0" u="none" strike="noStrike">
+                        <a:solidFill>
+                          <a:srgbClr val="000000"/>
+                        </a:solidFill>
+                        <a:effectLst/>
+                        <a:latin typeface="Calibri" panose="020F0502020204030204" pitchFamily="34" charset="0"/>
+                      </a:endParaRPr>
+                    </a:p>
+                  </a:txBody>
+                  <a:tcPr marL="9525" marR="9525" marT="9525" marB="0" anchor="b"/>
+                </a:tc>
+              </a:tr>
+              <a:tr h="722947">
+                <a:tc>
+                  <a:txBody>
+                    <a:bodyPr/>
+                    <a:lstStyle/>
+                    <a:p>
+                      <a:pPr algn="l" fontAlgn="b"/>
+                      <a:r>
+                        <a:rPr lang="en-US" sz="2800" u="none" strike="noStrike">
+                          <a:effectLst/>
+                        </a:rPr>
+                        <a:t>Percent Standard Deviation</a:t>
+                      </a:r>
+                      <a:endParaRPr lang="en-US" sz="2800" b="0" i="0" u="none" strike="noStrike">
+                        <a:solidFill>
+                          <a:srgbClr val="000000"/>
+                        </a:solidFill>
+                        <a:effectLst/>
+                        <a:latin typeface="Calibri" panose="020F0502020204030204" pitchFamily="34" charset="0"/>
+                      </a:endParaRPr>
+                    </a:p>
+                  </a:txBody>
+                  <a:tcPr marL="9525" marR="9525" marT="9525" marB="0" anchor="b"/>
+                </a:tc>
+                <a:tc>
+                  <a:txBody>
+                    <a:bodyPr/>
+                    <a:lstStyle/>
+                    <a:p>
+                      <a:pPr algn="r" fontAlgn="b"/>
+                      <a:r>
+                        <a:rPr lang="en-US" sz="2800" u="none" strike="noStrike" dirty="0">
+                          <a:effectLst/>
+                        </a:rPr>
+                        <a:t>0.326872</a:t>
+                      </a:r>
+                      <a:endParaRPr lang="en-US" sz="2800" b="0" i="0" u="none" strike="noStrike" dirty="0">
+                        <a:solidFill>
+                          <a:srgbClr val="000000"/>
+                        </a:solidFill>
+                        <a:effectLst/>
+                        <a:latin typeface="Calibri" panose="020F0502020204030204" pitchFamily="34" charset="0"/>
+                      </a:endParaRPr>
+                    </a:p>
+                  </a:txBody>
+                  <a:tcPr marL="9525" marR="9525" marT="9525" marB="0" anchor="b"/>
+                </a:tc>
+              </a:tr>
+            </a:tbl>
+          </a:graphicData>
+        </a:graphic>
+      </p:graphicFrame>
     </p:spTree>
     <p:extLst>
       <p:ext uri="{BB962C8B-B14F-4D97-AF65-F5344CB8AC3E}">
-        <p14:creationId xmlns:p14="http://schemas.microsoft.com/office/powerpoint/2010/main" val="1825872503"/>
-      </p:ext>
-    </p:extLst>
-  </p:cSld>
-  <p:clrMapOvr>
-    <a:masterClrMapping/>
-  </p:clrMapOvr>
-</p:sld>
-</file>
-
-<file path=ppt/slides/slide5.xml><?xml version="1.0" encoding="utf-8"?>
-<p:sld xmlns:a="http://schemas.openxmlformats.org/drawingml/2006/main" xmlns:r="http://schemas.openxmlformats.org/officeDocument/2006/relationships" xmlns:p="http://schemas.openxmlformats.org/presentationml/2006/main">
-  <p:cSld>
-    <p:spTree>
-      <p:nvGrpSpPr>
-        <p:cNvPr id="1" name=""/>
-        <p:cNvGrpSpPr/>
-        <p:nvPr/>
-      </p:nvGrpSpPr>
-      <p:grpSpPr>
-        <a:xfrm>
-          <a:off x="0" y="0"/>
-          <a:ext cx="0" cy="0"/>
-          <a:chOff x="0" y="0"/>
-          <a:chExt cx="0" cy="0"/>
-        </a:xfrm>
-      </p:grpSpPr>
-      <p:sp>
-        <p:nvSpPr>
-          <p:cNvPr id="2" name="Title 1"/>
-          <p:cNvSpPr>
-            <a:spLocks noGrp="1"/>
-          </p:cNvSpPr>
-          <p:nvPr>
-            <p:ph type="title"/>
-          </p:nvPr>
-        </p:nvSpPr>
-        <p:spPr/>
-        <p:txBody>
-          <a:bodyPr/>
-          <a:lstStyle/>
-          <a:p>
-            <a:r>
-              <a:rPr lang="en-US" cap="none" dirty="0" smtClean="0"/>
-              <a:t>200uL</a:t>
-            </a:r>
-            <a:endParaRPr lang="en-US" cap="none" dirty="0"/>
-          </a:p>
-        </p:txBody>
-      </p:sp>
-      <p:sp>
-        <p:nvSpPr>
-          <p:cNvPr id="3" name="Text Placeholder 2"/>
-          <p:cNvSpPr>
-            <a:spLocks noGrp="1"/>
-          </p:cNvSpPr>
-          <p:nvPr>
-            <p:ph type="body" idx="1"/>
-          </p:nvPr>
-        </p:nvSpPr>
-        <p:spPr/>
-        <p:txBody>
-          <a:bodyPr/>
-          <a:lstStyle/>
-          <a:p>
-            <a:r>
-              <a:rPr lang="en-US" dirty="0" smtClean="0"/>
-              <a:t>Commercial pipette	</a:t>
-            </a:r>
-            <a:endParaRPr lang="en-US" dirty="0"/>
-          </a:p>
-        </p:txBody>
-      </p:sp>
-      <p:sp>
-        <p:nvSpPr>
-          <p:cNvPr id="4" name="Content Placeholder 3"/>
-          <p:cNvSpPr>
-            <a:spLocks noGrp="1"/>
-          </p:cNvSpPr>
-          <p:nvPr>
-            <p:ph sz="quarter" idx="13"/>
-          </p:nvPr>
-        </p:nvSpPr>
-        <p:spPr/>
-        <p:txBody>
-          <a:bodyPr/>
-          <a:lstStyle/>
-          <a:p>
-            <a:r>
-              <a:rPr lang="en-US" dirty="0" smtClean="0"/>
-              <a:t>Average of ten trial :                0.20446 </a:t>
-            </a:r>
-          </a:p>
-          <a:p>
-            <a:r>
-              <a:rPr lang="en-US" dirty="0" smtClean="0"/>
-              <a:t>Percent Error:                            2.233%</a:t>
-            </a:r>
-          </a:p>
-          <a:p>
-            <a:r>
-              <a:rPr lang="en-US" dirty="0" smtClean="0"/>
-              <a:t>Standard Deviation :                 0.00291</a:t>
-            </a:r>
-          </a:p>
-          <a:p>
-            <a:r>
-              <a:rPr lang="en-US" dirty="0" smtClean="0"/>
-              <a:t>Percent Standard Deviation:   1.4215%</a:t>
-            </a:r>
-          </a:p>
-        </p:txBody>
-      </p:sp>
-      <p:sp>
-        <p:nvSpPr>
-          <p:cNvPr id="5" name="Text Placeholder 4"/>
-          <p:cNvSpPr>
-            <a:spLocks noGrp="1"/>
-          </p:cNvSpPr>
-          <p:nvPr>
-            <p:ph type="body" sz="quarter" idx="3"/>
-          </p:nvPr>
-        </p:nvSpPr>
-        <p:spPr/>
-        <p:txBody>
-          <a:bodyPr/>
-          <a:lstStyle/>
-          <a:p>
-            <a:r>
-              <a:rPr lang="en-US" dirty="0" smtClean="0"/>
-              <a:t>Test pipette</a:t>
-            </a:r>
-            <a:endParaRPr lang="en-US" dirty="0"/>
-          </a:p>
-        </p:txBody>
-      </p:sp>
-      <p:sp>
-        <p:nvSpPr>
-          <p:cNvPr id="6" name="Content Placeholder 5"/>
-          <p:cNvSpPr>
-            <a:spLocks noGrp="1"/>
-          </p:cNvSpPr>
-          <p:nvPr>
-            <p:ph sz="quarter" idx="14"/>
-          </p:nvPr>
-        </p:nvSpPr>
-        <p:spPr/>
-        <p:txBody>
-          <a:bodyPr/>
-          <a:lstStyle/>
-          <a:p>
-            <a:r>
-              <a:rPr lang="en-US" dirty="0"/>
-              <a:t>Average of ten trial :                 </a:t>
-            </a:r>
-            <a:r>
-              <a:rPr lang="en-US" dirty="0" smtClean="0"/>
-              <a:t>0.19724</a:t>
-            </a:r>
-            <a:endParaRPr lang="en-US" dirty="0"/>
-          </a:p>
-          <a:p>
-            <a:r>
-              <a:rPr lang="en-US" dirty="0"/>
-              <a:t>Percent Error:                             </a:t>
-            </a:r>
-            <a:r>
-              <a:rPr lang="en-US" dirty="0" smtClean="0"/>
-              <a:t>-1.377%</a:t>
-            </a:r>
-            <a:endParaRPr lang="en-US" dirty="0"/>
-          </a:p>
-          <a:p>
-            <a:r>
-              <a:rPr lang="en-US" dirty="0"/>
-              <a:t>Standard Deviation :                  </a:t>
-            </a:r>
-            <a:r>
-              <a:rPr lang="en-US" dirty="0" smtClean="0"/>
-              <a:t>0.00485</a:t>
-            </a:r>
-            <a:endParaRPr lang="en-US" dirty="0"/>
-          </a:p>
-          <a:p>
-            <a:r>
-              <a:rPr lang="en-US" dirty="0"/>
-              <a:t>Percent Standard Deviation:    </a:t>
-            </a:r>
-            <a:r>
-              <a:rPr lang="en-US" dirty="0" smtClean="0"/>
-              <a:t>2.4588%</a:t>
-            </a:r>
-            <a:endParaRPr lang="en-US" dirty="0"/>
-          </a:p>
-          <a:p>
-            <a:endParaRPr lang="en-US" dirty="0"/>
-          </a:p>
-        </p:txBody>
-      </p:sp>
-    </p:spTree>
-    <p:extLst>
-      <p:ext uri="{BB962C8B-B14F-4D97-AF65-F5344CB8AC3E}">
-        <p14:creationId xmlns:p14="http://schemas.microsoft.com/office/powerpoint/2010/main" val="4068384317"/>
-      </p:ext>
-    </p:extLst>
-  </p:cSld>
-  <p:clrMapOvr>
-    <a:masterClrMapping/>
-  </p:clrMapOvr>
-</p:sld>
-</file>
-
-<file path=ppt/slides/slide6.xml><?xml version="1.0" encoding="utf-8"?>
-<p:sld xmlns:a="http://schemas.openxmlformats.org/drawingml/2006/main" xmlns:r="http://schemas.openxmlformats.org/officeDocument/2006/relationships" xmlns:p="http://schemas.openxmlformats.org/presentationml/2006/main">
-  <p:cSld>
-    <p:spTree>
-      <p:nvGrpSpPr>
-        <p:cNvPr id="1" name=""/>
-        <p:cNvGrpSpPr/>
-        <p:nvPr/>
-      </p:nvGrpSpPr>
-      <p:grpSpPr>
-        <a:xfrm>
-          <a:off x="0" y="0"/>
-          <a:ext cx="0" cy="0"/>
-          <a:chOff x="0" y="0"/>
-          <a:chExt cx="0" cy="0"/>
-        </a:xfrm>
-      </p:grpSpPr>
-      <p:sp>
-        <p:nvSpPr>
-          <p:cNvPr id="2" name="Title 1"/>
-          <p:cNvSpPr>
-            <a:spLocks noGrp="1"/>
-          </p:cNvSpPr>
-          <p:nvPr>
-            <p:ph type="title"/>
-          </p:nvPr>
-        </p:nvSpPr>
-        <p:spPr/>
-        <p:txBody>
-          <a:bodyPr/>
-          <a:lstStyle/>
-          <a:p>
-            <a:r>
-              <a:rPr lang="en-US" cap="none" dirty="0" smtClean="0"/>
-              <a:t>50uL</a:t>
-            </a:r>
-            <a:endParaRPr lang="en-US" cap="none" dirty="0"/>
-          </a:p>
-        </p:txBody>
-      </p:sp>
-      <p:sp>
-        <p:nvSpPr>
-          <p:cNvPr id="3" name="Text Placeholder 2"/>
-          <p:cNvSpPr>
-            <a:spLocks noGrp="1"/>
-          </p:cNvSpPr>
-          <p:nvPr>
-            <p:ph type="body" idx="1"/>
-          </p:nvPr>
-        </p:nvSpPr>
-        <p:spPr/>
-        <p:txBody>
-          <a:bodyPr/>
-          <a:lstStyle/>
-          <a:p>
-            <a:r>
-              <a:rPr lang="en-US" dirty="0" smtClean="0"/>
-              <a:t>Commercial pipette	</a:t>
-            </a:r>
-            <a:endParaRPr lang="en-US" dirty="0"/>
-          </a:p>
-        </p:txBody>
-      </p:sp>
-      <p:sp>
-        <p:nvSpPr>
-          <p:cNvPr id="4" name="Content Placeholder 3"/>
-          <p:cNvSpPr>
-            <a:spLocks noGrp="1"/>
-          </p:cNvSpPr>
-          <p:nvPr>
-            <p:ph sz="quarter" idx="13"/>
-          </p:nvPr>
-        </p:nvSpPr>
-        <p:spPr/>
-        <p:txBody>
-          <a:bodyPr/>
-          <a:lstStyle/>
-          <a:p>
-            <a:r>
-              <a:rPr lang="en-US" dirty="0" smtClean="0"/>
-              <a:t>Average of ten trial :                0.0499 </a:t>
-            </a:r>
-          </a:p>
-          <a:p>
-            <a:r>
-              <a:rPr lang="en-US" dirty="0" smtClean="0"/>
-              <a:t>Percent Error:                           -0.197%</a:t>
-            </a:r>
-          </a:p>
-          <a:p>
-            <a:r>
-              <a:rPr lang="en-US" dirty="0" smtClean="0"/>
-              <a:t>Standard Deviation :                 0.00014</a:t>
-            </a:r>
-          </a:p>
-          <a:p>
-            <a:r>
-              <a:rPr lang="en-US" dirty="0" smtClean="0"/>
-              <a:t>Percent Standard Deviation:   0.2834%</a:t>
-            </a:r>
-          </a:p>
-        </p:txBody>
-      </p:sp>
-      <p:sp>
-        <p:nvSpPr>
-          <p:cNvPr id="5" name="Text Placeholder 4"/>
-          <p:cNvSpPr>
-            <a:spLocks noGrp="1"/>
-          </p:cNvSpPr>
-          <p:nvPr>
-            <p:ph type="body" sz="quarter" idx="3"/>
-          </p:nvPr>
-        </p:nvSpPr>
-        <p:spPr/>
-        <p:txBody>
-          <a:bodyPr/>
-          <a:lstStyle/>
-          <a:p>
-            <a:r>
-              <a:rPr lang="en-US" dirty="0" smtClean="0"/>
-              <a:t>Test pipette</a:t>
-            </a:r>
-            <a:endParaRPr lang="en-US" dirty="0"/>
-          </a:p>
-        </p:txBody>
-      </p:sp>
-      <p:sp>
-        <p:nvSpPr>
-          <p:cNvPr id="6" name="Content Placeholder 5"/>
-          <p:cNvSpPr>
-            <a:spLocks noGrp="1"/>
-          </p:cNvSpPr>
-          <p:nvPr>
-            <p:ph sz="quarter" idx="14"/>
-          </p:nvPr>
-        </p:nvSpPr>
-        <p:spPr/>
-        <p:txBody>
-          <a:bodyPr/>
-          <a:lstStyle/>
-          <a:p>
-            <a:r>
-              <a:rPr lang="en-US" dirty="0"/>
-              <a:t>Average of ten trial :                 </a:t>
-            </a:r>
-            <a:r>
-              <a:rPr lang="en-US" dirty="0" smtClean="0"/>
-              <a:t>0.05315</a:t>
-            </a:r>
-            <a:endParaRPr lang="en-US" dirty="0"/>
-          </a:p>
-          <a:p>
-            <a:r>
-              <a:rPr lang="en-US" dirty="0"/>
-              <a:t>Percent Error:                             </a:t>
-            </a:r>
-            <a:r>
-              <a:rPr lang="en-US" dirty="0" smtClean="0"/>
-              <a:t>6.303%</a:t>
-            </a:r>
-            <a:endParaRPr lang="en-US" dirty="0"/>
-          </a:p>
-          <a:p>
-            <a:r>
-              <a:rPr lang="en-US" dirty="0"/>
-              <a:t>Standard Deviation :                  </a:t>
-            </a:r>
-            <a:r>
-              <a:rPr lang="en-US" dirty="0" smtClean="0"/>
-              <a:t>0.00195</a:t>
-            </a:r>
-            <a:endParaRPr lang="en-US" dirty="0"/>
-          </a:p>
-          <a:p>
-            <a:r>
-              <a:rPr lang="en-US" dirty="0"/>
-              <a:t>Percent Standard Deviation:    </a:t>
-            </a:r>
-            <a:r>
-              <a:rPr lang="en-US" dirty="0" smtClean="0"/>
-              <a:t>3.6754%</a:t>
-            </a:r>
-            <a:endParaRPr lang="en-US" dirty="0"/>
-          </a:p>
-          <a:p>
-            <a:endParaRPr lang="en-US" dirty="0"/>
-          </a:p>
-        </p:txBody>
-      </p:sp>
-    </p:spTree>
-    <p:extLst>
-      <p:ext uri="{BB962C8B-B14F-4D97-AF65-F5344CB8AC3E}">
-        <p14:creationId xmlns:p14="http://schemas.microsoft.com/office/powerpoint/2010/main" val="3406382562"/>
-      </p:ext>
-    </p:extLst>
-  </p:cSld>
-  <p:clrMapOvr>
-    <a:masterClrMapping/>
-  </p:clrMapOvr>
-</p:sld>
-</file>
-
-<file path=ppt/slides/slide7.xml><?xml version="1.0" encoding="utf-8"?>
-<p:sld xmlns:a="http://schemas.openxmlformats.org/drawingml/2006/main" xmlns:r="http://schemas.openxmlformats.org/officeDocument/2006/relationships" xmlns:p="http://schemas.openxmlformats.org/presentationml/2006/main">
-  <p:cSld>
-    <p:spTree>
-      <p:nvGrpSpPr>
-        <p:cNvPr id="1" name=""/>
-        <p:cNvGrpSpPr/>
-        <p:nvPr/>
-      </p:nvGrpSpPr>
-      <p:grpSpPr>
-        <a:xfrm>
-          <a:off x="0" y="0"/>
-          <a:ext cx="0" cy="0"/>
-          <a:chOff x="0" y="0"/>
-          <a:chExt cx="0" cy="0"/>
-        </a:xfrm>
-      </p:grpSpPr>
-      <p:sp>
-        <p:nvSpPr>
-          <p:cNvPr id="2" name="Title 1"/>
-          <p:cNvSpPr>
-            <a:spLocks noGrp="1"/>
-          </p:cNvSpPr>
-          <p:nvPr>
-            <p:ph type="title"/>
-          </p:nvPr>
-        </p:nvSpPr>
-        <p:spPr/>
-        <p:txBody>
-          <a:bodyPr/>
-          <a:lstStyle/>
-          <a:p>
-            <a:r>
-              <a:rPr lang="en-US" cap="none" dirty="0" smtClean="0"/>
-              <a:t>20uL</a:t>
-            </a:r>
-            <a:endParaRPr lang="en-US" cap="none" dirty="0"/>
-          </a:p>
-        </p:txBody>
-      </p:sp>
-      <p:sp>
-        <p:nvSpPr>
-          <p:cNvPr id="3" name="Text Placeholder 2"/>
-          <p:cNvSpPr>
-            <a:spLocks noGrp="1"/>
-          </p:cNvSpPr>
-          <p:nvPr>
-            <p:ph type="body" idx="1"/>
-          </p:nvPr>
-        </p:nvSpPr>
-        <p:spPr/>
-        <p:txBody>
-          <a:bodyPr/>
-          <a:lstStyle/>
-          <a:p>
-            <a:r>
-              <a:rPr lang="en-US" dirty="0" smtClean="0"/>
-              <a:t>Commercial pipette	</a:t>
-            </a:r>
-            <a:endParaRPr lang="en-US" dirty="0"/>
-          </a:p>
-        </p:txBody>
-      </p:sp>
-      <p:sp>
-        <p:nvSpPr>
-          <p:cNvPr id="4" name="Content Placeholder 3"/>
-          <p:cNvSpPr>
-            <a:spLocks noGrp="1"/>
-          </p:cNvSpPr>
-          <p:nvPr>
-            <p:ph sz="quarter" idx="13"/>
-          </p:nvPr>
-        </p:nvSpPr>
-        <p:spPr/>
-        <p:txBody>
-          <a:bodyPr/>
-          <a:lstStyle/>
-          <a:p>
-            <a:r>
-              <a:rPr lang="en-US" dirty="0" smtClean="0"/>
-              <a:t>Average of ten trial :                0.01983 </a:t>
-            </a:r>
-          </a:p>
-          <a:p>
-            <a:r>
-              <a:rPr lang="en-US" dirty="0" smtClean="0"/>
-              <a:t>Percent Error:                            -0.847%</a:t>
-            </a:r>
-          </a:p>
-          <a:p>
-            <a:r>
-              <a:rPr lang="en-US" dirty="0" smtClean="0"/>
-              <a:t>Standard Deviation :                 0.00018</a:t>
-            </a:r>
-          </a:p>
-          <a:p>
-            <a:r>
-              <a:rPr lang="en-US" dirty="0" smtClean="0"/>
-              <a:t>Percent Standard Deviation:   0.8911%</a:t>
-            </a:r>
-          </a:p>
-        </p:txBody>
-      </p:sp>
-      <p:sp>
-        <p:nvSpPr>
-          <p:cNvPr id="5" name="Text Placeholder 4"/>
-          <p:cNvSpPr>
-            <a:spLocks noGrp="1"/>
-          </p:cNvSpPr>
-          <p:nvPr>
-            <p:ph type="body" sz="quarter" idx="3"/>
-          </p:nvPr>
-        </p:nvSpPr>
-        <p:spPr/>
-        <p:txBody>
-          <a:bodyPr/>
-          <a:lstStyle/>
-          <a:p>
-            <a:r>
-              <a:rPr lang="en-US" dirty="0" smtClean="0"/>
-              <a:t>Test pipette</a:t>
-            </a:r>
-            <a:endParaRPr lang="en-US" dirty="0"/>
-          </a:p>
-        </p:txBody>
-      </p:sp>
-      <p:sp>
-        <p:nvSpPr>
-          <p:cNvPr id="6" name="Content Placeholder 5"/>
-          <p:cNvSpPr>
-            <a:spLocks noGrp="1"/>
-          </p:cNvSpPr>
-          <p:nvPr>
-            <p:ph sz="quarter" idx="14"/>
-          </p:nvPr>
-        </p:nvSpPr>
-        <p:spPr/>
-        <p:txBody>
-          <a:bodyPr/>
-          <a:lstStyle/>
-          <a:p>
-            <a:r>
-              <a:rPr lang="en-US" dirty="0"/>
-              <a:t>Average of ten trial :                 </a:t>
-            </a:r>
-            <a:r>
-              <a:rPr lang="en-US" dirty="0" smtClean="0"/>
-              <a:t>0.01921</a:t>
-            </a:r>
-            <a:endParaRPr lang="en-US" dirty="0"/>
-          </a:p>
-          <a:p>
-            <a:r>
-              <a:rPr lang="en-US" dirty="0"/>
-              <a:t>Percent Error:                             </a:t>
-            </a:r>
-            <a:r>
-              <a:rPr lang="en-US" dirty="0" smtClean="0"/>
-              <a:t>-3.967%</a:t>
-            </a:r>
-          </a:p>
-          <a:p>
-            <a:r>
-              <a:rPr lang="en-US" dirty="0" smtClean="0"/>
-              <a:t>Standard Deviation :                  0.00042</a:t>
-            </a:r>
-          </a:p>
-          <a:p>
-            <a:r>
-              <a:rPr lang="en-US" dirty="0" smtClean="0"/>
-              <a:t>Percent </a:t>
-            </a:r>
-            <a:r>
-              <a:rPr lang="en-US" dirty="0"/>
-              <a:t>Standard Deviation:    </a:t>
-            </a:r>
-            <a:r>
-              <a:rPr lang="en-US" dirty="0" smtClean="0"/>
-              <a:t>2.1948%</a:t>
-            </a:r>
-            <a:endParaRPr lang="en-US" dirty="0"/>
-          </a:p>
-          <a:p>
-            <a:endParaRPr lang="en-US" dirty="0"/>
-          </a:p>
-        </p:txBody>
-      </p:sp>
-    </p:spTree>
-    <p:extLst>
-      <p:ext uri="{BB962C8B-B14F-4D97-AF65-F5344CB8AC3E}">
-        <p14:creationId xmlns:p14="http://schemas.microsoft.com/office/powerpoint/2010/main" val="2847969902"/>
+        <p14:creationId xmlns:p14="http://schemas.microsoft.com/office/powerpoint/2010/main" val="2724505957"/>
       </p:ext>
     </p:extLst>
   </p:cSld>

--- a/Presentation1.pptx
+++ b/Presentation1.pptx
@@ -476,11 +476,11 @@
           <c:showPercent val="0"/>
           <c:showBubbleSize val="0"/>
         </c:dLbls>
-        <c:axId val="-771459392"/>
-        <c:axId val="-771457216"/>
+        <c:axId val="143096576"/>
+        <c:axId val="143107456"/>
       </c:scatterChart>
       <c:valAx>
-        <c:axId val="-771459392"/>
+        <c:axId val="143096576"/>
         <c:scaling>
           <c:orientation val="minMax"/>
         </c:scaling>
@@ -597,12 +597,12 @@
             <a:endParaRPr lang="en-US"/>
           </a:p>
         </c:txPr>
-        <c:crossAx val="-771457216"/>
+        <c:crossAx val="143107456"/>
         <c:crosses val="autoZero"/>
         <c:crossBetween val="midCat"/>
       </c:valAx>
       <c:valAx>
-        <c:axId val="-771457216"/>
+        <c:axId val="143107456"/>
         <c:scaling>
           <c:orientation val="minMax"/>
           <c:min val="0.19000000000000003"/>
@@ -721,7 +721,7 @@
             <a:endParaRPr lang="en-US"/>
           </a:p>
         </c:txPr>
-        <c:crossAx val="-771459392"/>
+        <c:crossAx val="143096576"/>
         <c:crosses val="autoZero"/>
         <c:crossBetween val="midCat"/>
       </c:valAx>
@@ -1091,11 +1091,11 @@
         </c:dLbls>
         <c:gapWidth val="219"/>
         <c:overlap val="-27"/>
-        <c:axId val="-771447968"/>
-        <c:axId val="-771447424"/>
+        <c:axId val="143101472"/>
+        <c:axId val="143105824"/>
       </c:barChart>
       <c:catAx>
-        <c:axId val="-771447968"/>
+        <c:axId val="143101472"/>
         <c:scaling>
           <c:orientation val="minMax"/>
         </c:scaling>
@@ -1194,7 +1194,7 @@
             <a:endParaRPr lang="en-US"/>
           </a:p>
         </c:txPr>
-        <c:crossAx val="-771447424"/>
+        <c:crossAx val="143105824"/>
         <c:crosses val="autoZero"/>
         <c:auto val="1"/>
         <c:lblAlgn val="ctr"/>
@@ -1202,7 +1202,7 @@
         <c:noMultiLvlLbl val="0"/>
       </c:catAx>
       <c:valAx>
-        <c:axId val="-771447424"/>
+        <c:axId val="143105824"/>
         <c:scaling>
           <c:orientation val="minMax"/>
         </c:scaling>
@@ -1369,7 +1369,7 @@
             <a:endParaRPr lang="en-US"/>
           </a:p>
         </c:txPr>
-        <c:crossAx val="-771447968"/>
+        <c:crossAx val="143101472"/>
         <c:crosses val="autoZero"/>
         <c:crossBetween val="between"/>
       </c:valAx>
@@ -11882,7 +11882,11 @@
           <a:bodyPr/>
           <a:lstStyle/>
           <a:p>
-            <a:endParaRPr lang="en-US"/>
+            <a:r>
+              <a:rPr lang="en-US" dirty="0" smtClean="0"/>
+              <a:t>Design </a:t>
+            </a:r>
+            <a:endParaRPr lang="en-US" dirty="0"/>
           </a:p>
         </p:txBody>
       </p:sp>
@@ -11904,8 +11908,8 @@
         </p:blipFill>
         <p:spPr>
           <a:xfrm>
-            <a:off x="445145" y="925831"/>
-            <a:ext cx="11079480" cy="6232208"/>
+            <a:off x="-817564" y="147659"/>
+            <a:ext cx="14008045" cy="7879526"/>
           </a:xfrm>
           <a:prstGeom prst="rect">
             <a:avLst/>
@@ -12375,13 +12379,7 @@
               <a:rPr lang="en-US" dirty="0" smtClean="0">
                 <a:latin typeface="Calibri" panose="020F0502020204030204" pitchFamily="34" charset="0"/>
               </a:rPr>
-              <a:t>Fix: Replacing </a:t>
-            </a:r>
-            <a:r>
-              <a:rPr lang="en-US" dirty="0" smtClean="0">
-                <a:latin typeface="Calibri" panose="020F0502020204030204" pitchFamily="34" charset="0"/>
-              </a:rPr>
-              <a:t>the nut with a locking nut</a:t>
+              <a:t>Fix: Replacing the nut with a locking nut</a:t>
             </a:r>
           </a:p>
           <a:p>
